--- a/presentation/Portable biometrics for determining cognitive load from galvanic.pptx
+++ b/presentation/Portable biometrics for determining cognitive load from galvanic.pptx
@@ -5,7 +5,7 @@
     <p:sldMasterId id="2147483648" r:id="rId1"/>
   </p:sldMasterIdLst>
   <p:notesMasterIdLst>
-    <p:notesMasterId r:id="rId21"/>
+    <p:notesMasterId r:id="rId35"/>
   </p:notesMasterIdLst>
   <p:sldIdLst>
     <p:sldId id="256" r:id="rId2"/>
@@ -13,20 +13,34 @@
     <p:sldId id="258" r:id="rId4"/>
     <p:sldId id="259" r:id="rId5"/>
     <p:sldId id="260" r:id="rId6"/>
-    <p:sldId id="261" r:id="rId7"/>
-    <p:sldId id="262" r:id="rId8"/>
+    <p:sldId id="262" r:id="rId7"/>
+    <p:sldId id="261" r:id="rId8"/>
     <p:sldId id="263" r:id="rId9"/>
-    <p:sldId id="264" r:id="rId10"/>
-    <p:sldId id="265" r:id="rId11"/>
-    <p:sldId id="266" r:id="rId12"/>
-    <p:sldId id="267" r:id="rId13"/>
-    <p:sldId id="273" r:id="rId14"/>
-    <p:sldId id="268" r:id="rId15"/>
-    <p:sldId id="274" r:id="rId16"/>
-    <p:sldId id="269" r:id="rId17"/>
-    <p:sldId id="270" r:id="rId18"/>
-    <p:sldId id="271" r:id="rId19"/>
-    <p:sldId id="272" r:id="rId20"/>
+    <p:sldId id="275" r:id="rId10"/>
+    <p:sldId id="264" r:id="rId11"/>
+    <p:sldId id="265" r:id="rId12"/>
+    <p:sldId id="266" r:id="rId13"/>
+    <p:sldId id="267" r:id="rId14"/>
+    <p:sldId id="276" r:id="rId15"/>
+    <p:sldId id="277" r:id="rId16"/>
+    <p:sldId id="278" r:id="rId17"/>
+    <p:sldId id="279" r:id="rId18"/>
+    <p:sldId id="281" r:id="rId19"/>
+    <p:sldId id="280" r:id="rId20"/>
+    <p:sldId id="282" r:id="rId21"/>
+    <p:sldId id="273" r:id="rId22"/>
+    <p:sldId id="268" r:id="rId23"/>
+    <p:sldId id="274" r:id="rId24"/>
+    <p:sldId id="269" r:id="rId25"/>
+    <p:sldId id="270" r:id="rId26"/>
+    <p:sldId id="271" r:id="rId27"/>
+    <p:sldId id="272" r:id="rId28"/>
+    <p:sldId id="283" r:id="rId29"/>
+    <p:sldId id="284" r:id="rId30"/>
+    <p:sldId id="285" r:id="rId31"/>
+    <p:sldId id="286" r:id="rId32"/>
+    <p:sldId id="288" r:id="rId33"/>
+    <p:sldId id="289" r:id="rId34"/>
   </p:sldIdLst>
   <p:sldSz cx="12192000" cy="6858000"/>
   <p:notesSz cx="6858000" cy="9144000"/>
@@ -125,6 +139,11 @@
       </a:defRPr>
     </a:lvl9pPr>
   </p:defaultTextStyle>
+  <p:extLst>
+    <p:ext uri="{EFAFB233-063F-42B5-8137-9DF3F51BA10A}">
+      <p15:sldGuideLst xmlns:p15="http://schemas.microsoft.com/office/powerpoint/2012/main"/>
+    </p:ext>
+  </p:extLst>
 </p:presentation>
 </file>
 
@@ -210,7 +229,7 @@
           <a:p>
             <a:fld id="{70D4E0D8-320B-4569-BE6C-469D92E7587A}" type="datetimeFigureOut">
               <a:rPr lang="nl-NL" smtClean="0"/>
-              <a:t>1-12-2014</a:t>
+              <a:t>12-12-2014</a:t>
             </a:fld>
             <a:endParaRPr lang="nl-NL"/>
           </a:p>
@@ -522,6 +541,10 @@
           <a:bodyPr/>
           <a:lstStyle/>
           <a:p>
+            <a:r>
+              <a:rPr lang="nl-NL" dirty="0" smtClean="0"/>
+              <a:t>Explain it into more detail later slide</a:t>
+            </a:r>
             <a:endParaRPr lang="nl-NL" dirty="0"/>
           </a:p>
         </p:txBody>
@@ -543,7 +566,7 @@
           <a:p>
             <a:fld id="{54B359D9-548E-4D60-8745-C70A5F330213}" type="slidenum">
               <a:rPr lang="nl-NL" smtClean="0"/>
-              <a:t>9</a:t>
+              <a:t>7</a:t>
             </a:fld>
             <a:endParaRPr lang="nl-NL"/>
           </a:p>
@@ -552,7 +575,385 @@
     </p:spTree>
     <p:extLst>
       <p:ext uri="{BB962C8B-B14F-4D97-AF65-F5344CB8AC3E}">
-        <p14:creationId xmlns:p14="http://schemas.microsoft.com/office/powerpoint/2010/main" val="3415107850"/>
+        <p14:creationId xmlns:p14="http://schemas.microsoft.com/office/powerpoint/2010/main" val="21645912"/>
+      </p:ext>
+    </p:extLst>
+  </p:cSld>
+  <p:clrMapOvr>
+    <a:masterClrMapping/>
+  </p:clrMapOvr>
+</p:notes>
+</file>
+
+<file path=ppt/notesSlides/notesSlide10.xml><?xml version="1.0" encoding="utf-8"?>
+<p:notes xmlns:a="http://schemas.openxmlformats.org/drawingml/2006/main" xmlns:r="http://schemas.openxmlformats.org/officeDocument/2006/relationships" xmlns:p="http://schemas.openxmlformats.org/presentationml/2006/main">
+  <p:cSld>
+    <p:spTree>
+      <p:nvGrpSpPr>
+        <p:cNvPr id="1" name=""/>
+        <p:cNvGrpSpPr/>
+        <p:nvPr/>
+      </p:nvGrpSpPr>
+      <p:grpSpPr>
+        <a:xfrm>
+          <a:off x="0" y="0"/>
+          <a:ext cx="0" cy="0"/>
+          <a:chOff x="0" y="0"/>
+          <a:chExt cx="0" cy="0"/>
+        </a:xfrm>
+      </p:grpSpPr>
+      <p:sp>
+        <p:nvSpPr>
+          <p:cNvPr id="2" name="Slide Image Placeholder 1"/>
+          <p:cNvSpPr>
+            <a:spLocks noGrp="1" noRot="1" noChangeAspect="1"/>
+          </p:cNvSpPr>
+          <p:nvPr>
+            <p:ph type="sldImg"/>
+          </p:nvPr>
+        </p:nvSpPr>
+        <p:spPr/>
+      </p:sp>
+      <p:sp>
+        <p:nvSpPr>
+          <p:cNvPr id="3" name="Notes Placeholder 2"/>
+          <p:cNvSpPr>
+            <a:spLocks noGrp="1"/>
+          </p:cNvSpPr>
+          <p:nvPr>
+            <p:ph type="body" idx="1"/>
+          </p:nvPr>
+        </p:nvSpPr>
+        <p:spPr/>
+        <p:txBody>
+          <a:bodyPr/>
+          <a:lstStyle/>
+          <a:p>
+            <a:endParaRPr lang="nl-NL" dirty="0"/>
+          </a:p>
+        </p:txBody>
+      </p:sp>
+      <p:sp>
+        <p:nvSpPr>
+          <p:cNvPr id="4" name="Slide Number Placeholder 3"/>
+          <p:cNvSpPr>
+            <a:spLocks noGrp="1"/>
+          </p:cNvSpPr>
+          <p:nvPr>
+            <p:ph type="sldNum" sz="quarter" idx="10"/>
+          </p:nvPr>
+        </p:nvSpPr>
+        <p:spPr/>
+        <p:txBody>
+          <a:bodyPr/>
+          <a:lstStyle/>
+          <a:p>
+            <a:fld id="{54B359D9-548E-4D60-8745-C70A5F330213}" type="slidenum">
+              <a:rPr lang="nl-NL" smtClean="0"/>
+              <a:t>25</a:t>
+            </a:fld>
+            <a:endParaRPr lang="nl-NL"/>
+          </a:p>
+        </p:txBody>
+      </p:sp>
+    </p:spTree>
+    <p:extLst>
+      <p:ext uri="{BB962C8B-B14F-4D97-AF65-F5344CB8AC3E}">
+        <p14:creationId xmlns:p14="http://schemas.microsoft.com/office/powerpoint/2010/main" val="797531468"/>
+      </p:ext>
+    </p:extLst>
+  </p:cSld>
+  <p:clrMapOvr>
+    <a:masterClrMapping/>
+  </p:clrMapOvr>
+</p:notes>
+</file>
+
+<file path=ppt/notesSlides/notesSlide11.xml><?xml version="1.0" encoding="utf-8"?>
+<p:notes xmlns:a="http://schemas.openxmlformats.org/drawingml/2006/main" xmlns:r="http://schemas.openxmlformats.org/officeDocument/2006/relationships" xmlns:p="http://schemas.openxmlformats.org/presentationml/2006/main">
+  <p:cSld>
+    <p:spTree>
+      <p:nvGrpSpPr>
+        <p:cNvPr id="1" name=""/>
+        <p:cNvGrpSpPr/>
+        <p:nvPr/>
+      </p:nvGrpSpPr>
+      <p:grpSpPr>
+        <a:xfrm>
+          <a:off x="0" y="0"/>
+          <a:ext cx="0" cy="0"/>
+          <a:chOff x="0" y="0"/>
+          <a:chExt cx="0" cy="0"/>
+        </a:xfrm>
+      </p:grpSpPr>
+      <p:sp>
+        <p:nvSpPr>
+          <p:cNvPr id="2" name="Slide Image Placeholder 1"/>
+          <p:cNvSpPr>
+            <a:spLocks noGrp="1" noRot="1" noChangeAspect="1"/>
+          </p:cNvSpPr>
+          <p:nvPr>
+            <p:ph type="sldImg"/>
+          </p:nvPr>
+        </p:nvSpPr>
+        <p:spPr/>
+      </p:sp>
+      <p:sp>
+        <p:nvSpPr>
+          <p:cNvPr id="3" name="Notes Placeholder 2"/>
+          <p:cNvSpPr>
+            <a:spLocks noGrp="1"/>
+          </p:cNvSpPr>
+          <p:nvPr>
+            <p:ph type="body" idx="1"/>
+          </p:nvPr>
+        </p:nvSpPr>
+        <p:spPr/>
+        <p:txBody>
+          <a:bodyPr/>
+          <a:lstStyle/>
+          <a:p>
+            <a:r>
+              <a:rPr lang="nl-NL" dirty="0" smtClean="0"/>
+              <a:t>Note that 25% is expected from chance</a:t>
+            </a:r>
+          </a:p>
+          <a:p>
+            <a:r>
+              <a:rPr lang="nl-NL" dirty="0" smtClean="0"/>
+              <a:t>Not</a:t>
+            </a:r>
+            <a:r>
+              <a:rPr lang="nl-NL" baseline="0" dirty="0" smtClean="0"/>
+              <a:t> great.</a:t>
+            </a:r>
+            <a:endParaRPr lang="nl-NL" dirty="0"/>
+          </a:p>
+        </p:txBody>
+      </p:sp>
+      <p:sp>
+        <p:nvSpPr>
+          <p:cNvPr id="4" name="Slide Number Placeholder 3"/>
+          <p:cNvSpPr>
+            <a:spLocks noGrp="1"/>
+          </p:cNvSpPr>
+          <p:nvPr>
+            <p:ph type="sldNum" sz="quarter" idx="10"/>
+          </p:nvPr>
+        </p:nvSpPr>
+        <p:spPr/>
+        <p:txBody>
+          <a:bodyPr/>
+          <a:lstStyle/>
+          <a:p>
+            <a:fld id="{54B359D9-548E-4D60-8745-C70A5F330213}" type="slidenum">
+              <a:rPr lang="nl-NL" smtClean="0"/>
+              <a:t>30</a:t>
+            </a:fld>
+            <a:endParaRPr lang="nl-NL"/>
+          </a:p>
+        </p:txBody>
+      </p:sp>
+    </p:spTree>
+    <p:extLst>
+      <p:ext uri="{BB962C8B-B14F-4D97-AF65-F5344CB8AC3E}">
+        <p14:creationId xmlns:p14="http://schemas.microsoft.com/office/powerpoint/2010/main" val="1271970032"/>
+      </p:ext>
+    </p:extLst>
+  </p:cSld>
+  <p:clrMapOvr>
+    <a:masterClrMapping/>
+  </p:clrMapOvr>
+</p:notes>
+</file>
+
+<file path=ppt/notesSlides/notesSlide12.xml><?xml version="1.0" encoding="utf-8"?>
+<p:notes xmlns:a="http://schemas.openxmlformats.org/drawingml/2006/main" xmlns:r="http://schemas.openxmlformats.org/officeDocument/2006/relationships" xmlns:p="http://schemas.openxmlformats.org/presentationml/2006/main">
+  <p:cSld>
+    <p:spTree>
+      <p:nvGrpSpPr>
+        <p:cNvPr id="1" name=""/>
+        <p:cNvGrpSpPr/>
+        <p:nvPr/>
+      </p:nvGrpSpPr>
+      <p:grpSpPr>
+        <a:xfrm>
+          <a:off x="0" y="0"/>
+          <a:ext cx="0" cy="0"/>
+          <a:chOff x="0" y="0"/>
+          <a:chExt cx="0" cy="0"/>
+        </a:xfrm>
+      </p:grpSpPr>
+      <p:sp>
+        <p:nvSpPr>
+          <p:cNvPr id="2" name="Slide Image Placeholder 1"/>
+          <p:cNvSpPr>
+            <a:spLocks noGrp="1" noRot="1" noChangeAspect="1"/>
+          </p:cNvSpPr>
+          <p:nvPr>
+            <p:ph type="sldImg"/>
+          </p:nvPr>
+        </p:nvSpPr>
+        <p:spPr/>
+      </p:sp>
+      <p:sp>
+        <p:nvSpPr>
+          <p:cNvPr id="3" name="Notes Placeholder 2"/>
+          <p:cNvSpPr>
+            <a:spLocks noGrp="1"/>
+          </p:cNvSpPr>
+          <p:nvPr>
+            <p:ph type="body" idx="1"/>
+          </p:nvPr>
+        </p:nvSpPr>
+        <p:spPr/>
+        <p:txBody>
+          <a:bodyPr/>
+          <a:lstStyle/>
+          <a:p>
+            <a:r>
+              <a:rPr lang="nl-NL" dirty="0" smtClean="0"/>
+              <a:t>Classifying between task</a:t>
+            </a:r>
+            <a:r>
+              <a:rPr lang="nl-NL" baseline="0" dirty="0" smtClean="0"/>
+              <a:t> 1,2   and task 3,4 combined</a:t>
+            </a:r>
+            <a:endParaRPr lang="nl-NL" dirty="0" smtClean="0"/>
+          </a:p>
+          <a:p>
+            <a:r>
+              <a:rPr lang="nl-NL" dirty="0" smtClean="0"/>
+              <a:t>50% expected</a:t>
+            </a:r>
+            <a:r>
+              <a:rPr lang="nl-NL" baseline="0" dirty="0" smtClean="0"/>
+              <a:t> from chance.</a:t>
+            </a:r>
+          </a:p>
+          <a:p>
+            <a:endParaRPr lang="nl-NL" baseline="0" dirty="0" smtClean="0"/>
+          </a:p>
+          <a:p>
+            <a:r>
+              <a:rPr lang="nl-NL" baseline="0" dirty="0" smtClean="0"/>
+              <a:t>Still not great / good enough</a:t>
+            </a:r>
+            <a:endParaRPr lang="nl-NL" dirty="0"/>
+          </a:p>
+        </p:txBody>
+      </p:sp>
+      <p:sp>
+        <p:nvSpPr>
+          <p:cNvPr id="4" name="Slide Number Placeholder 3"/>
+          <p:cNvSpPr>
+            <a:spLocks noGrp="1"/>
+          </p:cNvSpPr>
+          <p:nvPr>
+            <p:ph type="sldNum" sz="quarter" idx="10"/>
+          </p:nvPr>
+        </p:nvSpPr>
+        <p:spPr/>
+        <p:txBody>
+          <a:bodyPr/>
+          <a:lstStyle/>
+          <a:p>
+            <a:fld id="{54B359D9-548E-4D60-8745-C70A5F330213}" type="slidenum">
+              <a:rPr lang="nl-NL" smtClean="0"/>
+              <a:t>31</a:t>
+            </a:fld>
+            <a:endParaRPr lang="nl-NL"/>
+          </a:p>
+        </p:txBody>
+      </p:sp>
+    </p:spTree>
+    <p:extLst>
+      <p:ext uri="{BB962C8B-B14F-4D97-AF65-F5344CB8AC3E}">
+        <p14:creationId xmlns:p14="http://schemas.microsoft.com/office/powerpoint/2010/main" val="899788245"/>
+      </p:ext>
+    </p:extLst>
+  </p:cSld>
+  <p:clrMapOvr>
+    <a:masterClrMapping/>
+  </p:clrMapOvr>
+</p:notes>
+</file>
+
+<file path=ppt/notesSlides/notesSlide13.xml><?xml version="1.0" encoding="utf-8"?>
+<p:notes xmlns:a="http://schemas.openxmlformats.org/drawingml/2006/main" xmlns:r="http://schemas.openxmlformats.org/officeDocument/2006/relationships" xmlns:p="http://schemas.openxmlformats.org/presentationml/2006/main">
+  <p:cSld>
+    <p:spTree>
+      <p:nvGrpSpPr>
+        <p:cNvPr id="1" name=""/>
+        <p:cNvGrpSpPr/>
+        <p:nvPr/>
+      </p:nvGrpSpPr>
+      <p:grpSpPr>
+        <a:xfrm>
+          <a:off x="0" y="0"/>
+          <a:ext cx="0" cy="0"/>
+          <a:chOff x="0" y="0"/>
+          <a:chExt cx="0" cy="0"/>
+        </a:xfrm>
+      </p:grpSpPr>
+      <p:sp>
+        <p:nvSpPr>
+          <p:cNvPr id="2" name="Slide Image Placeholder 1"/>
+          <p:cNvSpPr>
+            <a:spLocks noGrp="1" noRot="1" noChangeAspect="1"/>
+          </p:cNvSpPr>
+          <p:nvPr>
+            <p:ph type="sldImg"/>
+          </p:nvPr>
+        </p:nvSpPr>
+        <p:spPr/>
+      </p:sp>
+      <p:sp>
+        <p:nvSpPr>
+          <p:cNvPr id="3" name="Notes Placeholder 2"/>
+          <p:cNvSpPr>
+            <a:spLocks noGrp="1"/>
+          </p:cNvSpPr>
+          <p:nvPr>
+            <p:ph type="body" idx="1"/>
+          </p:nvPr>
+        </p:nvSpPr>
+        <p:spPr/>
+        <p:txBody>
+          <a:bodyPr/>
+          <a:lstStyle/>
+          <a:p>
+            <a:endParaRPr lang="nl-NL" dirty="0"/>
+          </a:p>
+        </p:txBody>
+      </p:sp>
+      <p:sp>
+        <p:nvSpPr>
+          <p:cNvPr id="4" name="Slide Number Placeholder 3"/>
+          <p:cNvSpPr>
+            <a:spLocks noGrp="1"/>
+          </p:cNvSpPr>
+          <p:nvPr>
+            <p:ph type="sldNum" sz="quarter" idx="10"/>
+          </p:nvPr>
+        </p:nvSpPr>
+        <p:spPr/>
+        <p:txBody>
+          <a:bodyPr/>
+          <a:lstStyle/>
+          <a:p>
+            <a:fld id="{54B359D9-548E-4D60-8745-C70A5F330213}" type="slidenum">
+              <a:rPr lang="nl-NL" smtClean="0"/>
+              <a:t>33</a:t>
+            </a:fld>
+            <a:endParaRPr lang="nl-NL"/>
+          </a:p>
+        </p:txBody>
+      </p:sp>
+    </p:spTree>
+    <p:extLst>
+      <p:ext uri="{BB962C8B-B14F-4D97-AF65-F5344CB8AC3E}">
+        <p14:creationId xmlns:p14="http://schemas.microsoft.com/office/powerpoint/2010/main" val="2793186080"/>
       </p:ext>
     </p:extLst>
   </p:cSld>
@@ -627,7 +1028,7 @@
           <a:p>
             <a:fld id="{54B359D9-548E-4D60-8745-C70A5F330213}" type="slidenum">
               <a:rPr lang="nl-NL" smtClean="0"/>
-              <a:t>14</a:t>
+              <a:t>8</a:t>
             </a:fld>
             <a:endParaRPr lang="nl-NL"/>
           </a:p>
@@ -636,7 +1037,7 @@
     </p:spTree>
     <p:extLst>
       <p:ext uri="{BB962C8B-B14F-4D97-AF65-F5344CB8AC3E}">
-        <p14:creationId xmlns:p14="http://schemas.microsoft.com/office/powerpoint/2010/main" val="3555880261"/>
+        <p14:creationId xmlns:p14="http://schemas.microsoft.com/office/powerpoint/2010/main" val="1997436969"/>
       </p:ext>
     </p:extLst>
   </p:cSld>
@@ -690,7 +1091,48 @@
           <a:bodyPr/>
           <a:lstStyle/>
           <a:p>
-            <a:endParaRPr lang="nl-NL" dirty="0"/>
+            <a:pPr marL="171450" indent="-171450">
+              <a:buFontTx/>
+              <a:buChar char="-"/>
+            </a:pPr>
+            <a:r>
+              <a:rPr lang="nl-NL" dirty="0" smtClean="0"/>
+              <a:t>GSR is measuring</a:t>
+            </a:r>
+            <a:r>
+              <a:rPr lang="nl-NL" baseline="0" dirty="0" smtClean="0"/>
+              <a:t> the electrical skin conductance,</a:t>
+            </a:r>
+          </a:p>
+          <a:p>
+            <a:pPr marL="171450" indent="-171450">
+              <a:buFontTx/>
+              <a:buChar char="-"/>
+            </a:pPr>
+            <a:r>
+              <a:rPr lang="nl-NL" baseline="0" dirty="0" smtClean="0"/>
+              <a:t>Unit of measurement is micro siemens</a:t>
+            </a:r>
+          </a:p>
+          <a:p>
+            <a:pPr marL="171450" indent="-171450">
+              <a:buFontTx/>
+              <a:buChar char="-"/>
+            </a:pPr>
+            <a:r>
+              <a:rPr lang="nl-NL" baseline="0" dirty="0" smtClean="0"/>
+              <a:t>More sweat -&gt; higher conductance, sweating caused by primitive ‘fight or flight’ response, preparing for exertion to deal with threat</a:t>
+            </a:r>
+          </a:p>
+          <a:p>
+            <a:pPr marL="171450" indent="-171450">
+              <a:buFontTx/>
+              <a:buChar char="-"/>
+            </a:pPr>
+            <a:r>
+              <a:rPr lang="nl-NL" baseline="0" dirty="0" smtClean="0"/>
+              <a:t>Delayed response</a:t>
+            </a:r>
           </a:p>
         </p:txBody>
       </p:sp>
@@ -711,7 +1153,7 @@
           <a:p>
             <a:fld id="{54B359D9-548E-4D60-8745-C70A5F330213}" type="slidenum">
               <a:rPr lang="nl-NL" smtClean="0"/>
-              <a:t>15</a:t>
+              <a:t>9</a:t>
             </a:fld>
             <a:endParaRPr lang="nl-NL"/>
           </a:p>
@@ -720,7 +1162,7 @@
     </p:spTree>
     <p:extLst>
       <p:ext uri="{BB962C8B-B14F-4D97-AF65-F5344CB8AC3E}">
-        <p14:creationId xmlns:p14="http://schemas.microsoft.com/office/powerpoint/2010/main" val="1588117432"/>
+        <p14:creationId xmlns:p14="http://schemas.microsoft.com/office/powerpoint/2010/main" val="1166388058"/>
       </p:ext>
     </p:extLst>
   </p:cSld>
@@ -795,7 +1237,7 @@
           <a:p>
             <a:fld id="{54B359D9-548E-4D60-8745-C70A5F330213}" type="slidenum">
               <a:rPr lang="nl-NL" smtClean="0"/>
-              <a:t>16</a:t>
+              <a:t>10</a:t>
             </a:fld>
             <a:endParaRPr lang="nl-NL"/>
           </a:p>
@@ -804,7 +1246,7 @@
     </p:spTree>
     <p:extLst>
       <p:ext uri="{BB962C8B-B14F-4D97-AF65-F5344CB8AC3E}">
-        <p14:creationId xmlns:p14="http://schemas.microsoft.com/office/powerpoint/2010/main" val="2765478392"/>
+        <p14:creationId xmlns:p14="http://schemas.microsoft.com/office/powerpoint/2010/main" val="3415107850"/>
       </p:ext>
     </p:extLst>
   </p:cSld>
@@ -879,7 +1321,7 @@
           <a:p>
             <a:fld id="{54B359D9-548E-4D60-8745-C70A5F330213}" type="slidenum">
               <a:rPr lang="nl-NL" smtClean="0"/>
-              <a:t>17</a:t>
+              <a:t>13</a:t>
             </a:fld>
             <a:endParaRPr lang="nl-NL"/>
           </a:p>
@@ -888,7 +1330,347 @@
     </p:spTree>
     <p:extLst>
       <p:ext uri="{BB962C8B-B14F-4D97-AF65-F5344CB8AC3E}">
-        <p14:creationId xmlns:p14="http://schemas.microsoft.com/office/powerpoint/2010/main" val="797531468"/>
+        <p14:creationId xmlns:p14="http://schemas.microsoft.com/office/powerpoint/2010/main" val="1352297047"/>
+      </p:ext>
+    </p:extLst>
+  </p:cSld>
+  <p:clrMapOvr>
+    <a:masterClrMapping/>
+  </p:clrMapOvr>
+</p:notes>
+</file>
+
+<file path=ppt/notesSlides/notesSlide6.xml><?xml version="1.0" encoding="utf-8"?>
+<p:notes xmlns:a="http://schemas.openxmlformats.org/drawingml/2006/main" xmlns:r="http://schemas.openxmlformats.org/officeDocument/2006/relationships" xmlns:p="http://schemas.openxmlformats.org/presentationml/2006/main">
+  <p:cSld>
+    <p:spTree>
+      <p:nvGrpSpPr>
+        <p:cNvPr id="1" name=""/>
+        <p:cNvGrpSpPr/>
+        <p:nvPr/>
+      </p:nvGrpSpPr>
+      <p:grpSpPr>
+        <a:xfrm>
+          <a:off x="0" y="0"/>
+          <a:ext cx="0" cy="0"/>
+          <a:chOff x="0" y="0"/>
+          <a:chExt cx="0" cy="0"/>
+        </a:xfrm>
+      </p:grpSpPr>
+      <p:sp>
+        <p:nvSpPr>
+          <p:cNvPr id="2" name="Slide Image Placeholder 1"/>
+          <p:cNvSpPr>
+            <a:spLocks noGrp="1" noRot="1" noChangeAspect="1"/>
+          </p:cNvSpPr>
+          <p:nvPr>
+            <p:ph type="sldImg"/>
+          </p:nvPr>
+        </p:nvSpPr>
+        <p:spPr/>
+      </p:sp>
+      <p:sp>
+        <p:nvSpPr>
+          <p:cNvPr id="3" name="Notes Placeholder 2"/>
+          <p:cNvSpPr>
+            <a:spLocks noGrp="1"/>
+          </p:cNvSpPr>
+          <p:nvPr>
+            <p:ph type="body" idx="1"/>
+          </p:nvPr>
+        </p:nvSpPr>
+        <p:spPr/>
+        <p:txBody>
+          <a:bodyPr/>
+          <a:lstStyle/>
+          <a:p>
+            <a:endParaRPr lang="nl-NL" dirty="0"/>
+          </a:p>
+        </p:txBody>
+      </p:sp>
+      <p:sp>
+        <p:nvSpPr>
+          <p:cNvPr id="4" name="Slide Number Placeholder 3"/>
+          <p:cNvSpPr>
+            <a:spLocks noGrp="1"/>
+          </p:cNvSpPr>
+          <p:nvPr>
+            <p:ph type="sldNum" sz="quarter" idx="10"/>
+          </p:nvPr>
+        </p:nvSpPr>
+        <p:spPr/>
+        <p:txBody>
+          <a:bodyPr/>
+          <a:lstStyle/>
+          <a:p>
+            <a:fld id="{54B359D9-548E-4D60-8745-C70A5F330213}" type="slidenum">
+              <a:rPr lang="nl-NL" smtClean="0"/>
+              <a:t>20</a:t>
+            </a:fld>
+            <a:endParaRPr lang="nl-NL"/>
+          </a:p>
+        </p:txBody>
+      </p:sp>
+    </p:spTree>
+    <p:extLst>
+      <p:ext uri="{BB962C8B-B14F-4D97-AF65-F5344CB8AC3E}">
+        <p14:creationId xmlns:p14="http://schemas.microsoft.com/office/powerpoint/2010/main" val="3886982832"/>
+      </p:ext>
+    </p:extLst>
+  </p:cSld>
+  <p:clrMapOvr>
+    <a:masterClrMapping/>
+  </p:clrMapOvr>
+</p:notes>
+</file>
+
+<file path=ppt/notesSlides/notesSlide7.xml><?xml version="1.0" encoding="utf-8"?>
+<p:notes xmlns:a="http://schemas.openxmlformats.org/drawingml/2006/main" xmlns:r="http://schemas.openxmlformats.org/officeDocument/2006/relationships" xmlns:p="http://schemas.openxmlformats.org/presentationml/2006/main">
+  <p:cSld>
+    <p:spTree>
+      <p:nvGrpSpPr>
+        <p:cNvPr id="1" name=""/>
+        <p:cNvGrpSpPr/>
+        <p:nvPr/>
+      </p:nvGrpSpPr>
+      <p:grpSpPr>
+        <a:xfrm>
+          <a:off x="0" y="0"/>
+          <a:ext cx="0" cy="0"/>
+          <a:chOff x="0" y="0"/>
+          <a:chExt cx="0" cy="0"/>
+        </a:xfrm>
+      </p:grpSpPr>
+      <p:sp>
+        <p:nvSpPr>
+          <p:cNvPr id="2" name="Slide Image Placeholder 1"/>
+          <p:cNvSpPr>
+            <a:spLocks noGrp="1" noRot="1" noChangeAspect="1"/>
+          </p:cNvSpPr>
+          <p:nvPr>
+            <p:ph type="sldImg"/>
+          </p:nvPr>
+        </p:nvSpPr>
+        <p:spPr/>
+      </p:sp>
+      <p:sp>
+        <p:nvSpPr>
+          <p:cNvPr id="3" name="Notes Placeholder 2"/>
+          <p:cNvSpPr>
+            <a:spLocks noGrp="1"/>
+          </p:cNvSpPr>
+          <p:nvPr>
+            <p:ph type="body" idx="1"/>
+          </p:nvPr>
+        </p:nvSpPr>
+        <p:spPr/>
+        <p:txBody>
+          <a:bodyPr/>
+          <a:lstStyle/>
+          <a:p>
+            <a:endParaRPr lang="nl-NL" dirty="0"/>
+          </a:p>
+        </p:txBody>
+      </p:sp>
+      <p:sp>
+        <p:nvSpPr>
+          <p:cNvPr id="4" name="Slide Number Placeholder 3"/>
+          <p:cNvSpPr>
+            <a:spLocks noGrp="1"/>
+          </p:cNvSpPr>
+          <p:nvPr>
+            <p:ph type="sldNum" sz="quarter" idx="10"/>
+          </p:nvPr>
+        </p:nvSpPr>
+        <p:spPr/>
+        <p:txBody>
+          <a:bodyPr/>
+          <a:lstStyle/>
+          <a:p>
+            <a:fld id="{54B359D9-548E-4D60-8745-C70A5F330213}" type="slidenum">
+              <a:rPr lang="nl-NL" smtClean="0"/>
+              <a:t>22</a:t>
+            </a:fld>
+            <a:endParaRPr lang="nl-NL"/>
+          </a:p>
+        </p:txBody>
+      </p:sp>
+    </p:spTree>
+    <p:extLst>
+      <p:ext uri="{BB962C8B-B14F-4D97-AF65-F5344CB8AC3E}">
+        <p14:creationId xmlns:p14="http://schemas.microsoft.com/office/powerpoint/2010/main" val="3555880261"/>
+      </p:ext>
+    </p:extLst>
+  </p:cSld>
+  <p:clrMapOvr>
+    <a:masterClrMapping/>
+  </p:clrMapOvr>
+</p:notes>
+</file>
+
+<file path=ppt/notesSlides/notesSlide8.xml><?xml version="1.0" encoding="utf-8"?>
+<p:notes xmlns:a="http://schemas.openxmlformats.org/drawingml/2006/main" xmlns:r="http://schemas.openxmlformats.org/officeDocument/2006/relationships" xmlns:p="http://schemas.openxmlformats.org/presentationml/2006/main">
+  <p:cSld>
+    <p:spTree>
+      <p:nvGrpSpPr>
+        <p:cNvPr id="1" name=""/>
+        <p:cNvGrpSpPr/>
+        <p:nvPr/>
+      </p:nvGrpSpPr>
+      <p:grpSpPr>
+        <a:xfrm>
+          <a:off x="0" y="0"/>
+          <a:ext cx="0" cy="0"/>
+          <a:chOff x="0" y="0"/>
+          <a:chExt cx="0" cy="0"/>
+        </a:xfrm>
+      </p:grpSpPr>
+      <p:sp>
+        <p:nvSpPr>
+          <p:cNvPr id="2" name="Slide Image Placeholder 1"/>
+          <p:cNvSpPr>
+            <a:spLocks noGrp="1" noRot="1" noChangeAspect="1"/>
+          </p:cNvSpPr>
+          <p:nvPr>
+            <p:ph type="sldImg"/>
+          </p:nvPr>
+        </p:nvSpPr>
+        <p:spPr/>
+      </p:sp>
+      <p:sp>
+        <p:nvSpPr>
+          <p:cNvPr id="3" name="Notes Placeholder 2"/>
+          <p:cNvSpPr>
+            <a:spLocks noGrp="1"/>
+          </p:cNvSpPr>
+          <p:nvPr>
+            <p:ph type="body" idx="1"/>
+          </p:nvPr>
+        </p:nvSpPr>
+        <p:spPr/>
+        <p:txBody>
+          <a:bodyPr/>
+          <a:lstStyle/>
+          <a:p>
+            <a:endParaRPr lang="nl-NL" dirty="0"/>
+          </a:p>
+        </p:txBody>
+      </p:sp>
+      <p:sp>
+        <p:nvSpPr>
+          <p:cNvPr id="4" name="Slide Number Placeholder 3"/>
+          <p:cNvSpPr>
+            <a:spLocks noGrp="1"/>
+          </p:cNvSpPr>
+          <p:nvPr>
+            <p:ph type="sldNum" sz="quarter" idx="10"/>
+          </p:nvPr>
+        </p:nvSpPr>
+        <p:spPr/>
+        <p:txBody>
+          <a:bodyPr/>
+          <a:lstStyle/>
+          <a:p>
+            <a:fld id="{54B359D9-548E-4D60-8745-C70A5F330213}" type="slidenum">
+              <a:rPr lang="nl-NL" smtClean="0"/>
+              <a:t>23</a:t>
+            </a:fld>
+            <a:endParaRPr lang="nl-NL"/>
+          </a:p>
+        </p:txBody>
+      </p:sp>
+    </p:spTree>
+    <p:extLst>
+      <p:ext uri="{BB962C8B-B14F-4D97-AF65-F5344CB8AC3E}">
+        <p14:creationId xmlns:p14="http://schemas.microsoft.com/office/powerpoint/2010/main" val="1588117432"/>
+      </p:ext>
+    </p:extLst>
+  </p:cSld>
+  <p:clrMapOvr>
+    <a:masterClrMapping/>
+  </p:clrMapOvr>
+</p:notes>
+</file>
+
+<file path=ppt/notesSlides/notesSlide9.xml><?xml version="1.0" encoding="utf-8"?>
+<p:notes xmlns:a="http://schemas.openxmlformats.org/drawingml/2006/main" xmlns:r="http://schemas.openxmlformats.org/officeDocument/2006/relationships" xmlns:p="http://schemas.openxmlformats.org/presentationml/2006/main">
+  <p:cSld>
+    <p:spTree>
+      <p:nvGrpSpPr>
+        <p:cNvPr id="1" name=""/>
+        <p:cNvGrpSpPr/>
+        <p:nvPr/>
+      </p:nvGrpSpPr>
+      <p:grpSpPr>
+        <a:xfrm>
+          <a:off x="0" y="0"/>
+          <a:ext cx="0" cy="0"/>
+          <a:chOff x="0" y="0"/>
+          <a:chExt cx="0" cy="0"/>
+        </a:xfrm>
+      </p:grpSpPr>
+      <p:sp>
+        <p:nvSpPr>
+          <p:cNvPr id="2" name="Slide Image Placeholder 1"/>
+          <p:cNvSpPr>
+            <a:spLocks noGrp="1" noRot="1" noChangeAspect="1"/>
+          </p:cNvSpPr>
+          <p:nvPr>
+            <p:ph type="sldImg"/>
+          </p:nvPr>
+        </p:nvSpPr>
+        <p:spPr/>
+      </p:sp>
+      <p:sp>
+        <p:nvSpPr>
+          <p:cNvPr id="3" name="Notes Placeholder 2"/>
+          <p:cNvSpPr>
+            <a:spLocks noGrp="1"/>
+          </p:cNvSpPr>
+          <p:nvPr>
+            <p:ph type="body" idx="1"/>
+          </p:nvPr>
+        </p:nvSpPr>
+        <p:spPr/>
+        <p:txBody>
+          <a:bodyPr/>
+          <a:lstStyle/>
+          <a:p>
+            <a:r>
+              <a:rPr lang="nl-NL" dirty="0" smtClean="0"/>
+              <a:t>Low Pass Filter didn´t cut it</a:t>
+            </a:r>
+            <a:endParaRPr lang="nl-NL" dirty="0"/>
+          </a:p>
+        </p:txBody>
+      </p:sp>
+      <p:sp>
+        <p:nvSpPr>
+          <p:cNvPr id="4" name="Slide Number Placeholder 3"/>
+          <p:cNvSpPr>
+            <a:spLocks noGrp="1"/>
+          </p:cNvSpPr>
+          <p:nvPr>
+            <p:ph type="sldNum" sz="quarter" idx="10"/>
+          </p:nvPr>
+        </p:nvSpPr>
+        <p:spPr/>
+        <p:txBody>
+          <a:bodyPr/>
+          <a:lstStyle/>
+          <a:p>
+            <a:fld id="{54B359D9-548E-4D60-8745-C70A5F330213}" type="slidenum">
+              <a:rPr lang="nl-NL" smtClean="0"/>
+              <a:t>24</a:t>
+            </a:fld>
+            <a:endParaRPr lang="nl-NL"/>
+          </a:p>
+        </p:txBody>
+      </p:sp>
+    </p:spTree>
+    <p:extLst>
+      <p:ext uri="{BB962C8B-B14F-4D97-AF65-F5344CB8AC3E}">
+        <p14:creationId xmlns:p14="http://schemas.microsoft.com/office/powerpoint/2010/main" val="2765478392"/>
       </p:ext>
     </p:extLst>
   </p:cSld>
@@ -1124,7 +1906,7 @@
           <a:p>
             <a:fld id="{5A069CB8-F204-4D06-B913-C5A26A89888A}" type="datetimeFigureOut">
               <a:rPr lang="en-US" dirty="0"/>
-              <a:t>12/1/2014</a:t>
+              <a:t>12/12/2014</a:t>
             </a:fld>
             <a:endParaRPr lang="en-US" dirty="0"/>
           </a:p>
@@ -1327,7 +2109,7 @@
           <a:p>
             <a:fld id="{50B6E300-0A13-4A81-945A-7333C271A069}" type="datetimeFigureOut">
               <a:rPr lang="en-US" dirty="0"/>
-              <a:t>12/1/2014</a:t>
+              <a:t>12/12/2014</a:t>
             </a:fld>
             <a:endParaRPr lang="en-US" dirty="0"/>
           </a:p>
@@ -1578,7 +2360,7 @@
           <a:p>
             <a:fld id="{34671962-1EA4-46E7-BCB0-F36CE46D1A59}" type="datetimeFigureOut">
               <a:rPr lang="en-US" dirty="0"/>
-              <a:t>12/1/2014</a:t>
+              <a:t>12/12/2014</a:t>
             </a:fld>
             <a:endParaRPr lang="en-US" dirty="0"/>
           </a:p>
@@ -1743,7 +2525,7 @@
           <a:p>
             <a:fld id="{D30BB376-B19C-488D-ABEB-03C7E6E9E3E0}" type="datetimeFigureOut">
               <a:rPr lang="en-US" dirty="0"/>
-              <a:t>12/1/2014</a:t>
+              <a:t>12/12/2014</a:t>
             </a:fld>
             <a:endParaRPr lang="en-US" dirty="0"/>
           </a:p>
@@ -2081,7 +2863,7 @@
           <a:p>
             <a:fld id="{486F077B-A50F-4D64-8574-E2D6A98A5553}" type="datetimeFigureOut">
               <a:rPr lang="en-US" dirty="0"/>
-              <a:t>12/1/2014</a:t>
+              <a:t>12/12/2014</a:t>
             </a:fld>
             <a:endParaRPr lang="en-US" dirty="0"/>
           </a:p>
@@ -2351,7 +3133,7 @@
           <a:p>
             <a:fld id="{7D9E2A62-1983-43A1-A163-D8AA46534C80}" type="datetimeFigureOut">
               <a:rPr lang="en-US" dirty="0"/>
-              <a:t>12/1/2014</a:t>
+              <a:t>12/12/2014</a:t>
             </a:fld>
             <a:endParaRPr lang="en-US" dirty="0"/>
           </a:p>
@@ -2725,7 +3507,7 @@
           <a:p>
             <a:fld id="{898F3E3B-34E3-4345-B2A1-994B83598A9C}" type="datetimeFigureOut">
               <a:rPr lang="en-US" dirty="0"/>
-              <a:t>12/1/2014</a:t>
+              <a:t>12/12/2014</a:t>
             </a:fld>
             <a:endParaRPr lang="en-US" dirty="0"/>
           </a:p>
@@ -2838,7 +3620,7 @@
           <a:p>
             <a:fld id="{FD816C96-82A1-4D77-8ADA-627AC6FE3D65}" type="datetimeFigureOut">
               <a:rPr lang="en-US" dirty="0"/>
-              <a:t>12/1/2014</a:t>
+              <a:t>12/12/2014</a:t>
             </a:fld>
             <a:endParaRPr lang="en-US" dirty="0"/>
           </a:p>
@@ -3004,7 +3786,7 @@
           <a:p>
             <a:fld id="{1D102C1E-28F2-47E9-802D-339E64E2F920}" type="datetimeFigureOut">
               <a:rPr lang="en-US" dirty="0"/>
-              <a:t>12/1/2014</a:t>
+              <a:t>12/12/2014</a:t>
             </a:fld>
             <a:endParaRPr lang="en-US" dirty="0"/>
           </a:p>
@@ -3354,7 +4136,7 @@
           <a:p>
             <a:fld id="{24271A48-F18A-45B3-BC05-1E27DA3F88AF}" type="datetimeFigureOut">
               <a:rPr lang="en-US" dirty="0"/>
-              <a:t>12/1/2014</a:t>
+              <a:t>12/12/2014</a:t>
             </a:fld>
             <a:endParaRPr lang="en-US" dirty="0"/>
           </a:p>
@@ -3727,7 +4509,7 @@
           <a:p>
             <a:fld id="{65B747F8-9654-4282-85D2-65F41AAE7A75}" type="datetimeFigureOut">
               <a:rPr lang="en-US" dirty="0"/>
-              <a:t>12/1/2014</a:t>
+              <a:t>12/12/2014</a:t>
             </a:fld>
             <a:endParaRPr lang="en-US" dirty="0"/>
           </a:p>
@@ -4009,7 +4791,7 @@
           <a:p>
             <a:fld id="{5DC5B261-8843-42D1-AAFC-05E20E2D9B97}" type="datetimeFigureOut">
               <a:rPr lang="en-US" dirty="0"/>
-              <a:t>12/1/2014</a:t>
+              <a:t>12/12/2014</a:t>
             </a:fld>
             <a:endParaRPr lang="en-US" dirty="0"/>
           </a:p>
@@ -4548,16 +5330,16 @@
           <a:lstStyle/>
           <a:p>
             <a:r>
-              <a:rPr lang="en-US" sz="4000" b="1" dirty="0"/>
-              <a:t>Portable biometrics for </a:t>
-            </a:r>
-            <a:r>
-              <a:rPr lang="en-US" sz="4000" b="1" dirty="0" smtClean="0"/>
-              <a:t>determining </a:t>
-            </a:r>
-            <a:r>
-              <a:rPr lang="en-US" sz="4000" b="1" dirty="0"/>
-              <a:t>cognitive load from galvanic skin response</a:t>
+              <a:rPr lang="en-US" sz="4000" dirty="0"/>
+              <a:t>Smart watch and </a:t>
+            </a:r>
+            <a:r>
+              <a:rPr lang="en-US" sz="4000" dirty="0" err="1"/>
+              <a:t>Biopac</a:t>
+            </a:r>
+            <a:r>
+              <a:rPr lang="en-US" sz="4000" dirty="0"/>
+              <a:t>: using GSR data for distinguishing cognitive states</a:t>
             </a:r>
             <a:endParaRPr lang="nl-NL" sz="4000" dirty="0"/>
           </a:p>
@@ -4645,7 +5427,7 @@
           <a:p>
             <a:r>
               <a:rPr lang="nl-NL" dirty="0" smtClean="0"/>
-              <a:t>Why measure cognitive load?</a:t>
+              <a:t>New smartwatches feature biometric sensors</a:t>
             </a:r>
             <a:endParaRPr lang="nl-NL" dirty="0"/>
           </a:p>
@@ -4661,63 +5443,229 @@
             <p:ph idx="1"/>
           </p:nvPr>
         </p:nvSpPr>
-        <p:spPr/>
+        <p:spPr>
+          <a:xfrm>
+            <a:off x="7010400" y="4566778"/>
+            <a:ext cx="4145280" cy="1302316"/>
+          </a:xfrm>
+        </p:spPr>
         <p:txBody>
           <a:bodyPr/>
           <a:lstStyle/>
           <a:p>
-            <a:pPr>
-              <a:buFont typeface="Wingdings" panose="05000000000000000000" pitchFamily="2" charset="2"/>
-              <a:buChar char="§"/>
-            </a:pPr>
             <a:r>
               <a:rPr lang="nl-NL" dirty="0" smtClean="0"/>
-              <a:t>“You should take a break”</a:t>
-            </a:r>
-          </a:p>
-          <a:p>
-            <a:pPr>
-              <a:buFont typeface="Wingdings" panose="05000000000000000000" pitchFamily="2" charset="2"/>
-              <a:buChar char="§"/>
-            </a:pPr>
-            <a:r>
-              <a:rPr lang="nl-NL" dirty="0"/>
-              <a:t> </a:t>
-            </a:r>
+              <a:t>Samsung Simband</a:t>
+            </a:r>
+            <a:endParaRPr lang="nl-NL" dirty="0"/>
+          </a:p>
+        </p:txBody>
+      </p:sp>
+      <p:pic>
+        <p:nvPicPr>
+          <p:cNvPr id="6146" name="Picture 2" descr="https://cdn2.vox-cdn.com/thumbor/-HPS-htRN4n7NpnqAOTBeCPRlTM=/cdn0.vox-cdn.com/uploads/chorus_asset/file/2452642/DSC02149.0.jpg"/>
+          <p:cNvPicPr>
+            <a:picLocks noChangeAspect="1" noChangeArrowheads="1"/>
+          </p:cNvPicPr>
+          <p:nvPr/>
+        </p:nvPicPr>
+        <p:blipFill>
+          <a:blip r:embed="rId3">
+            <a:extLst>
+              <a:ext uri="{28A0092B-C50C-407E-A947-70E740481C1C}">
+                <a14:useLocalDpi xmlns:a14="http://schemas.microsoft.com/office/drawing/2010/main" val="0"/>
+              </a:ext>
+            </a:extLst>
+          </a:blip>
+          <a:srcRect/>
+          <a:stretch>
+            <a:fillRect/>
+          </a:stretch>
+        </p:blipFill>
+        <p:spPr bwMode="auto">
+          <a:xfrm>
+            <a:off x="7085012" y="1909804"/>
+            <a:ext cx="3996055" cy="2656974"/>
+          </a:xfrm>
+          <a:prstGeom prst="rect">
+            <a:avLst/>
+          </a:prstGeom>
+          <a:noFill/>
+          <a:extLst>
+            <a:ext uri="{909E8E84-426E-40DD-AFC4-6F175D3DCCD1}">
+              <a14:hiddenFill xmlns:a14="http://schemas.microsoft.com/office/drawing/2010/main">
+                <a:solidFill>
+                  <a:srgbClr val="FFFFFF"/>
+                </a:solidFill>
+              </a14:hiddenFill>
+            </a:ext>
+          </a:extLst>
+        </p:spPr>
+      </p:pic>
+      <p:sp>
+        <p:nvSpPr>
+          <p:cNvPr id="4" name="Rectangle 3"/>
+          <p:cNvSpPr/>
+          <p:nvPr/>
+        </p:nvSpPr>
+        <p:spPr>
+          <a:xfrm>
+            <a:off x="1007837" y="5119393"/>
+            <a:ext cx="1622047" cy="369332"/>
+          </a:xfrm>
+          <a:prstGeom prst="rect">
+            <a:avLst/>
+          </a:prstGeom>
+        </p:spPr>
+        <p:txBody>
+          <a:bodyPr wrap="none">
+            <a:spAutoFit/>
+          </a:bodyPr>
+          <a:lstStyle/>
+          <a:p>
             <a:r>
               <a:rPr lang="nl-NL" dirty="0" smtClean="0"/>
-              <a:t>Automatic difficulty adjustment in applications (such as games)</a:t>
-            </a:r>
-            <a:br>
+              <a:t>Microsoft Band</a:t>
+            </a:r>
+            <a:endParaRPr lang="nl-NL" dirty="0"/>
+          </a:p>
+        </p:txBody>
+      </p:sp>
+      <p:sp>
+        <p:nvSpPr>
+          <p:cNvPr id="5" name="Rectangle 4"/>
+          <p:cNvSpPr/>
+          <p:nvPr/>
+        </p:nvSpPr>
+        <p:spPr>
+          <a:xfrm>
+            <a:off x="4305570" y="5429940"/>
+            <a:ext cx="1415003" cy="369332"/>
+          </a:xfrm>
+          <a:prstGeom prst="rect">
+            <a:avLst/>
+          </a:prstGeom>
+        </p:spPr>
+        <p:txBody>
+          <a:bodyPr wrap="none">
+            <a:spAutoFit/>
+          </a:bodyPr>
+          <a:lstStyle/>
+          <a:p>
+            <a:r>
               <a:rPr lang="nl-NL" dirty="0" smtClean="0"/>
-            </a:br>
-            <a:endParaRPr lang="nl-NL" dirty="0" smtClean="0"/>
-          </a:p>
-          <a:p>
-            <a:pPr>
-              <a:buFont typeface="Wingdings" panose="05000000000000000000" pitchFamily="2" charset="2"/>
-              <a:buChar char="§"/>
-            </a:pPr>
+              <a:t>BASIS Watch</a:t>
+            </a:r>
+            <a:endParaRPr lang="nl-NL" dirty="0"/>
+          </a:p>
+        </p:txBody>
+      </p:sp>
+      <p:pic>
+        <p:nvPicPr>
+          <p:cNvPr id="6152" name="Picture 8" descr="http://techsplurge.com/wp-content/uploads/2014/03/Basis.jpg"/>
+          <p:cNvPicPr>
+            <a:picLocks noChangeAspect="1" noChangeArrowheads="1"/>
+          </p:cNvPicPr>
+          <p:nvPr/>
+        </p:nvPicPr>
+        <p:blipFill>
+          <a:blip r:embed="rId4">
+            <a:extLst>
+              <a:ext uri="{28A0092B-C50C-407E-A947-70E740481C1C}">
+                <a14:useLocalDpi xmlns:a14="http://schemas.microsoft.com/office/drawing/2010/main" val="0"/>
+              </a:ext>
+            </a:extLst>
+          </a:blip>
+          <a:srcRect/>
+          <a:stretch>
+            <a:fillRect/>
+          </a:stretch>
+        </p:blipFill>
+        <p:spPr bwMode="auto">
+          <a:xfrm>
+            <a:off x="3582581" y="2931294"/>
+            <a:ext cx="3358150" cy="2468618"/>
+          </a:xfrm>
+          <a:prstGeom prst="rect">
+            <a:avLst/>
+          </a:prstGeom>
+          <a:noFill/>
+          <a:extLst>
+            <a:ext uri="{909E8E84-426E-40DD-AFC4-6F175D3DCCD1}">
+              <a14:hiddenFill xmlns:a14="http://schemas.microsoft.com/office/drawing/2010/main">
+                <a:solidFill>
+                  <a:srgbClr val="FFFFFF"/>
+                </a:solidFill>
+              </a14:hiddenFill>
+            </a:ext>
+          </a:extLst>
+        </p:spPr>
+      </p:pic>
+      <p:pic>
+        <p:nvPicPr>
+          <p:cNvPr id="6148" name="Picture 4" descr="http://cdn.macrumors.com/article-new/2014/10/microsoft-band_hero_2.png"/>
+          <p:cNvPicPr>
+            <a:picLocks noChangeAspect="1" noChangeArrowheads="1"/>
+          </p:cNvPicPr>
+          <p:nvPr/>
+        </p:nvPicPr>
+        <p:blipFill>
+          <a:blip r:embed="rId5">
+            <a:extLst>
+              <a:ext uri="{28A0092B-C50C-407E-A947-70E740481C1C}">
+                <a14:useLocalDpi xmlns:a14="http://schemas.microsoft.com/office/drawing/2010/main" val="0"/>
+              </a:ext>
+            </a:extLst>
+          </a:blip>
+          <a:srcRect/>
+          <a:stretch>
+            <a:fillRect/>
+          </a:stretch>
+        </p:blipFill>
+        <p:spPr bwMode="auto">
+          <a:xfrm>
+            <a:off x="784845" y="2621290"/>
+            <a:ext cx="3581580" cy="2596646"/>
+          </a:xfrm>
+          <a:prstGeom prst="rect">
+            <a:avLst/>
+          </a:prstGeom>
+          <a:noFill/>
+          <a:extLst>
+            <a:ext uri="{909E8E84-426E-40DD-AFC4-6F175D3DCCD1}">
+              <a14:hiddenFill xmlns:a14="http://schemas.microsoft.com/office/drawing/2010/main">
+                <a:solidFill>
+                  <a:srgbClr val="FFFFFF"/>
+                </a:solidFill>
+              </a14:hiddenFill>
+            </a:ext>
+          </a:extLst>
+        </p:spPr>
+      </p:pic>
+      <p:sp>
+        <p:nvSpPr>
+          <p:cNvPr id="6" name="Rectangle 5"/>
+          <p:cNvSpPr/>
+          <p:nvPr/>
+        </p:nvSpPr>
+        <p:spPr>
+          <a:xfrm>
+            <a:off x="1076588" y="1839657"/>
+            <a:ext cx="5769528" cy="369332"/>
+          </a:xfrm>
+          <a:prstGeom prst="rect">
+            <a:avLst/>
+          </a:prstGeom>
+        </p:spPr>
+        <p:txBody>
+          <a:bodyPr wrap="none">
+            <a:spAutoFit/>
+          </a:bodyPr>
+          <a:lstStyle/>
+          <a:p>
             <a:r>
               <a:rPr lang="nl-NL" dirty="0" smtClean="0"/>
-              <a:t>People on the autism spectrum do display psychiological response, </a:t>
-            </a:r>
-            <a:br>
-              <a:rPr lang="nl-NL" dirty="0" smtClean="0"/>
-            </a:br>
-            <a:r>
-              <a:rPr lang="nl-NL" dirty="0" smtClean="0"/>
-              <a:t>this can be used to predict ‘explosions’ of emotions</a:t>
-            </a:r>
-          </a:p>
-          <a:p>
-            <a:pPr>
-              <a:buFont typeface="Wingdings" panose="05000000000000000000" pitchFamily="2" charset="2"/>
-              <a:buChar char="§"/>
-            </a:pPr>
-            <a:r>
-              <a:rPr lang="nl-NL" dirty="0" smtClean="0"/>
-              <a:t> Classroom applications, are students following/getting it?</a:t>
+              <a:t>APIs are generally lacking, data is locked in proprietary apps</a:t>
             </a:r>
             <a:endParaRPr lang="nl-NL" dirty="0"/>
           </a:p>
@@ -4726,13 +5674,20 @@
     </p:spTree>
     <p:extLst>
       <p:ext uri="{BB962C8B-B14F-4D97-AF65-F5344CB8AC3E}">
-        <p14:creationId xmlns:p14="http://schemas.microsoft.com/office/powerpoint/2010/main" val="2537843903"/>
+        <p14:creationId xmlns:p14="http://schemas.microsoft.com/office/powerpoint/2010/main" val="2625315870"/>
       </p:ext>
     </p:extLst>
   </p:cSld>
   <p:clrMapOvr>
     <a:masterClrMapping/>
   </p:clrMapOvr>
+  <p:timing>
+    <p:tnLst>
+      <p:par>
+        <p:cTn id="1" dur="indefinite" restart="never" nodeType="tmRoot"/>
+      </p:par>
+    </p:tnLst>
+  </p:timing>
 </p:sld>
 </file>
 
@@ -4770,7 +5725,7 @@
           <a:p>
             <a:r>
               <a:rPr lang="nl-NL" dirty="0" smtClean="0"/>
-              <a:t>GSR</a:t>
+              <a:t>Why measure cognitive load?</a:t>
             </a:r>
             <a:endParaRPr lang="nl-NL" dirty="0"/>
           </a:p>
@@ -4797,7 +5752,7 @@
             </a:pPr>
             <a:r>
               <a:rPr lang="nl-NL" dirty="0" smtClean="0"/>
-              <a:t>I decided measure the galvanic skin response, </a:t>
+              <a:t>“You should take a break”</a:t>
             </a:r>
           </a:p>
           <a:p>
@@ -4806,22 +5761,64 @@
               <a:buChar char="§"/>
             </a:pPr>
             <a:r>
+              <a:rPr lang="nl-NL" dirty="0"/>
+              <a:t> </a:t>
+            </a:r>
+            <a:r>
               <a:rPr lang="nl-NL" dirty="0" smtClean="0"/>
-              <a:t>Classify task difficulty from features of the GSR data</a:t>
-            </a:r>
+              <a:t>Automatic difficulty adjustment in applications (such as games</a:t>
+            </a:r>
+            <a:r>
+              <a:rPr lang="nl-NL" dirty="0" smtClean="0"/>
+              <a:t>)</a:t>
+            </a:r>
+            <a:endParaRPr lang="nl-NL" dirty="0" smtClean="0"/>
+          </a:p>
+          <a:p>
+            <a:pPr>
+              <a:buFont typeface="Wingdings" panose="05000000000000000000" pitchFamily="2" charset="2"/>
+              <a:buChar char="§"/>
+            </a:pPr>
+            <a:r>
+              <a:rPr lang="nl-NL" dirty="0" smtClean="0"/>
+              <a:t>People on the autism spectrum do display </a:t>
+            </a:r>
+            <a:r>
+              <a:rPr lang="nl-NL" dirty="0" smtClean="0"/>
+              <a:t>physiological response</a:t>
+            </a:r>
+            <a:endParaRPr lang="nl-NL" dirty="0" smtClean="0"/>
+          </a:p>
+          <a:p>
+            <a:pPr>
+              <a:buFont typeface="Wingdings" panose="05000000000000000000" pitchFamily="2" charset="2"/>
+              <a:buChar char="§"/>
+            </a:pPr>
+            <a:r>
+              <a:rPr lang="nl-NL" dirty="0" smtClean="0"/>
+              <a:t> Classroom applications, are students following/getting it?</a:t>
+            </a:r>
+            <a:endParaRPr lang="nl-NL" dirty="0"/>
           </a:p>
         </p:txBody>
       </p:sp>
     </p:spTree>
     <p:extLst>
       <p:ext uri="{BB962C8B-B14F-4D97-AF65-F5344CB8AC3E}">
-        <p14:creationId xmlns:p14="http://schemas.microsoft.com/office/powerpoint/2010/main" val="880611061"/>
+        <p14:creationId xmlns:p14="http://schemas.microsoft.com/office/powerpoint/2010/main" val="2537843903"/>
       </p:ext>
     </p:extLst>
   </p:cSld>
   <p:clrMapOvr>
     <a:masterClrMapping/>
   </p:clrMapOvr>
+  <p:timing>
+    <p:tnLst>
+      <p:par>
+        <p:cTn id="1" dur="indefinite" restart="never" nodeType="tmRoot"/>
+      </p:par>
+    </p:tnLst>
+  </p:timing>
 </p:sld>
 </file>
 
@@ -4859,6 +5856,134 @@
           <a:p>
             <a:r>
               <a:rPr lang="nl-NL" dirty="0" smtClean="0"/>
+              <a:t>Goal</a:t>
+            </a:r>
+            <a:endParaRPr lang="nl-NL" dirty="0"/>
+          </a:p>
+        </p:txBody>
+      </p:sp>
+      <p:sp>
+        <p:nvSpPr>
+          <p:cNvPr id="3" name="Content Placeholder 2"/>
+          <p:cNvSpPr>
+            <a:spLocks noGrp="1"/>
+          </p:cNvSpPr>
+          <p:nvPr>
+            <p:ph idx="1"/>
+          </p:nvPr>
+        </p:nvSpPr>
+        <p:spPr/>
+        <p:txBody>
+          <a:bodyPr/>
+          <a:lstStyle/>
+          <a:p>
+            <a:pPr>
+              <a:buFont typeface="Wingdings" panose="05000000000000000000" pitchFamily="2" charset="2"/>
+              <a:buChar char="§"/>
+            </a:pPr>
+            <a:r>
+              <a:rPr lang="nl-NL" dirty="0" smtClean="0"/>
+              <a:t> Determining cognitive load from GSR data</a:t>
+            </a:r>
+          </a:p>
+          <a:p>
+            <a:pPr>
+              <a:buFont typeface="Wingdings" panose="05000000000000000000" pitchFamily="2" charset="2"/>
+              <a:buChar char="§"/>
+            </a:pPr>
+            <a:endParaRPr lang="nl-NL" dirty="0" smtClean="0"/>
+          </a:p>
+          <a:p>
+            <a:pPr marL="0" indent="0">
+              <a:buNone/>
+            </a:pPr>
+            <a:r>
+              <a:rPr lang="nl-NL" b="1" dirty="0" smtClean="0"/>
+              <a:t>Method</a:t>
+            </a:r>
+            <a:endParaRPr lang="nl-NL" b="1" dirty="0"/>
+          </a:p>
+          <a:p>
+            <a:pPr>
+              <a:buFont typeface="Wingdings" panose="05000000000000000000" pitchFamily="2" charset="2"/>
+              <a:buChar char="§"/>
+            </a:pPr>
+            <a:r>
+              <a:rPr lang="nl-NL" dirty="0" smtClean="0"/>
+              <a:t>Measure GSR data using tasks with varying difficulty</a:t>
+            </a:r>
+            <a:endParaRPr lang="nl-NL" dirty="0" smtClean="0"/>
+          </a:p>
+          <a:p>
+            <a:pPr>
+              <a:buFont typeface="Wingdings" panose="05000000000000000000" pitchFamily="2" charset="2"/>
+              <a:buChar char="§"/>
+            </a:pPr>
+            <a:r>
+              <a:rPr lang="nl-NL" dirty="0" smtClean="0"/>
+              <a:t> Classify </a:t>
+            </a:r>
+            <a:r>
+              <a:rPr lang="nl-NL" dirty="0" smtClean="0"/>
+              <a:t>task difficulty from features of the GSR data</a:t>
+            </a:r>
+          </a:p>
+        </p:txBody>
+      </p:sp>
+    </p:spTree>
+    <p:extLst>
+      <p:ext uri="{BB962C8B-B14F-4D97-AF65-F5344CB8AC3E}">
+        <p14:creationId xmlns:p14="http://schemas.microsoft.com/office/powerpoint/2010/main" val="880611061"/>
+      </p:ext>
+    </p:extLst>
+  </p:cSld>
+  <p:clrMapOvr>
+    <a:masterClrMapping/>
+  </p:clrMapOvr>
+  <p:timing>
+    <p:tnLst>
+      <p:par>
+        <p:cTn id="1" dur="indefinite" restart="never" nodeType="tmRoot"/>
+      </p:par>
+    </p:tnLst>
+  </p:timing>
+</p:sld>
+</file>
+
+<file path=ppt/slides/slide13.xml><?xml version="1.0" encoding="utf-8"?>
+<p:sld xmlns:a="http://schemas.openxmlformats.org/drawingml/2006/main" xmlns:r="http://schemas.openxmlformats.org/officeDocument/2006/relationships" xmlns:p="http://schemas.openxmlformats.org/presentationml/2006/main">
+  <p:cSld>
+    <p:spTree>
+      <p:nvGrpSpPr>
+        <p:cNvPr id="1" name=""/>
+        <p:cNvGrpSpPr/>
+        <p:nvPr/>
+      </p:nvGrpSpPr>
+      <p:grpSpPr>
+        <a:xfrm>
+          <a:off x="0" y="0"/>
+          <a:ext cx="0" cy="0"/>
+          <a:chOff x="0" y="0"/>
+          <a:chExt cx="0" cy="0"/>
+        </a:xfrm>
+      </p:grpSpPr>
+      <p:sp>
+        <p:nvSpPr>
+          <p:cNvPr id="2" name="Title 1"/>
+          <p:cNvSpPr>
+            <a:spLocks noGrp="1"/>
+          </p:cNvSpPr>
+          <p:nvPr>
+            <p:ph type="title"/>
+          </p:nvPr>
+        </p:nvSpPr>
+        <p:spPr/>
+        <p:txBody>
+          <a:bodyPr/>
+          <a:lstStyle/>
+          <a:p>
+            <a:r>
+              <a:rPr lang="nl-NL" dirty="0" smtClean="0"/>
               <a:t>Experiment</a:t>
             </a:r>
             <a:endParaRPr lang="nl-NL" dirty="0"/>
@@ -4880,10 +6005,252 @@
           <a:bodyPr/>
           <a:lstStyle/>
           <a:p>
+            <a:pPr>
+              <a:buFont typeface="Wingdings" panose="05000000000000000000" pitchFamily="2" charset="2"/>
+              <a:buChar char="§"/>
+            </a:pPr>
+            <a:r>
+              <a:rPr lang="nl-NL" dirty="0" smtClean="0"/>
+              <a:t>Arithmetic tasks with varying difficulty</a:t>
+            </a:r>
+          </a:p>
+          <a:p>
+            <a:pPr>
+              <a:buFont typeface="Wingdings" panose="05000000000000000000" pitchFamily="2" charset="2"/>
+              <a:buChar char="§"/>
+            </a:pPr>
+            <a:r>
+              <a:rPr lang="nl-NL" dirty="0" smtClean="0"/>
+              <a:t>Addition of four numbers, presented one by one</a:t>
+            </a:r>
+          </a:p>
+          <a:p>
+            <a:pPr marL="0" indent="0">
+              <a:buNone/>
+            </a:pPr>
             <a:endParaRPr lang="nl-NL" dirty="0"/>
           </a:p>
-        </p:txBody>
-      </p:sp>
+          <a:p>
+            <a:pPr>
+              <a:buFont typeface="Wingdings" panose="05000000000000000000" pitchFamily="2" charset="2"/>
+              <a:buChar char="§"/>
+            </a:pPr>
+            <a:r>
+              <a:rPr lang="nl-NL" dirty="0" smtClean="0"/>
+              <a:t> 4 difficulty levels</a:t>
+            </a:r>
+            <a:endParaRPr lang="nl-NL" dirty="0"/>
+          </a:p>
+          <a:p>
+            <a:pPr>
+              <a:buFont typeface="Wingdings" panose="05000000000000000000" pitchFamily="2" charset="2"/>
+              <a:buChar char="§"/>
+            </a:pPr>
+            <a:r>
+              <a:rPr lang="nl-NL" dirty="0"/>
+              <a:t> </a:t>
+            </a:r>
+            <a:r>
+              <a:rPr lang="nl-NL" dirty="0" smtClean="0"/>
+              <a:t>8 tasks per subject, in random order</a:t>
+            </a:r>
+          </a:p>
+        </p:txBody>
+      </p:sp>
+      <p:graphicFrame>
+        <p:nvGraphicFramePr>
+          <p:cNvPr id="4" name="Table 3"/>
+          <p:cNvGraphicFramePr>
+            <a:graphicFrameLocks noGrp="1"/>
+          </p:cNvGraphicFramePr>
+          <p:nvPr>
+            <p:extLst>
+              <p:ext uri="{D42A27DB-BD31-4B8C-83A1-F6EECF244321}">
+                <p14:modId xmlns:p14="http://schemas.microsoft.com/office/powerpoint/2010/main" val="2466106600"/>
+              </p:ext>
+            </p:extLst>
+          </p:nvPr>
+        </p:nvGraphicFramePr>
+        <p:xfrm>
+          <a:off x="5651892" y="3271101"/>
+          <a:ext cx="5179506" cy="2479250"/>
+        </p:xfrm>
+        <a:graphic>
+          <a:graphicData uri="http://schemas.openxmlformats.org/drawingml/2006/table">
+            <a:tbl>
+              <a:tblPr firstRow="1" bandRow="1">
+                <a:tableStyleId>{5C22544A-7EE6-4342-B048-85BDC9FD1C3A}</a:tableStyleId>
+              </a:tblPr>
+              <a:tblGrid>
+                <a:gridCol w="1673492"/>
+                <a:gridCol w="3506014"/>
+              </a:tblGrid>
+              <a:tr h="495850">
+                <a:tc>
+                  <a:txBody>
+                    <a:bodyPr/>
+                    <a:lstStyle/>
+                    <a:p>
+                      <a:r>
+                        <a:rPr lang="nl-NL" sz="2400" dirty="0" smtClean="0"/>
+                        <a:t>Difficulty</a:t>
+                      </a:r>
+                      <a:endParaRPr lang="nl-NL" sz="2400" dirty="0"/>
+                    </a:p>
+                  </a:txBody>
+                  <a:tcPr/>
+                </a:tc>
+                <a:tc>
+                  <a:txBody>
+                    <a:bodyPr/>
+                    <a:lstStyle/>
+                    <a:p>
+                      <a:r>
+                        <a:rPr lang="nl-NL" sz="2400" dirty="0" smtClean="0"/>
+                        <a:t>Example Task</a:t>
+                      </a:r>
+                      <a:endParaRPr lang="nl-NL" sz="2400" dirty="0"/>
+                    </a:p>
+                  </a:txBody>
+                  <a:tcPr/>
+                </a:tc>
+              </a:tr>
+              <a:tr h="495850">
+                <a:tc>
+                  <a:txBody>
+                    <a:bodyPr/>
+                    <a:lstStyle/>
+                    <a:p>
+                      <a:r>
+                        <a:rPr lang="nl-NL" sz="2400" dirty="0" smtClean="0"/>
+                        <a:t>1</a:t>
+                      </a:r>
+                      <a:endParaRPr lang="nl-NL" sz="2400" dirty="0"/>
+                    </a:p>
+                  </a:txBody>
+                  <a:tcPr/>
+                </a:tc>
+                <a:tc>
+                  <a:txBody>
+                    <a:bodyPr/>
+                    <a:lstStyle/>
+                    <a:p>
+                      <a:r>
+                        <a:rPr lang="nl-NL" sz="2400" dirty="0" smtClean="0"/>
+                        <a:t>0</a:t>
+                      </a:r>
+                      <a:r>
+                        <a:rPr lang="nl-NL" sz="2400" baseline="0" dirty="0" smtClean="0"/>
+                        <a:t> + 1 + 1 + 1</a:t>
+                      </a:r>
+                      <a:endParaRPr lang="nl-NL" sz="2400" dirty="0"/>
+                    </a:p>
+                  </a:txBody>
+                  <a:tcPr/>
+                </a:tc>
+              </a:tr>
+              <a:tr h="495850">
+                <a:tc>
+                  <a:txBody>
+                    <a:bodyPr/>
+                    <a:lstStyle/>
+                    <a:p>
+                      <a:r>
+                        <a:rPr lang="nl-NL" sz="2400" dirty="0" smtClean="0"/>
+                        <a:t>2</a:t>
+                      </a:r>
+                      <a:endParaRPr lang="nl-NL" sz="2400" dirty="0"/>
+                    </a:p>
+                  </a:txBody>
+                  <a:tcPr/>
+                </a:tc>
+                <a:tc>
+                  <a:txBody>
+                    <a:bodyPr/>
+                    <a:lstStyle/>
+                    <a:p>
+                      <a:r>
+                        <a:rPr lang="nl-NL" sz="2400" dirty="0" smtClean="0"/>
+                        <a:t>3</a:t>
+                      </a:r>
+                      <a:r>
+                        <a:rPr lang="nl-NL" sz="2400" baseline="0" dirty="0" smtClean="0"/>
+                        <a:t> + 5 + 7 + 2</a:t>
+                      </a:r>
+                      <a:endParaRPr lang="nl-NL" sz="2400" dirty="0"/>
+                    </a:p>
+                  </a:txBody>
+                  <a:tcPr/>
+                </a:tc>
+              </a:tr>
+              <a:tr h="495850">
+                <a:tc>
+                  <a:txBody>
+                    <a:bodyPr/>
+                    <a:lstStyle/>
+                    <a:p>
+                      <a:r>
+                        <a:rPr lang="nl-NL" sz="2400" dirty="0" smtClean="0"/>
+                        <a:t>3</a:t>
+                      </a:r>
+                      <a:endParaRPr lang="nl-NL" sz="2400" dirty="0"/>
+                    </a:p>
+                  </a:txBody>
+                  <a:tcPr/>
+                </a:tc>
+                <a:tc>
+                  <a:txBody>
+                    <a:bodyPr/>
+                    <a:lstStyle/>
+                    <a:p>
+                      <a:r>
+                        <a:rPr lang="nl-NL" sz="2400" dirty="0" smtClean="0"/>
+                        <a:t>31</a:t>
+                      </a:r>
+                      <a:r>
+                        <a:rPr lang="nl-NL" sz="2400" baseline="0" dirty="0" smtClean="0"/>
+                        <a:t> + 40 + 67 + 24</a:t>
+                      </a:r>
+                      <a:endParaRPr lang="nl-NL" sz="2400" dirty="0"/>
+                    </a:p>
+                  </a:txBody>
+                  <a:tcPr/>
+                </a:tc>
+              </a:tr>
+              <a:tr h="495850">
+                <a:tc>
+                  <a:txBody>
+                    <a:bodyPr/>
+                    <a:lstStyle/>
+                    <a:p>
+                      <a:r>
+                        <a:rPr lang="nl-NL" sz="2400" dirty="0" smtClean="0"/>
+                        <a:t>4</a:t>
+                      </a:r>
+                      <a:endParaRPr lang="nl-NL" sz="2400" dirty="0"/>
+                    </a:p>
+                  </a:txBody>
+                  <a:tcPr/>
+                </a:tc>
+                <a:tc>
+                  <a:txBody>
+                    <a:bodyPr/>
+                    <a:lstStyle/>
+                    <a:p>
+                      <a:r>
+                        <a:rPr lang="nl-NL" sz="2400" dirty="0" smtClean="0"/>
+                        <a:t>163 + 721 + 573 + 594</a:t>
+                      </a:r>
+                      <a:endParaRPr lang="nl-NL" sz="2400" dirty="0"/>
+                    </a:p>
+                  </a:txBody>
+                  <a:tcPr/>
+                </a:tc>
+              </a:tr>
+            </a:tbl>
+          </a:graphicData>
+        </a:graphic>
+      </p:graphicFrame>
     </p:spTree>
     <p:extLst>
       <p:ext uri="{BB962C8B-B14F-4D97-AF65-F5344CB8AC3E}">
@@ -4894,10 +6261,1025 @@
   <p:clrMapOvr>
     <a:masterClrMapping/>
   </p:clrMapOvr>
+  <p:timing>
+    <p:tnLst>
+      <p:par>
+        <p:cTn id="1" dur="indefinite" restart="never" nodeType="tmRoot"/>
+      </p:par>
+    </p:tnLst>
+  </p:timing>
 </p:sld>
 </file>
 
-<file path=ppt/slides/slide13.xml><?xml version="1.0" encoding="utf-8"?>
+<file path=ppt/slides/slide14.xml><?xml version="1.0" encoding="utf-8"?>
+<p:sld xmlns:a="http://schemas.openxmlformats.org/drawingml/2006/main" xmlns:r="http://schemas.openxmlformats.org/officeDocument/2006/relationships" xmlns:p="http://schemas.openxmlformats.org/presentationml/2006/main">
+  <p:cSld>
+    <p:spTree>
+      <p:nvGrpSpPr>
+        <p:cNvPr id="1" name=""/>
+        <p:cNvGrpSpPr/>
+        <p:nvPr/>
+      </p:nvGrpSpPr>
+      <p:grpSpPr>
+        <a:xfrm>
+          <a:off x="0" y="0"/>
+          <a:ext cx="0" cy="0"/>
+          <a:chOff x="0" y="0"/>
+          <a:chExt cx="0" cy="0"/>
+        </a:xfrm>
+      </p:grpSpPr>
+      <p:sp>
+        <p:nvSpPr>
+          <p:cNvPr id="2" name="Title 1"/>
+          <p:cNvSpPr>
+            <a:spLocks noGrp="1"/>
+          </p:cNvSpPr>
+          <p:nvPr>
+            <p:ph type="title"/>
+          </p:nvPr>
+        </p:nvSpPr>
+        <p:spPr/>
+        <p:txBody>
+          <a:bodyPr/>
+          <a:lstStyle/>
+          <a:p>
+            <a:endParaRPr lang="nl-NL" dirty="0"/>
+          </a:p>
+        </p:txBody>
+      </p:sp>
+      <p:sp>
+        <p:nvSpPr>
+          <p:cNvPr id="3" name="Content Placeholder 2"/>
+          <p:cNvSpPr>
+            <a:spLocks noGrp="1"/>
+          </p:cNvSpPr>
+          <p:nvPr>
+            <p:ph idx="1"/>
+          </p:nvPr>
+        </p:nvSpPr>
+        <p:spPr>
+          <a:xfrm>
+            <a:off x="716437" y="3440784"/>
+            <a:ext cx="10439243" cy="2428311"/>
+          </a:xfrm>
+        </p:spPr>
+        <p:txBody>
+          <a:bodyPr>
+            <a:normAutofit/>
+          </a:bodyPr>
+          <a:lstStyle/>
+          <a:p>
+            <a:pPr algn="ctr"/>
+            <a:r>
+              <a:rPr lang="nl-NL" sz="4000" dirty="0" smtClean="0"/>
+              <a:t>***</a:t>
+            </a:r>
+            <a:endParaRPr lang="nl-NL" sz="4000" dirty="0"/>
+          </a:p>
+        </p:txBody>
+      </p:sp>
+    </p:spTree>
+    <p:extLst>
+      <p:ext uri="{BB962C8B-B14F-4D97-AF65-F5344CB8AC3E}">
+        <p14:creationId xmlns:p14="http://schemas.microsoft.com/office/powerpoint/2010/main" val="1237753540"/>
+      </p:ext>
+    </p:extLst>
+  </p:cSld>
+  <p:clrMapOvr>
+    <a:masterClrMapping/>
+  </p:clrMapOvr>
+  <p:timing>
+    <p:tnLst>
+      <p:par>
+        <p:cTn id="1" dur="indefinite" restart="never" nodeType="tmRoot"/>
+      </p:par>
+    </p:tnLst>
+  </p:timing>
+</p:sld>
+</file>
+
+<file path=ppt/slides/slide15.xml><?xml version="1.0" encoding="utf-8"?>
+<p:sld xmlns:a="http://schemas.openxmlformats.org/drawingml/2006/main" xmlns:r="http://schemas.openxmlformats.org/officeDocument/2006/relationships" xmlns:p="http://schemas.openxmlformats.org/presentationml/2006/main">
+  <p:cSld>
+    <p:spTree>
+      <p:nvGrpSpPr>
+        <p:cNvPr id="1" name=""/>
+        <p:cNvGrpSpPr/>
+        <p:nvPr/>
+      </p:nvGrpSpPr>
+      <p:grpSpPr>
+        <a:xfrm>
+          <a:off x="0" y="0"/>
+          <a:ext cx="0" cy="0"/>
+          <a:chOff x="0" y="0"/>
+          <a:chExt cx="0" cy="0"/>
+        </a:xfrm>
+      </p:grpSpPr>
+      <p:sp>
+        <p:nvSpPr>
+          <p:cNvPr id="2" name="Title 1"/>
+          <p:cNvSpPr>
+            <a:spLocks noGrp="1"/>
+          </p:cNvSpPr>
+          <p:nvPr>
+            <p:ph type="title"/>
+          </p:nvPr>
+        </p:nvSpPr>
+        <p:spPr/>
+        <p:txBody>
+          <a:bodyPr/>
+          <a:lstStyle/>
+          <a:p>
+            <a:endParaRPr lang="nl-NL" dirty="0"/>
+          </a:p>
+        </p:txBody>
+      </p:sp>
+      <p:sp>
+        <p:nvSpPr>
+          <p:cNvPr id="3" name="Content Placeholder 2"/>
+          <p:cNvSpPr>
+            <a:spLocks noGrp="1"/>
+          </p:cNvSpPr>
+          <p:nvPr>
+            <p:ph idx="1"/>
+          </p:nvPr>
+        </p:nvSpPr>
+        <p:spPr>
+          <a:xfrm>
+            <a:off x="829559" y="3450211"/>
+            <a:ext cx="10326121" cy="2418884"/>
+          </a:xfrm>
+        </p:spPr>
+        <p:txBody>
+          <a:bodyPr>
+            <a:normAutofit/>
+          </a:bodyPr>
+          <a:lstStyle/>
+          <a:p>
+            <a:pPr algn="ctr"/>
+            <a:r>
+              <a:rPr lang="nl-NL" sz="4000" dirty="0" smtClean="0"/>
+              <a:t>48</a:t>
+            </a:r>
+            <a:endParaRPr lang="nl-NL" sz="4000" dirty="0"/>
+          </a:p>
+        </p:txBody>
+      </p:sp>
+    </p:spTree>
+    <p:extLst>
+      <p:ext uri="{BB962C8B-B14F-4D97-AF65-F5344CB8AC3E}">
+        <p14:creationId xmlns:p14="http://schemas.microsoft.com/office/powerpoint/2010/main" val="2762596797"/>
+      </p:ext>
+    </p:extLst>
+  </p:cSld>
+  <p:clrMapOvr>
+    <a:masterClrMapping/>
+  </p:clrMapOvr>
+  <p:timing>
+    <p:tnLst>
+      <p:par>
+        <p:cTn id="1" dur="indefinite" restart="never" nodeType="tmRoot"/>
+      </p:par>
+    </p:tnLst>
+  </p:timing>
+</p:sld>
+</file>
+
+<file path=ppt/slides/slide16.xml><?xml version="1.0" encoding="utf-8"?>
+<p:sld xmlns:a="http://schemas.openxmlformats.org/drawingml/2006/main" xmlns:r="http://schemas.openxmlformats.org/officeDocument/2006/relationships" xmlns:p="http://schemas.openxmlformats.org/presentationml/2006/main">
+  <p:cSld>
+    <p:spTree>
+      <p:nvGrpSpPr>
+        <p:cNvPr id="1" name=""/>
+        <p:cNvGrpSpPr/>
+        <p:nvPr/>
+      </p:nvGrpSpPr>
+      <p:grpSpPr>
+        <a:xfrm>
+          <a:off x="0" y="0"/>
+          <a:ext cx="0" cy="0"/>
+          <a:chOff x="0" y="0"/>
+          <a:chExt cx="0" cy="0"/>
+        </a:xfrm>
+      </p:grpSpPr>
+      <p:sp>
+        <p:nvSpPr>
+          <p:cNvPr id="2" name="Title 1"/>
+          <p:cNvSpPr>
+            <a:spLocks noGrp="1"/>
+          </p:cNvSpPr>
+          <p:nvPr>
+            <p:ph type="title"/>
+          </p:nvPr>
+        </p:nvSpPr>
+        <p:spPr/>
+        <p:txBody>
+          <a:bodyPr/>
+          <a:lstStyle/>
+          <a:p>
+            <a:endParaRPr lang="nl-NL" dirty="0"/>
+          </a:p>
+        </p:txBody>
+      </p:sp>
+      <p:sp>
+        <p:nvSpPr>
+          <p:cNvPr id="3" name="Content Placeholder 2"/>
+          <p:cNvSpPr>
+            <a:spLocks noGrp="1"/>
+          </p:cNvSpPr>
+          <p:nvPr>
+            <p:ph idx="1"/>
+          </p:nvPr>
+        </p:nvSpPr>
+        <p:spPr>
+          <a:xfrm>
+            <a:off x="829559" y="3450211"/>
+            <a:ext cx="10326121" cy="2418884"/>
+          </a:xfrm>
+        </p:spPr>
+        <p:txBody>
+          <a:bodyPr>
+            <a:normAutofit/>
+          </a:bodyPr>
+          <a:lstStyle/>
+          <a:p>
+            <a:pPr algn="ctr"/>
+            <a:r>
+              <a:rPr lang="nl-NL" sz="4000" dirty="0" smtClean="0"/>
+              <a:t>71</a:t>
+            </a:r>
+            <a:endParaRPr lang="nl-NL" sz="4000" dirty="0"/>
+          </a:p>
+        </p:txBody>
+      </p:sp>
+    </p:spTree>
+    <p:extLst>
+      <p:ext uri="{BB962C8B-B14F-4D97-AF65-F5344CB8AC3E}">
+        <p14:creationId xmlns:p14="http://schemas.microsoft.com/office/powerpoint/2010/main" val="3627480476"/>
+      </p:ext>
+    </p:extLst>
+  </p:cSld>
+  <p:clrMapOvr>
+    <a:masterClrMapping/>
+  </p:clrMapOvr>
+  <p:timing>
+    <p:tnLst>
+      <p:par>
+        <p:cTn id="1" dur="indefinite" restart="never" nodeType="tmRoot"/>
+      </p:par>
+    </p:tnLst>
+  </p:timing>
+</p:sld>
+</file>
+
+<file path=ppt/slides/slide17.xml><?xml version="1.0" encoding="utf-8"?>
+<p:sld xmlns:a="http://schemas.openxmlformats.org/drawingml/2006/main" xmlns:r="http://schemas.openxmlformats.org/officeDocument/2006/relationships" xmlns:p="http://schemas.openxmlformats.org/presentationml/2006/main">
+  <p:cSld>
+    <p:spTree>
+      <p:nvGrpSpPr>
+        <p:cNvPr id="1" name=""/>
+        <p:cNvGrpSpPr/>
+        <p:nvPr/>
+      </p:nvGrpSpPr>
+      <p:grpSpPr>
+        <a:xfrm>
+          <a:off x="0" y="0"/>
+          <a:ext cx="0" cy="0"/>
+          <a:chOff x="0" y="0"/>
+          <a:chExt cx="0" cy="0"/>
+        </a:xfrm>
+      </p:grpSpPr>
+      <p:sp>
+        <p:nvSpPr>
+          <p:cNvPr id="2" name="Title 1"/>
+          <p:cNvSpPr>
+            <a:spLocks noGrp="1"/>
+          </p:cNvSpPr>
+          <p:nvPr>
+            <p:ph type="title"/>
+          </p:nvPr>
+        </p:nvSpPr>
+        <p:spPr/>
+        <p:txBody>
+          <a:bodyPr/>
+          <a:lstStyle/>
+          <a:p>
+            <a:endParaRPr lang="nl-NL" dirty="0"/>
+          </a:p>
+        </p:txBody>
+      </p:sp>
+      <p:sp>
+        <p:nvSpPr>
+          <p:cNvPr id="3" name="Content Placeholder 2"/>
+          <p:cNvSpPr>
+            <a:spLocks noGrp="1"/>
+          </p:cNvSpPr>
+          <p:nvPr>
+            <p:ph idx="1"/>
+          </p:nvPr>
+        </p:nvSpPr>
+        <p:spPr>
+          <a:xfrm>
+            <a:off x="829559" y="3450211"/>
+            <a:ext cx="10326121" cy="2418884"/>
+          </a:xfrm>
+        </p:spPr>
+        <p:txBody>
+          <a:bodyPr>
+            <a:normAutofit/>
+          </a:bodyPr>
+          <a:lstStyle/>
+          <a:p>
+            <a:pPr algn="ctr"/>
+            <a:r>
+              <a:rPr lang="nl-NL" sz="4000" dirty="0" smtClean="0"/>
+              <a:t>34</a:t>
+            </a:r>
+            <a:endParaRPr lang="nl-NL" sz="4000" dirty="0"/>
+          </a:p>
+        </p:txBody>
+      </p:sp>
+    </p:spTree>
+    <p:extLst>
+      <p:ext uri="{BB962C8B-B14F-4D97-AF65-F5344CB8AC3E}">
+        <p14:creationId xmlns:p14="http://schemas.microsoft.com/office/powerpoint/2010/main" val="4189513050"/>
+      </p:ext>
+    </p:extLst>
+  </p:cSld>
+  <p:clrMapOvr>
+    <a:masterClrMapping/>
+  </p:clrMapOvr>
+  <p:timing>
+    <p:tnLst>
+      <p:par>
+        <p:cTn id="1" dur="indefinite" restart="never" nodeType="tmRoot"/>
+      </p:par>
+    </p:tnLst>
+  </p:timing>
+</p:sld>
+</file>
+
+<file path=ppt/slides/slide18.xml><?xml version="1.0" encoding="utf-8"?>
+<p:sld xmlns:a="http://schemas.openxmlformats.org/drawingml/2006/main" xmlns:r="http://schemas.openxmlformats.org/officeDocument/2006/relationships" xmlns:p="http://schemas.openxmlformats.org/presentationml/2006/main">
+  <p:cSld>
+    <p:spTree>
+      <p:nvGrpSpPr>
+        <p:cNvPr id="1" name=""/>
+        <p:cNvGrpSpPr/>
+        <p:nvPr/>
+      </p:nvGrpSpPr>
+      <p:grpSpPr>
+        <a:xfrm>
+          <a:off x="0" y="0"/>
+          <a:ext cx="0" cy="0"/>
+          <a:chOff x="0" y="0"/>
+          <a:chExt cx="0" cy="0"/>
+        </a:xfrm>
+      </p:grpSpPr>
+      <p:sp>
+        <p:nvSpPr>
+          <p:cNvPr id="2" name="Title 1"/>
+          <p:cNvSpPr>
+            <a:spLocks noGrp="1"/>
+          </p:cNvSpPr>
+          <p:nvPr>
+            <p:ph type="title"/>
+          </p:nvPr>
+        </p:nvSpPr>
+        <p:spPr/>
+        <p:txBody>
+          <a:bodyPr/>
+          <a:lstStyle/>
+          <a:p>
+            <a:endParaRPr lang="nl-NL" dirty="0"/>
+          </a:p>
+        </p:txBody>
+      </p:sp>
+      <p:sp>
+        <p:nvSpPr>
+          <p:cNvPr id="3" name="Content Placeholder 2"/>
+          <p:cNvSpPr>
+            <a:spLocks noGrp="1"/>
+          </p:cNvSpPr>
+          <p:nvPr>
+            <p:ph idx="1"/>
+          </p:nvPr>
+        </p:nvSpPr>
+        <p:spPr>
+          <a:xfrm>
+            <a:off x="829559" y="3450211"/>
+            <a:ext cx="10326121" cy="2418884"/>
+          </a:xfrm>
+        </p:spPr>
+        <p:txBody>
+          <a:bodyPr>
+            <a:normAutofit/>
+          </a:bodyPr>
+          <a:lstStyle/>
+          <a:p>
+            <a:pPr algn="ctr"/>
+            <a:r>
+              <a:rPr lang="nl-NL" sz="4000" dirty="0" smtClean="0"/>
+              <a:t>34</a:t>
+            </a:r>
+            <a:endParaRPr lang="nl-NL" sz="4000" dirty="0"/>
+          </a:p>
+        </p:txBody>
+      </p:sp>
+    </p:spTree>
+    <p:extLst>
+      <p:ext uri="{BB962C8B-B14F-4D97-AF65-F5344CB8AC3E}">
+        <p14:creationId xmlns:p14="http://schemas.microsoft.com/office/powerpoint/2010/main" val="2398699492"/>
+      </p:ext>
+    </p:extLst>
+  </p:cSld>
+  <p:clrMapOvr>
+    <a:masterClrMapping/>
+  </p:clrMapOvr>
+  <p:timing>
+    <p:tnLst>
+      <p:par>
+        <p:cTn id="1" dur="indefinite" restart="never" nodeType="tmRoot"/>
+      </p:par>
+    </p:tnLst>
+  </p:timing>
+</p:sld>
+</file>
+
+<file path=ppt/slides/slide19.xml><?xml version="1.0" encoding="utf-8"?>
+<p:sld xmlns:a="http://schemas.openxmlformats.org/drawingml/2006/main" xmlns:r="http://schemas.openxmlformats.org/officeDocument/2006/relationships" xmlns:p="http://schemas.openxmlformats.org/presentationml/2006/main">
+  <p:cSld>
+    <p:spTree>
+      <p:nvGrpSpPr>
+        <p:cNvPr id="1" name=""/>
+        <p:cNvGrpSpPr/>
+        <p:nvPr/>
+      </p:nvGrpSpPr>
+      <p:grpSpPr>
+        <a:xfrm>
+          <a:off x="0" y="0"/>
+          <a:ext cx="0" cy="0"/>
+          <a:chOff x="0" y="0"/>
+          <a:chExt cx="0" cy="0"/>
+        </a:xfrm>
+      </p:grpSpPr>
+      <p:sp>
+        <p:nvSpPr>
+          <p:cNvPr id="2" name="Title 1"/>
+          <p:cNvSpPr>
+            <a:spLocks noGrp="1"/>
+          </p:cNvSpPr>
+          <p:nvPr>
+            <p:ph type="title"/>
+          </p:nvPr>
+        </p:nvSpPr>
+        <p:spPr/>
+        <p:txBody>
+          <a:bodyPr/>
+          <a:lstStyle/>
+          <a:p>
+            <a:endParaRPr lang="nl-NL" dirty="0"/>
+          </a:p>
+        </p:txBody>
+      </p:sp>
+      <p:sp>
+        <p:nvSpPr>
+          <p:cNvPr id="3" name="Content Placeholder 2"/>
+          <p:cNvSpPr>
+            <a:spLocks noGrp="1"/>
+          </p:cNvSpPr>
+          <p:nvPr>
+            <p:ph idx="1"/>
+          </p:nvPr>
+        </p:nvSpPr>
+        <p:spPr>
+          <a:xfrm>
+            <a:off x="829559" y="2045616"/>
+            <a:ext cx="10326121" cy="3823479"/>
+          </a:xfrm>
+        </p:spPr>
+        <p:txBody>
+          <a:bodyPr>
+            <a:normAutofit/>
+          </a:bodyPr>
+          <a:lstStyle/>
+          <a:p>
+            <a:pPr algn="ctr">
+              <a:lnSpc>
+                <a:spcPct val="150000"/>
+              </a:lnSpc>
+            </a:pPr>
+            <a:r>
+              <a:rPr lang="nl-NL" sz="4000" u="sng" dirty="0" smtClean="0"/>
+              <a:t>203</a:t>
+            </a:r>
+          </a:p>
+          <a:p>
+            <a:pPr algn="ctr">
+              <a:lnSpc>
+                <a:spcPct val="150000"/>
+              </a:lnSpc>
+            </a:pPr>
+            <a:r>
+              <a:rPr lang="nl-NL" sz="4000" u="sng" dirty="0" smtClean="0"/>
+              <a:t>196</a:t>
+            </a:r>
+          </a:p>
+          <a:p>
+            <a:pPr algn="ctr">
+              <a:lnSpc>
+                <a:spcPct val="150000"/>
+              </a:lnSpc>
+            </a:pPr>
+            <a:r>
+              <a:rPr lang="nl-NL" sz="4000" u="sng" dirty="0" smtClean="0"/>
+              <a:t>199</a:t>
+            </a:r>
+            <a:endParaRPr lang="nl-NL" sz="4000" u="sng" dirty="0"/>
+          </a:p>
+        </p:txBody>
+      </p:sp>
+    </p:spTree>
+    <p:extLst>
+      <p:ext uri="{BB962C8B-B14F-4D97-AF65-F5344CB8AC3E}">
+        <p14:creationId xmlns:p14="http://schemas.microsoft.com/office/powerpoint/2010/main" val="1885816310"/>
+      </p:ext>
+    </p:extLst>
+  </p:cSld>
+  <p:clrMapOvr>
+    <a:masterClrMapping/>
+  </p:clrMapOvr>
+  <p:timing>
+    <p:tnLst>
+      <p:par>
+        <p:cTn id="1" dur="indefinite" restart="never" nodeType="tmRoot"/>
+      </p:par>
+    </p:tnLst>
+  </p:timing>
+</p:sld>
+</file>
+
+<file path=ppt/slides/slide2.xml><?xml version="1.0" encoding="utf-8"?>
+<p:sld xmlns:a="http://schemas.openxmlformats.org/drawingml/2006/main" xmlns:r="http://schemas.openxmlformats.org/officeDocument/2006/relationships" xmlns:p="http://schemas.openxmlformats.org/presentationml/2006/main">
+  <p:cSld>
+    <p:spTree>
+      <p:nvGrpSpPr>
+        <p:cNvPr id="1" name=""/>
+        <p:cNvGrpSpPr/>
+        <p:nvPr/>
+      </p:nvGrpSpPr>
+      <p:grpSpPr>
+        <a:xfrm>
+          <a:off x="0" y="0"/>
+          <a:ext cx="0" cy="0"/>
+          <a:chOff x="0" y="0"/>
+          <a:chExt cx="0" cy="0"/>
+        </a:xfrm>
+      </p:grpSpPr>
+      <p:sp>
+        <p:nvSpPr>
+          <p:cNvPr id="2" name="Title 1"/>
+          <p:cNvSpPr>
+            <a:spLocks noGrp="1"/>
+          </p:cNvSpPr>
+          <p:nvPr>
+            <p:ph type="title"/>
+          </p:nvPr>
+        </p:nvSpPr>
+        <p:spPr/>
+        <p:txBody>
+          <a:bodyPr/>
+          <a:lstStyle/>
+          <a:p>
+            <a:r>
+              <a:rPr lang="nl-NL" dirty="0" smtClean="0"/>
+              <a:t>Cognitive load measurement</a:t>
+            </a:r>
+            <a:endParaRPr lang="nl-NL" dirty="0"/>
+          </a:p>
+        </p:txBody>
+      </p:sp>
+      <p:sp>
+        <p:nvSpPr>
+          <p:cNvPr id="3" name="Content Placeholder 2"/>
+          <p:cNvSpPr>
+            <a:spLocks noGrp="1"/>
+          </p:cNvSpPr>
+          <p:nvPr>
+            <p:ph idx="1"/>
+          </p:nvPr>
+        </p:nvSpPr>
+        <p:spPr>
+          <a:xfrm>
+            <a:off x="1097279" y="1845734"/>
+            <a:ext cx="10410979" cy="4390310"/>
+          </a:xfrm>
+        </p:spPr>
+        <p:txBody>
+          <a:bodyPr>
+            <a:normAutofit/>
+          </a:bodyPr>
+          <a:lstStyle/>
+          <a:p>
+            <a:r>
+              <a:rPr lang="nl-NL" dirty="0" smtClean="0"/>
+              <a:t>Many approaches to measuring cognitive load</a:t>
+            </a:r>
+          </a:p>
+          <a:p>
+            <a:endParaRPr lang="nl-NL" dirty="0"/>
+          </a:p>
+          <a:p>
+            <a:endParaRPr lang="nl-NL" dirty="0" smtClean="0"/>
+          </a:p>
+          <a:p>
+            <a:endParaRPr lang="nl-NL" dirty="0"/>
+          </a:p>
+          <a:p>
+            <a:endParaRPr lang="nl-NL" dirty="0" smtClean="0"/>
+          </a:p>
+          <a:p>
+            <a:endParaRPr lang="nl-NL" dirty="0"/>
+          </a:p>
+          <a:p>
+            <a:endParaRPr lang="nl-NL" dirty="0" smtClean="0"/>
+          </a:p>
+          <a:p>
+            <a:endParaRPr lang="nl-NL" dirty="0"/>
+          </a:p>
+          <a:p>
+            <a:endParaRPr lang="nl-NL" dirty="0" smtClean="0"/>
+          </a:p>
+          <a:p>
+            <a:r>
+              <a:rPr lang="nl-NL" sz="900" dirty="0" smtClean="0">
+                <a:solidFill>
+                  <a:schemeClr val="bg1">
+                    <a:lumMod val="75000"/>
+                  </a:schemeClr>
+                </a:solidFill>
+              </a:rPr>
+              <a:t>R. Brünken et al. (2003), </a:t>
+            </a:r>
+            <a:r>
+              <a:rPr lang="nl-NL" sz="900" i="1" dirty="0" smtClean="0">
+                <a:solidFill>
+                  <a:schemeClr val="bg1">
+                    <a:lumMod val="75000"/>
+                  </a:schemeClr>
+                </a:solidFill>
+              </a:rPr>
+              <a:t>Direct Measurement of Cognitive Load in Multimedia Learning</a:t>
+            </a:r>
+            <a:r>
+              <a:rPr lang="nl-NL" sz="900" dirty="0" smtClean="0">
+                <a:solidFill>
+                  <a:schemeClr val="bg1">
+                    <a:lumMod val="75000"/>
+                  </a:schemeClr>
+                </a:solidFill>
+              </a:rPr>
+              <a:t>. Educational Psychologist 38(1), 53-61</a:t>
+            </a:r>
+            <a:endParaRPr lang="nl-NL" sz="900" dirty="0">
+              <a:solidFill>
+                <a:schemeClr val="bg1">
+                  <a:lumMod val="75000"/>
+                </a:schemeClr>
+              </a:solidFill>
+            </a:endParaRPr>
+          </a:p>
+        </p:txBody>
+      </p:sp>
+      <p:graphicFrame>
+        <p:nvGraphicFramePr>
+          <p:cNvPr id="5" name="Table 4"/>
+          <p:cNvGraphicFramePr>
+            <a:graphicFrameLocks noGrp="1"/>
+          </p:cNvGraphicFramePr>
+          <p:nvPr>
+            <p:extLst>
+              <p:ext uri="{D42A27DB-BD31-4B8C-83A1-F6EECF244321}">
+                <p14:modId xmlns:p14="http://schemas.microsoft.com/office/powerpoint/2010/main" val="2577876481"/>
+              </p:ext>
+            </p:extLst>
+          </p:nvPr>
+        </p:nvGraphicFramePr>
+        <p:xfrm>
+          <a:off x="1216456" y="2396557"/>
+          <a:ext cx="9229122" cy="3124073"/>
+        </p:xfrm>
+        <a:graphic>
+          <a:graphicData uri="http://schemas.openxmlformats.org/drawingml/2006/table">
+            <a:tbl>
+              <a:tblPr firstRow="1" bandRow="1">
+                <a:tableStyleId>{69CF1AB2-1976-4502-BF36-3FF5EA218861}</a:tableStyleId>
+              </a:tblPr>
+              <a:tblGrid>
+                <a:gridCol w="1856971"/>
+                <a:gridCol w="3686075"/>
+                <a:gridCol w="3686076"/>
+              </a:tblGrid>
+              <a:tr h="833295">
+                <a:tc>
+                  <a:txBody>
+                    <a:bodyPr/>
+                    <a:lstStyle/>
+                    <a:p>
+                      <a:endParaRPr lang="nl-NL" sz="1700" dirty="0"/>
+                    </a:p>
+                  </a:txBody>
+                  <a:tcPr marL="84362" marR="84362" marT="42181" marB="42181">
+                    <a:solidFill>
+                      <a:schemeClr val="bg1"/>
+                    </a:solidFill>
+                  </a:tcPr>
+                </a:tc>
+                <a:tc>
+                  <a:txBody>
+                    <a:bodyPr/>
+                    <a:lstStyle/>
+                    <a:p>
+                      <a:r>
+                        <a:rPr lang="nl-NL" sz="1700" dirty="0" smtClean="0"/>
+                        <a:t>Indirect</a:t>
+                      </a:r>
+                      <a:endParaRPr lang="nl-NL" sz="1700" dirty="0"/>
+                    </a:p>
+                  </a:txBody>
+                  <a:tcPr marL="84362" marR="84362" marT="42181" marB="42181"/>
+                </a:tc>
+                <a:tc>
+                  <a:txBody>
+                    <a:bodyPr/>
+                    <a:lstStyle/>
+                    <a:p>
+                      <a:r>
+                        <a:rPr lang="nl-NL" sz="1700" dirty="0" smtClean="0"/>
+                        <a:t>Direct</a:t>
+                      </a:r>
+                      <a:endParaRPr lang="nl-NL" sz="1700" dirty="0"/>
+                    </a:p>
+                  </a:txBody>
+                  <a:tcPr marL="84362" marR="84362" marT="42181" marB="42181"/>
+                </a:tc>
+              </a:tr>
+              <a:tr h="1112263">
+                <a:tc>
+                  <a:txBody>
+                    <a:bodyPr/>
+                    <a:lstStyle/>
+                    <a:p>
+                      <a:r>
+                        <a:rPr lang="nl-NL" sz="1700" b="1" dirty="0" smtClean="0"/>
+                        <a:t>Subjective</a:t>
+                      </a:r>
+                      <a:endParaRPr lang="nl-NL" sz="1700" b="1" dirty="0"/>
+                    </a:p>
+                  </a:txBody>
+                  <a:tcPr marL="84362" marR="84362" marT="42181" marB="42181"/>
+                </a:tc>
+                <a:tc>
+                  <a:txBody>
+                    <a:bodyPr/>
+                    <a:lstStyle/>
+                    <a:p>
+                      <a:r>
+                        <a:rPr lang="nl-NL" sz="1700" dirty="0" smtClean="0"/>
+                        <a:t>Self-reported</a:t>
+                      </a:r>
+                      <a:r>
+                        <a:rPr lang="nl-NL" sz="1700" baseline="0" dirty="0" smtClean="0"/>
+                        <a:t> invested mental effort</a:t>
+                      </a:r>
+                      <a:endParaRPr lang="nl-NL" sz="1700" dirty="0"/>
+                    </a:p>
+                  </a:txBody>
+                  <a:tcPr marL="84362" marR="84362" marT="42181" marB="42181"/>
+                </a:tc>
+                <a:tc>
+                  <a:txBody>
+                    <a:bodyPr/>
+                    <a:lstStyle/>
+                    <a:p>
+                      <a:r>
+                        <a:rPr lang="nl-NL" sz="1700" dirty="0" smtClean="0"/>
+                        <a:t>Self-reported stress level</a:t>
+                      </a:r>
+                    </a:p>
+                    <a:p>
+                      <a:endParaRPr lang="nl-NL" sz="1700" dirty="0" smtClean="0"/>
+                    </a:p>
+                    <a:p>
+                      <a:r>
+                        <a:rPr lang="nl-NL" sz="1700" dirty="0" smtClean="0"/>
+                        <a:t>Self-reported difficulty of materials</a:t>
+                      </a:r>
+                      <a:endParaRPr lang="nl-NL" sz="1700" dirty="0"/>
+                    </a:p>
+                  </a:txBody>
+                  <a:tcPr marL="84362" marR="84362" marT="42181" marB="42181"/>
+                </a:tc>
+              </a:tr>
+              <a:tr h="1178515">
+                <a:tc>
+                  <a:txBody>
+                    <a:bodyPr/>
+                    <a:lstStyle/>
+                    <a:p>
+                      <a:r>
+                        <a:rPr lang="nl-NL" sz="1700" b="1" dirty="0" smtClean="0"/>
+                        <a:t>Objective</a:t>
+                      </a:r>
+                      <a:endParaRPr lang="nl-NL" sz="1700" b="1" dirty="0"/>
+                    </a:p>
+                  </a:txBody>
+                  <a:tcPr marL="84362" marR="84362" marT="42181" marB="42181"/>
+                </a:tc>
+                <a:tc>
+                  <a:txBody>
+                    <a:bodyPr/>
+                    <a:lstStyle/>
+                    <a:p>
+                      <a:r>
+                        <a:rPr lang="nl-NL" sz="1700" dirty="0" smtClean="0"/>
+                        <a:t>Physiological</a:t>
+                      </a:r>
+                      <a:r>
+                        <a:rPr lang="nl-NL" sz="1700" baseline="0" dirty="0" smtClean="0"/>
+                        <a:t> </a:t>
+                      </a:r>
+                      <a:r>
+                        <a:rPr lang="nl-NL" sz="1700" baseline="0" dirty="0" smtClean="0"/>
+                        <a:t>measures</a:t>
+                      </a:r>
+                    </a:p>
+                    <a:p>
+                      <a:endParaRPr lang="nl-NL" sz="1700" baseline="0" dirty="0" smtClean="0"/>
+                    </a:p>
+                    <a:p>
+                      <a:r>
+                        <a:rPr lang="nl-NL" sz="1700" baseline="0" dirty="0" smtClean="0"/>
+                        <a:t>Behavioral measures</a:t>
+                      </a:r>
+                      <a:endParaRPr lang="nl-NL" sz="1700" baseline="0" dirty="0" smtClean="0"/>
+                    </a:p>
+                    <a:p>
+                      <a:r>
+                        <a:rPr lang="nl-NL" sz="1700" baseline="0" dirty="0" smtClean="0"/>
+                        <a:t>Learning outcome measures</a:t>
+                      </a:r>
+                      <a:endParaRPr lang="nl-NL" sz="1700" dirty="0"/>
+                    </a:p>
+                  </a:txBody>
+                  <a:tcPr marL="84362" marR="84362" marT="42181" marB="42181"/>
+                </a:tc>
+                <a:tc>
+                  <a:txBody>
+                    <a:bodyPr/>
+                    <a:lstStyle/>
+                    <a:p>
+                      <a:r>
+                        <a:rPr lang="nl-NL" sz="1700" dirty="0" smtClean="0"/>
+                        <a:t>Dual-task performance</a:t>
+                      </a:r>
+                    </a:p>
+                    <a:p>
+                      <a:endParaRPr lang="nl-NL" sz="1700" dirty="0" smtClean="0"/>
+                    </a:p>
+                    <a:p>
+                      <a:r>
+                        <a:rPr lang="nl-NL" sz="1700" dirty="0" smtClean="0"/>
+                        <a:t>Brain activity measures (e.g. fMRI)</a:t>
+                      </a:r>
+                    </a:p>
+                    <a:p>
+                      <a:r>
+                        <a:rPr lang="nl-NL" sz="1700" dirty="0" smtClean="0"/>
+                        <a:t>(arguably</a:t>
+                      </a:r>
+                      <a:r>
+                        <a:rPr lang="nl-NL" sz="1700" baseline="0" dirty="0" smtClean="0"/>
+                        <a:t> also indirect)</a:t>
+                      </a:r>
+                      <a:endParaRPr lang="nl-NL" sz="1700" dirty="0" smtClean="0"/>
+                    </a:p>
+                  </a:txBody>
+                  <a:tcPr marL="84362" marR="84362" marT="42181" marB="42181"/>
+                </a:tc>
+              </a:tr>
+            </a:tbl>
+          </a:graphicData>
+        </a:graphic>
+      </p:graphicFrame>
+    </p:spTree>
+    <p:extLst>
+      <p:ext uri="{BB962C8B-B14F-4D97-AF65-F5344CB8AC3E}">
+        <p14:creationId xmlns:p14="http://schemas.microsoft.com/office/powerpoint/2010/main" val="2443263171"/>
+      </p:ext>
+    </p:extLst>
+  </p:cSld>
+  <p:clrMapOvr>
+    <a:masterClrMapping/>
+  </p:clrMapOvr>
+  <p:timing>
+    <p:tnLst>
+      <p:par>
+        <p:cTn id="1" dur="indefinite" restart="never" nodeType="tmRoot"/>
+      </p:par>
+    </p:tnLst>
+  </p:timing>
+</p:sld>
+</file>
+
+<file path=ppt/slides/slide20.xml><?xml version="1.0" encoding="utf-8"?>
+<p:sld xmlns:a="http://schemas.openxmlformats.org/drawingml/2006/main" xmlns:r="http://schemas.openxmlformats.org/officeDocument/2006/relationships" xmlns:p="http://schemas.openxmlformats.org/presentationml/2006/main">
+  <p:cSld>
+    <p:spTree>
+      <p:nvGrpSpPr>
+        <p:cNvPr id="1" name=""/>
+        <p:cNvGrpSpPr/>
+        <p:nvPr/>
+      </p:nvGrpSpPr>
+      <p:grpSpPr>
+        <a:xfrm>
+          <a:off x="0" y="0"/>
+          <a:ext cx="0" cy="0"/>
+          <a:chOff x="0" y="0"/>
+          <a:chExt cx="0" cy="0"/>
+        </a:xfrm>
+      </p:grpSpPr>
+      <p:sp>
+        <p:nvSpPr>
+          <p:cNvPr id="2" name="Title 1"/>
+          <p:cNvSpPr>
+            <a:spLocks noGrp="1"/>
+          </p:cNvSpPr>
+          <p:nvPr>
+            <p:ph type="title"/>
+          </p:nvPr>
+        </p:nvSpPr>
+        <p:spPr/>
+        <p:txBody>
+          <a:bodyPr/>
+          <a:lstStyle/>
+          <a:p>
+            <a:endParaRPr lang="nl-NL" dirty="0"/>
+          </a:p>
+        </p:txBody>
+      </p:sp>
+      <p:sp>
+        <p:nvSpPr>
+          <p:cNvPr id="3" name="Content Placeholder 2"/>
+          <p:cNvSpPr>
+            <a:spLocks noGrp="1"/>
+          </p:cNvSpPr>
+          <p:nvPr>
+            <p:ph idx="1"/>
+          </p:nvPr>
+        </p:nvSpPr>
+        <p:spPr>
+          <a:xfrm>
+            <a:off x="716437" y="3459638"/>
+            <a:ext cx="10439243" cy="2428311"/>
+          </a:xfrm>
+        </p:spPr>
+        <p:txBody>
+          <a:bodyPr>
+            <a:normAutofit/>
+          </a:bodyPr>
+          <a:lstStyle/>
+          <a:p>
+            <a:pPr algn="ctr"/>
+            <a:r>
+              <a:rPr lang="nl-NL" sz="4000" dirty="0" smtClean="0"/>
+              <a:t>**</a:t>
+            </a:r>
+            <a:endParaRPr lang="nl-NL" sz="4000" dirty="0"/>
+          </a:p>
+        </p:txBody>
+      </p:sp>
+    </p:spTree>
+    <p:extLst>
+      <p:ext uri="{BB962C8B-B14F-4D97-AF65-F5344CB8AC3E}">
+        <p14:creationId xmlns:p14="http://schemas.microsoft.com/office/powerpoint/2010/main" val="1025555181"/>
+      </p:ext>
+    </p:extLst>
+  </p:cSld>
+  <p:clrMapOvr>
+    <a:masterClrMapping/>
+  </p:clrMapOvr>
+  <p:timing>
+    <p:tnLst>
+      <p:par>
+        <p:cTn id="1" dur="indefinite" restart="never" nodeType="tmRoot"/>
+      </p:par>
+    </p:tnLst>
+  </p:timing>
+</p:sld>
+</file>
+
+<file path=ppt/slides/slide21.xml><?xml version="1.0" encoding="utf-8"?>
 <p:sld xmlns:a="http://schemas.openxmlformats.org/drawingml/2006/main" xmlns:r="http://schemas.openxmlformats.org/officeDocument/2006/relationships" xmlns:p="http://schemas.openxmlformats.org/presentationml/2006/main">
   <p:cSld>
     <p:spTree>
@@ -5140,10 +7522,17 @@
   <p:clrMapOvr>
     <a:masterClrMapping/>
   </p:clrMapOvr>
+  <p:timing>
+    <p:tnLst>
+      <p:par>
+        <p:cTn id="1" dur="indefinite" restart="never" nodeType="tmRoot"/>
+      </p:par>
+    </p:tnLst>
+  </p:timing>
 </p:sld>
 </file>
 
-<file path=ppt/slides/slide14.xml><?xml version="1.0" encoding="utf-8"?>
+<file path=ppt/slides/slide22.xml><?xml version="1.0" encoding="utf-8"?>
 <p:sld xmlns:a="http://schemas.openxmlformats.org/drawingml/2006/main" xmlns:r="http://schemas.openxmlformats.org/officeDocument/2006/relationships" xmlns:p="http://schemas.openxmlformats.org/presentationml/2006/main">
   <p:cSld>
     <p:spTree>
@@ -5253,10 +7642,17 @@
   <p:clrMapOvr>
     <a:masterClrMapping/>
   </p:clrMapOvr>
+  <p:timing>
+    <p:tnLst>
+      <p:par>
+        <p:cTn id="1" dur="indefinite" restart="never" nodeType="tmRoot"/>
+      </p:par>
+    </p:tnLst>
+  </p:timing>
 </p:sld>
 </file>
 
-<file path=ppt/slides/slide15.xml><?xml version="1.0" encoding="utf-8"?>
+<file path=ppt/slides/slide23.xml><?xml version="1.0" encoding="utf-8"?>
 <p:sld xmlns:a="http://schemas.openxmlformats.org/drawingml/2006/main" xmlns:r="http://schemas.openxmlformats.org/officeDocument/2006/relationships" xmlns:p="http://schemas.openxmlformats.org/presentationml/2006/main">
   <p:cSld>
     <p:spTree>
@@ -5476,10 +7872,17 @@
   <p:clrMapOvr>
     <a:masterClrMapping/>
   </p:clrMapOvr>
+  <p:timing>
+    <p:tnLst>
+      <p:par>
+        <p:cTn id="1" dur="indefinite" restart="never" nodeType="tmRoot"/>
+      </p:par>
+    </p:tnLst>
+  </p:timing>
 </p:sld>
 </file>
 
-<file path=ppt/slides/slide16.xml><?xml version="1.0" encoding="utf-8"?>
+<file path=ppt/slides/slide24.xml><?xml version="1.0" encoding="utf-8"?>
 <p:sld xmlns:a="http://schemas.openxmlformats.org/drawingml/2006/main" xmlns:r="http://schemas.openxmlformats.org/officeDocument/2006/relationships" xmlns:p="http://schemas.openxmlformats.org/presentationml/2006/main">
   <p:cSld>
     <p:spTree>
@@ -5680,10 +8083,17 @@
   <p:clrMapOvr>
     <a:masterClrMapping/>
   </p:clrMapOvr>
+  <p:timing>
+    <p:tnLst>
+      <p:par>
+        <p:cTn id="1" dur="indefinite" restart="never" nodeType="tmRoot"/>
+      </p:par>
+    </p:tnLst>
+  </p:timing>
 </p:sld>
 </file>
 
-<file path=ppt/slides/slide17.xml><?xml version="1.0" encoding="utf-8"?>
+<file path=ppt/slides/slide25.xml><?xml version="1.0" encoding="utf-8"?>
 <p:sld xmlns:a="http://schemas.openxmlformats.org/drawingml/2006/main" xmlns:r="http://schemas.openxmlformats.org/officeDocument/2006/relationships" xmlns:p="http://schemas.openxmlformats.org/presentationml/2006/main">
   <p:cSld>
     <p:spTree>
@@ -6115,7 +8525,7 @@
 </p:sld>
 </file>
 
-<file path=ppt/slides/slide18.xml><?xml version="1.0" encoding="utf-8"?>
+<file path=ppt/slides/slide26.xml><?xml version="1.0" encoding="utf-8"?>
 <p:sld xmlns:a="http://schemas.openxmlformats.org/drawingml/2006/main" xmlns:r="http://schemas.openxmlformats.org/officeDocument/2006/relationships" xmlns:p="http://schemas.openxmlformats.org/presentationml/2006/main">
   <p:cSld>
     <p:spTree>
@@ -6338,10 +8748,17 @@
   <p:clrMapOvr>
     <a:masterClrMapping/>
   </p:clrMapOvr>
+  <p:timing>
+    <p:tnLst>
+      <p:par>
+        <p:cTn id="1" dur="indefinite" restart="never" nodeType="tmRoot"/>
+      </p:par>
+    </p:tnLst>
+  </p:timing>
 </p:sld>
 </file>
 
-<file path=ppt/slides/slide19.xml><?xml version="1.0" encoding="utf-8"?>
+<file path=ppt/slides/slide27.xml><?xml version="1.0" encoding="utf-8"?>
 <p:sld xmlns:a="http://schemas.openxmlformats.org/drawingml/2006/main" xmlns:r="http://schemas.openxmlformats.org/officeDocument/2006/relationships" xmlns:p="http://schemas.openxmlformats.org/presentationml/2006/main">
   <p:cSld>
     <p:spTree>
@@ -6402,8 +8819,13 @@
             </a:pPr>
             <a:r>
               <a:rPr lang="nl-NL" dirty="0" smtClean="0"/>
-              <a:t>Extract time and frequency domain information</a:t>
-            </a:r>
+              <a:t>Extract time </a:t>
+            </a:r>
+            <a:r>
+              <a:rPr lang="nl-NL" dirty="0" smtClean="0"/>
+              <a:t>domain features</a:t>
+            </a:r>
+            <a:endParaRPr lang="nl-NL" dirty="0" smtClean="0"/>
           </a:p>
           <a:p>
             <a:pPr>
@@ -6412,7 +8834,15 @@
             </a:pPr>
             <a:r>
               <a:rPr lang="nl-NL" dirty="0" smtClean="0"/>
-              <a:t>Export to WEKA readable format (CSV)</a:t>
+              <a:t>Export to </a:t>
+            </a:r>
+            <a:r>
+              <a:rPr lang="nl-NL" dirty="0" smtClean="0"/>
+              <a:t>an easily parsable </a:t>
+            </a:r>
+            <a:r>
+              <a:rPr lang="nl-NL" dirty="0" smtClean="0"/>
+              <a:t>format (CSV)</a:t>
             </a:r>
             <a:endParaRPr lang="nl-NL" dirty="0"/>
           </a:p>
@@ -6512,7 +8942,7 @@
         <p:spPr>
           <a:xfrm>
             <a:off x="6586772" y="4788199"/>
-            <a:ext cx="3715467" cy="369332"/>
+            <a:ext cx="4568908" cy="369332"/>
           </a:xfrm>
           <a:prstGeom prst="rect">
             <a:avLst/>
@@ -6526,8 +8956,13 @@
           <a:p>
             <a:r>
               <a:rPr lang="nl-NL" dirty="0"/>
-              <a:t>'luc'    'diff1'    [220.5357]    [0.1225]</a:t>
-            </a:r>
+              <a:t>'luc'    'diff1'    [220.5357]    [0.1225</a:t>
+            </a:r>
+            <a:r>
+              <a:rPr lang="nl-NL" dirty="0" smtClean="0"/>
+              <a:t>]     ...</a:t>
+            </a:r>
+            <a:endParaRPr lang="nl-NL" dirty="0"/>
           </a:p>
         </p:txBody>
       </p:sp>
@@ -6582,10 +9017,17 @@
   <p:clrMapOvr>
     <a:masterClrMapping/>
   </p:clrMapOvr>
+  <p:timing>
+    <p:tnLst>
+      <p:par>
+        <p:cTn id="1" dur="indefinite" restart="never" nodeType="tmRoot"/>
+      </p:par>
+    </p:tnLst>
+  </p:timing>
 </p:sld>
 </file>
 
-<file path=ppt/slides/slide2.xml><?xml version="1.0" encoding="utf-8"?>
+<file path=ppt/slides/slide28.xml><?xml version="1.0" encoding="utf-8"?>
 <p:sld xmlns:a="http://schemas.openxmlformats.org/drawingml/2006/main" xmlns:r="http://schemas.openxmlformats.org/officeDocument/2006/relationships" xmlns:p="http://schemas.openxmlformats.org/presentationml/2006/main">
   <p:cSld>
     <p:spTree>
@@ -6619,308 +9061,403 @@
           <a:p>
             <a:r>
               <a:rPr lang="nl-NL" dirty="0" smtClean="0"/>
-              <a:t>Cognitive load measurement</a:t>
+              <a:t>Building a classifier</a:t>
             </a:r>
             <a:endParaRPr lang="nl-NL" dirty="0"/>
           </a:p>
         </p:txBody>
       </p:sp>
-      <p:sp>
-        <p:nvSpPr>
-          <p:cNvPr id="3" name="Content Placeholder 2"/>
-          <p:cNvSpPr>
-            <a:spLocks noGrp="1"/>
-          </p:cNvSpPr>
+      <p:pic>
+        <p:nvPicPr>
+          <p:cNvPr id="1026" name="Picture 2" descr="http://puu.sh/drFPD/e17036289e.png"/>
+          <p:cNvPicPr>
+            <a:picLocks noGrp="1" noChangeAspect="1" noChangeArrowheads="1"/>
+          </p:cNvPicPr>
           <p:nvPr>
             <p:ph idx="1"/>
           </p:nvPr>
+        </p:nvPicPr>
+        <p:blipFill>
+          <a:blip r:embed="rId2">
+            <a:extLst>
+              <a:ext uri="{28A0092B-C50C-407E-A947-70E740481C1C}">
+                <a14:useLocalDpi xmlns:a14="http://schemas.microsoft.com/office/drawing/2010/main" val="0"/>
+              </a:ext>
+            </a:extLst>
+          </a:blip>
+          <a:srcRect/>
+          <a:stretch>
+            <a:fillRect/>
+          </a:stretch>
+        </p:blipFill>
+        <p:spPr bwMode="auto">
+          <a:xfrm>
+            <a:off x="1097280" y="1945052"/>
+            <a:ext cx="5839640" cy="1600423"/>
+          </a:xfrm>
+          <a:prstGeom prst="rect">
+            <a:avLst/>
+          </a:prstGeom>
+          <a:noFill/>
+          <a:extLst>
+            <a:ext uri="{909E8E84-426E-40DD-AFC4-6F175D3DCCD1}">
+              <a14:hiddenFill xmlns:a14="http://schemas.microsoft.com/office/drawing/2010/main">
+                <a:solidFill>
+                  <a:srgbClr val="FFFFFF"/>
+                </a:solidFill>
+              </a14:hiddenFill>
+            </a:ext>
+          </a:extLst>
+        </p:spPr>
+      </p:pic>
+      <p:pic>
+        <p:nvPicPr>
+          <p:cNvPr id="1028" name="Picture 4" descr="http://i1-mac.softpedia-static.com/screenshots/weka_1.png"/>
+          <p:cNvPicPr>
+            <a:picLocks noChangeAspect="1" noChangeArrowheads="1"/>
+          </p:cNvPicPr>
+          <p:nvPr/>
+        </p:nvPicPr>
+        <p:blipFill>
+          <a:blip r:embed="rId3">
+            <a:extLst>
+              <a:ext uri="{28A0092B-C50C-407E-A947-70E740481C1C}">
+                <a14:useLocalDpi xmlns:a14="http://schemas.microsoft.com/office/drawing/2010/main" val="0"/>
+              </a:ext>
+            </a:extLst>
+          </a:blip>
+          <a:srcRect/>
+          <a:stretch>
+            <a:fillRect/>
+          </a:stretch>
+        </p:blipFill>
+        <p:spPr bwMode="auto">
+          <a:xfrm>
+            <a:off x="7088566" y="3337089"/>
+            <a:ext cx="4503692" cy="2980244"/>
+          </a:xfrm>
+          <a:prstGeom prst="rect">
+            <a:avLst/>
+          </a:prstGeom>
+          <a:noFill/>
+          <a:extLst>
+            <a:ext uri="{909E8E84-426E-40DD-AFC4-6F175D3DCCD1}">
+              <a14:hiddenFill xmlns:a14="http://schemas.microsoft.com/office/drawing/2010/main">
+                <a:solidFill>
+                  <a:srgbClr val="FFFFFF"/>
+                </a:solidFill>
+              </a14:hiddenFill>
+            </a:ext>
+          </a:extLst>
+        </p:spPr>
+      </p:pic>
+      <p:sp>
+        <p:nvSpPr>
+          <p:cNvPr id="6" name="Bent Arrow 5"/>
+          <p:cNvSpPr/>
+          <p:nvPr/>
+        </p:nvSpPr>
+        <p:spPr>
+          <a:xfrm rot="5400000">
+            <a:off x="7687295" y="1505755"/>
+            <a:ext cx="1440991" cy="2638450"/>
+          </a:xfrm>
+          <a:prstGeom prst="bentArrow">
+            <a:avLst/>
+          </a:prstGeom>
+        </p:spPr>
+        <p:style>
+          <a:lnRef idx="2">
+            <a:schemeClr val="accent1">
+              <a:shade val="50000"/>
+            </a:schemeClr>
+          </a:lnRef>
+          <a:fillRef idx="1">
+            <a:schemeClr val="accent1"/>
+          </a:fillRef>
+          <a:effectRef idx="0">
+            <a:schemeClr val="accent1"/>
+          </a:effectRef>
+          <a:fontRef idx="minor">
+            <a:schemeClr val="lt1"/>
+          </a:fontRef>
+        </p:style>
+        <p:txBody>
+          <a:bodyPr rtlCol="0" anchor="ctr"/>
+          <a:lstStyle/>
+          <a:p>
+            <a:pPr algn="ctr"/>
+            <a:endParaRPr lang="nl-NL">
+              <a:solidFill>
+                <a:schemeClr val="tx1"/>
+              </a:solidFill>
+            </a:endParaRPr>
+          </a:p>
+        </p:txBody>
+      </p:sp>
+      <p:sp>
+        <p:nvSpPr>
+          <p:cNvPr id="4" name="Rectangle 3"/>
+          <p:cNvSpPr/>
+          <p:nvPr/>
         </p:nvSpPr>
         <p:spPr>
           <a:xfrm>
-            <a:off x="1097279" y="1845734"/>
-            <a:ext cx="10410979" cy="4390310"/>
+            <a:off x="1022226" y="3753167"/>
+            <a:ext cx="6107569" cy="1200329"/>
           </a:xfrm>
+          <a:prstGeom prst="rect">
+            <a:avLst/>
+          </a:prstGeom>
         </p:spPr>
         <p:txBody>
-          <a:bodyPr>
-            <a:normAutofit/>
+          <a:bodyPr wrap="none">
+            <a:spAutoFit/>
           </a:bodyPr>
           <a:lstStyle/>
           <a:p>
+            <a:pPr marL="285750" indent="-285750">
+              <a:buFont typeface="Wingdings" panose="05000000000000000000" pitchFamily="2" charset="2"/>
+              <a:buChar char="§"/>
+            </a:pPr>
             <a:r>
               <a:rPr lang="nl-NL" dirty="0" smtClean="0"/>
-              <a:t>Many approaches to measuring cognitive load</a:t>
-            </a:r>
-          </a:p>
-          <a:p>
+              <a:t>CSV data fed to Weka Data Mining Software</a:t>
+            </a:r>
+          </a:p>
+          <a:p>
+            <a:pPr marL="285750" indent="-285750">
+              <a:buFont typeface="Wingdings" panose="05000000000000000000" pitchFamily="2" charset="2"/>
+              <a:buChar char="§"/>
+            </a:pPr>
+            <a:r>
+              <a:rPr lang="nl-NL" dirty="0" smtClean="0"/>
+              <a:t>Allows for easily trying multiple classifier training algorithms</a:t>
+            </a:r>
+          </a:p>
+          <a:p>
+            <a:pPr marL="285750" indent="-285750">
+              <a:buFont typeface="Wingdings" panose="05000000000000000000" pitchFamily="2" charset="2"/>
+              <a:buChar char="§"/>
+            </a:pPr>
             <a:endParaRPr lang="nl-NL" dirty="0"/>
           </a:p>
           <a:p>
-            <a:endParaRPr lang="nl-NL" dirty="0" smtClean="0"/>
-          </a:p>
-          <a:p>
+            <a:pPr marL="285750" indent="-285750">
+              <a:buFont typeface="Wingdings" panose="05000000000000000000" pitchFamily="2" charset="2"/>
+              <a:buChar char="§"/>
+            </a:pPr>
+            <a:r>
+              <a:rPr lang="nl-NL" dirty="0" smtClean="0"/>
+              <a:t>Also great for visualization</a:t>
+            </a:r>
             <a:endParaRPr lang="nl-NL" dirty="0"/>
           </a:p>
-          <a:p>
-            <a:endParaRPr lang="nl-NL" dirty="0" smtClean="0"/>
-          </a:p>
-          <a:p>
-            <a:endParaRPr lang="nl-NL" dirty="0"/>
-          </a:p>
-          <a:p>
-            <a:endParaRPr lang="nl-NL" dirty="0" smtClean="0"/>
-          </a:p>
-          <a:p>
-            <a:endParaRPr lang="nl-NL" dirty="0"/>
-          </a:p>
-          <a:p>
-            <a:endParaRPr lang="nl-NL" dirty="0" smtClean="0"/>
-          </a:p>
-          <a:p>
-            <a:r>
-              <a:rPr lang="nl-NL" sz="900" dirty="0" smtClean="0">
-                <a:solidFill>
-                  <a:schemeClr val="bg1">
-                    <a:lumMod val="75000"/>
-                  </a:schemeClr>
-                </a:solidFill>
-              </a:rPr>
-              <a:t>R. Brünken et al. (2003), </a:t>
-            </a:r>
-            <a:r>
-              <a:rPr lang="nl-NL" sz="900" i="1" dirty="0" smtClean="0">
-                <a:solidFill>
-                  <a:schemeClr val="bg1">
-                    <a:lumMod val="75000"/>
-                  </a:schemeClr>
-                </a:solidFill>
-              </a:rPr>
-              <a:t>Direct Measurement of Cognitive Load in Multimedia Learning</a:t>
-            </a:r>
-            <a:r>
-              <a:rPr lang="nl-NL" sz="900" dirty="0" smtClean="0">
-                <a:solidFill>
-                  <a:schemeClr val="bg1">
-                    <a:lumMod val="75000"/>
-                  </a:schemeClr>
-                </a:solidFill>
-              </a:rPr>
-              <a:t>. Educational Psychologist 38(1), 53-61</a:t>
-            </a:r>
-            <a:endParaRPr lang="nl-NL" sz="900" dirty="0">
-              <a:solidFill>
-                <a:schemeClr val="bg1">
-                  <a:lumMod val="75000"/>
-                </a:schemeClr>
-              </a:solidFill>
-            </a:endParaRPr>
-          </a:p>
-        </p:txBody>
-      </p:sp>
-      <p:graphicFrame>
-        <p:nvGraphicFramePr>
-          <p:cNvPr id="5" name="Table 4"/>
-          <p:cNvGraphicFramePr>
-            <a:graphicFrameLocks noGrp="1"/>
-          </p:cNvGraphicFramePr>
-          <p:nvPr>
-            <p:extLst>
-              <p:ext uri="{D42A27DB-BD31-4B8C-83A1-F6EECF244321}">
-                <p14:modId xmlns:p14="http://schemas.microsoft.com/office/powerpoint/2010/main" val="656394895"/>
-              </p:ext>
-            </p:extLst>
-          </p:nvPr>
-        </p:nvGraphicFramePr>
-        <p:xfrm>
-          <a:off x="1216456" y="2396557"/>
-          <a:ext cx="9229122" cy="3124073"/>
-        </p:xfrm>
-        <a:graphic>
-          <a:graphicData uri="http://schemas.openxmlformats.org/drawingml/2006/table">
-            <a:tbl>
-              <a:tblPr firstRow="1" bandRow="1">
-                <a:tableStyleId>{69CF1AB2-1976-4502-BF36-3FF5EA218861}</a:tableStyleId>
-              </a:tblPr>
-              <a:tblGrid>
-                <a:gridCol w="1856971"/>
-                <a:gridCol w="3686075"/>
-                <a:gridCol w="3686076"/>
-              </a:tblGrid>
-              <a:tr h="833295">
-                <a:tc>
-                  <a:txBody>
-                    <a:bodyPr/>
-                    <a:lstStyle/>
-                    <a:p>
-                      <a:endParaRPr lang="nl-NL" sz="1700" dirty="0"/>
-                    </a:p>
-                  </a:txBody>
-                  <a:tcPr marL="84362" marR="84362" marT="42181" marB="42181">
-                    <a:solidFill>
-                      <a:schemeClr val="bg1"/>
-                    </a:solidFill>
-                  </a:tcPr>
-                </a:tc>
-                <a:tc>
-                  <a:txBody>
-                    <a:bodyPr/>
-                    <a:lstStyle/>
-                    <a:p>
-                      <a:r>
-                        <a:rPr lang="nl-NL" sz="1700" dirty="0" smtClean="0"/>
-                        <a:t>Indirect</a:t>
-                      </a:r>
-                      <a:endParaRPr lang="nl-NL" sz="1700" dirty="0"/>
-                    </a:p>
-                  </a:txBody>
-                  <a:tcPr marL="84362" marR="84362" marT="42181" marB="42181"/>
-                </a:tc>
-                <a:tc>
-                  <a:txBody>
-                    <a:bodyPr/>
-                    <a:lstStyle/>
-                    <a:p>
-                      <a:r>
-                        <a:rPr lang="nl-NL" sz="1700" dirty="0" smtClean="0"/>
-                        <a:t>Direct</a:t>
-                      </a:r>
-                      <a:endParaRPr lang="nl-NL" sz="1700" dirty="0"/>
-                    </a:p>
-                  </a:txBody>
-                  <a:tcPr marL="84362" marR="84362" marT="42181" marB="42181"/>
-                </a:tc>
-              </a:tr>
-              <a:tr h="1112263">
-                <a:tc>
-                  <a:txBody>
-                    <a:bodyPr/>
-                    <a:lstStyle/>
-                    <a:p>
-                      <a:r>
-                        <a:rPr lang="nl-NL" sz="1700" b="1" dirty="0" smtClean="0"/>
-                        <a:t>Subjective</a:t>
-                      </a:r>
-                      <a:endParaRPr lang="nl-NL" sz="1700" b="1" dirty="0"/>
-                    </a:p>
-                  </a:txBody>
-                  <a:tcPr marL="84362" marR="84362" marT="42181" marB="42181"/>
-                </a:tc>
-                <a:tc>
-                  <a:txBody>
-                    <a:bodyPr/>
-                    <a:lstStyle/>
-                    <a:p>
-                      <a:r>
-                        <a:rPr lang="nl-NL" sz="1700" dirty="0" smtClean="0"/>
-                        <a:t>Self-reported</a:t>
-                      </a:r>
-                      <a:r>
-                        <a:rPr lang="nl-NL" sz="1700" baseline="0" dirty="0" smtClean="0"/>
-                        <a:t> invested mental effort</a:t>
-                      </a:r>
-                      <a:endParaRPr lang="nl-NL" sz="1700" dirty="0"/>
-                    </a:p>
-                  </a:txBody>
-                  <a:tcPr marL="84362" marR="84362" marT="42181" marB="42181"/>
-                </a:tc>
-                <a:tc>
-                  <a:txBody>
-                    <a:bodyPr/>
-                    <a:lstStyle/>
-                    <a:p>
-                      <a:r>
-                        <a:rPr lang="nl-NL" sz="1700" dirty="0" smtClean="0"/>
-                        <a:t>Self-reported stress level</a:t>
-                      </a:r>
-                    </a:p>
-                    <a:p>
-                      <a:endParaRPr lang="nl-NL" sz="1700" dirty="0" smtClean="0"/>
-                    </a:p>
-                    <a:p>
-                      <a:r>
-                        <a:rPr lang="nl-NL" sz="1700" dirty="0" smtClean="0"/>
-                        <a:t>Self-reported difficulty of materials</a:t>
-                      </a:r>
-                      <a:endParaRPr lang="nl-NL" sz="1700" dirty="0"/>
-                    </a:p>
-                  </a:txBody>
-                  <a:tcPr marL="84362" marR="84362" marT="42181" marB="42181"/>
-                </a:tc>
-              </a:tr>
-              <a:tr h="1178515">
-                <a:tc>
-                  <a:txBody>
-                    <a:bodyPr/>
-                    <a:lstStyle/>
-                    <a:p>
-                      <a:r>
-                        <a:rPr lang="nl-NL" sz="1700" b="1" dirty="0" smtClean="0"/>
-                        <a:t>Objective</a:t>
-                      </a:r>
-                      <a:endParaRPr lang="nl-NL" sz="1700" b="1" dirty="0"/>
-                    </a:p>
-                  </a:txBody>
-                  <a:tcPr marL="84362" marR="84362" marT="42181" marB="42181"/>
-                </a:tc>
-                <a:tc>
-                  <a:txBody>
-                    <a:bodyPr/>
-                    <a:lstStyle/>
-                    <a:p>
-                      <a:r>
-                        <a:rPr lang="nl-NL" sz="1700" dirty="0" smtClean="0"/>
-                        <a:t>Psysiological</a:t>
-                      </a:r>
-                      <a:r>
-                        <a:rPr lang="nl-NL" sz="1700" baseline="0" dirty="0" smtClean="0"/>
-                        <a:t> measures</a:t>
-                      </a:r>
-                    </a:p>
-                    <a:p>
-                      <a:endParaRPr lang="nl-NL" sz="1700" baseline="0" dirty="0" smtClean="0"/>
-                    </a:p>
-                    <a:p>
-                      <a:r>
-                        <a:rPr lang="nl-NL" sz="1700" baseline="0" dirty="0" smtClean="0"/>
-                        <a:t>Learning outcome measures</a:t>
-                      </a:r>
-                      <a:endParaRPr lang="nl-NL" sz="1700" dirty="0"/>
-                    </a:p>
-                  </a:txBody>
-                  <a:tcPr marL="84362" marR="84362" marT="42181" marB="42181"/>
-                </a:tc>
-                <a:tc>
-                  <a:txBody>
-                    <a:bodyPr/>
-                    <a:lstStyle/>
-                    <a:p>
-                      <a:r>
-                        <a:rPr lang="nl-NL" sz="1700" dirty="0" smtClean="0"/>
-                        <a:t>Brain activity measures (e.g. fMRI)</a:t>
-                      </a:r>
-                    </a:p>
-                    <a:p>
-                      <a:endParaRPr lang="nl-NL" sz="1700" dirty="0" smtClean="0"/>
-                    </a:p>
-                    <a:p>
-                      <a:r>
-                        <a:rPr lang="nl-NL" sz="1700" dirty="0" smtClean="0"/>
-                        <a:t>Dual-task performance</a:t>
-                      </a:r>
-                      <a:endParaRPr lang="nl-NL" sz="1700" dirty="0"/>
-                    </a:p>
-                  </a:txBody>
-                  <a:tcPr marL="84362" marR="84362" marT="42181" marB="42181"/>
-                </a:tc>
-              </a:tr>
-            </a:tbl>
-          </a:graphicData>
-        </a:graphic>
-      </p:graphicFrame>
+        </p:txBody>
+      </p:sp>
     </p:spTree>
     <p:extLst>
       <p:ext uri="{BB962C8B-B14F-4D97-AF65-F5344CB8AC3E}">
-        <p14:creationId xmlns:p14="http://schemas.microsoft.com/office/powerpoint/2010/main" val="2443263171"/>
+        <p14:creationId xmlns:p14="http://schemas.microsoft.com/office/powerpoint/2010/main" val="4011496843"/>
+      </p:ext>
+    </p:extLst>
+  </p:cSld>
+  <p:clrMapOvr>
+    <a:masterClrMapping/>
+  </p:clrMapOvr>
+  <p:timing>
+    <p:tnLst>
+      <p:par>
+        <p:cTn id="1" dur="indefinite" restart="never" nodeType="tmRoot"/>
+      </p:par>
+    </p:tnLst>
+  </p:timing>
+</p:sld>
+</file>
+
+<file path=ppt/slides/slide29.xml><?xml version="1.0" encoding="utf-8"?>
+<p:sld xmlns:a="http://schemas.openxmlformats.org/drawingml/2006/main" xmlns:r="http://schemas.openxmlformats.org/officeDocument/2006/relationships" xmlns:p="http://schemas.openxmlformats.org/presentationml/2006/main">
+  <p:cSld>
+    <p:spTree>
+      <p:nvGrpSpPr>
+        <p:cNvPr id="1" name=""/>
+        <p:cNvGrpSpPr/>
+        <p:nvPr/>
+      </p:nvGrpSpPr>
+      <p:grpSpPr>
+        <a:xfrm>
+          <a:off x="0" y="0"/>
+          <a:ext cx="0" cy="0"/>
+          <a:chOff x="0" y="0"/>
+          <a:chExt cx="0" cy="0"/>
+        </a:xfrm>
+      </p:grpSpPr>
+      <p:sp>
+        <p:nvSpPr>
+          <p:cNvPr id="2" name="Title 1"/>
+          <p:cNvSpPr>
+            <a:spLocks noGrp="1"/>
+          </p:cNvSpPr>
+          <p:nvPr>
+            <p:ph type="title"/>
+          </p:nvPr>
+        </p:nvSpPr>
+        <p:spPr/>
+        <p:txBody>
+          <a:bodyPr/>
+          <a:lstStyle/>
+          <a:p>
+            <a:r>
+              <a:rPr lang="nl-NL" dirty="0" smtClean="0"/>
+              <a:t>Visualization</a:t>
+            </a:r>
+            <a:endParaRPr lang="nl-NL" dirty="0"/>
+          </a:p>
+        </p:txBody>
+      </p:sp>
+      <p:sp>
+        <p:nvSpPr>
+          <p:cNvPr id="3" name="Content Placeholder 2"/>
+          <p:cNvSpPr>
+            <a:spLocks noGrp="1"/>
+          </p:cNvSpPr>
+          <p:nvPr>
+            <p:ph idx="1"/>
+          </p:nvPr>
+        </p:nvSpPr>
+        <p:spPr>
+          <a:xfrm>
+            <a:off x="1097280" y="1819373"/>
+            <a:ext cx="5435495" cy="4213782"/>
+          </a:xfrm>
+        </p:spPr>
+        <p:txBody>
+          <a:bodyPr/>
+          <a:lstStyle/>
+          <a:p>
+            <a:r>
+              <a:rPr lang="nl-NL" dirty="0" smtClean="0"/>
+              <a:t>Standard Deviation vs Task Difficulty</a:t>
+            </a:r>
+            <a:endParaRPr lang="nl-NL" dirty="0"/>
+          </a:p>
+        </p:txBody>
+      </p:sp>
+      <p:pic>
+        <p:nvPicPr>
+          <p:cNvPr id="2050" name="Picture 2" descr="http://puu.sh/drGOW/ef9bf5a47c.png"/>
+          <p:cNvPicPr>
+            <a:picLocks noChangeAspect="1" noChangeArrowheads="1"/>
+          </p:cNvPicPr>
+          <p:nvPr/>
+        </p:nvPicPr>
+        <p:blipFill>
+          <a:blip r:embed="rId2">
+            <a:extLst>
+              <a:ext uri="{28A0092B-C50C-407E-A947-70E740481C1C}">
+                <a14:useLocalDpi xmlns:a14="http://schemas.microsoft.com/office/drawing/2010/main" val="0"/>
+              </a:ext>
+            </a:extLst>
+          </a:blip>
+          <a:srcRect/>
+          <a:stretch>
+            <a:fillRect/>
+          </a:stretch>
+        </p:blipFill>
+        <p:spPr bwMode="auto">
+          <a:xfrm>
+            <a:off x="1191548" y="2211494"/>
+            <a:ext cx="5248275" cy="3657600"/>
+          </a:xfrm>
+          <a:prstGeom prst="rect">
+            <a:avLst/>
+          </a:prstGeom>
+          <a:noFill/>
+          <a:extLst>
+            <a:ext uri="{909E8E84-426E-40DD-AFC4-6F175D3DCCD1}">
+              <a14:hiddenFill xmlns:a14="http://schemas.microsoft.com/office/drawing/2010/main">
+                <a:solidFill>
+                  <a:srgbClr val="FFFFFF"/>
+                </a:solidFill>
+              </a14:hiddenFill>
+            </a:ext>
+          </a:extLst>
+        </p:spPr>
+      </p:pic>
+      <p:pic>
+        <p:nvPicPr>
+          <p:cNvPr id="2052" name="Picture 4" descr="http://puu.sh/drH98/81bae0223d.png"/>
+          <p:cNvPicPr>
+            <a:picLocks noChangeAspect="1" noChangeArrowheads="1"/>
+          </p:cNvPicPr>
+          <p:nvPr/>
+        </p:nvPicPr>
+        <p:blipFill>
+          <a:blip r:embed="rId3">
+            <a:extLst>
+              <a:ext uri="{28A0092B-C50C-407E-A947-70E740481C1C}">
+                <a14:useLocalDpi xmlns:a14="http://schemas.microsoft.com/office/drawing/2010/main" val="0"/>
+              </a:ext>
+            </a:extLst>
+          </a:blip>
+          <a:srcRect/>
+          <a:stretch>
+            <a:fillRect/>
+          </a:stretch>
+        </p:blipFill>
+        <p:spPr bwMode="auto">
+          <a:xfrm>
+            <a:off x="6631789" y="2225781"/>
+            <a:ext cx="5248275" cy="3629025"/>
+          </a:xfrm>
+          <a:prstGeom prst="rect">
+            <a:avLst/>
+          </a:prstGeom>
+          <a:noFill/>
+          <a:extLst>
+            <a:ext uri="{909E8E84-426E-40DD-AFC4-6F175D3DCCD1}">
+              <a14:hiddenFill xmlns:a14="http://schemas.microsoft.com/office/drawing/2010/main">
+                <a:solidFill>
+                  <a:srgbClr val="FFFFFF"/>
+                </a:solidFill>
+              </a14:hiddenFill>
+            </a:ext>
+          </a:extLst>
+        </p:spPr>
+      </p:pic>
+      <p:sp>
+        <p:nvSpPr>
+          <p:cNvPr id="4" name="Rectangle 3"/>
+          <p:cNvSpPr/>
+          <p:nvPr/>
+        </p:nvSpPr>
+        <p:spPr>
+          <a:xfrm>
+            <a:off x="6532775" y="1819373"/>
+            <a:ext cx="2960234" cy="369332"/>
+          </a:xfrm>
+          <a:prstGeom prst="rect">
+            <a:avLst/>
+          </a:prstGeom>
+        </p:spPr>
+        <p:txBody>
+          <a:bodyPr wrap="none">
+            <a:spAutoFit/>
+          </a:bodyPr>
+          <a:lstStyle/>
+          <a:p>
+            <a:r>
+              <a:rPr lang="nl-NL" dirty="0" smtClean="0"/>
+              <a:t>Average GSR vs Task Difficulty</a:t>
+            </a:r>
+            <a:endParaRPr lang="nl-NL" dirty="0"/>
+          </a:p>
+        </p:txBody>
+      </p:sp>
+    </p:spTree>
+    <p:extLst>
+      <p:ext uri="{BB962C8B-B14F-4D97-AF65-F5344CB8AC3E}">
+        <p14:creationId xmlns:p14="http://schemas.microsoft.com/office/powerpoint/2010/main" val="2223941995"/>
       </p:ext>
     </p:extLst>
   </p:cSld>
@@ -6992,9 +9529,11 @@
           <a:lstStyle/>
           <a:p>
             <a:r>
-              <a:rPr lang="nl-NL" dirty="0" smtClean="0"/>
-              <a:t>In my thesis we are focusing on psychological measures</a:t>
-            </a:r>
+              <a:rPr lang="en-US" dirty="0"/>
+              <a:t>Many approaches to measuring cognitive load</a:t>
+            </a:r>
+          </a:p>
+          <a:p>
             <a:endParaRPr lang="nl-NL" dirty="0"/>
           </a:p>
         </p:txBody>
@@ -7008,7 +9547,7 @@
           <p:nvPr>
             <p:extLst>
               <p:ext uri="{D42A27DB-BD31-4B8C-83A1-F6EECF244321}">
-                <p14:modId xmlns:p14="http://schemas.microsoft.com/office/powerpoint/2010/main" val="3207387230"/>
+                <p14:modId xmlns:p14="http://schemas.microsoft.com/office/powerpoint/2010/main" val="3361985525"/>
               </p:ext>
             </p:extLst>
           </p:nvPr>
@@ -7151,14 +9690,25 @@
                     <a:p>
                       <a:r>
                         <a:rPr lang="nl-NL" sz="2000" b="1" dirty="0" smtClean="0"/>
-                        <a:t>Psysiological</a:t>
+                        <a:t>Physiological</a:t>
                       </a:r>
                       <a:r>
                         <a:rPr lang="nl-NL" sz="2000" b="1" baseline="0" dirty="0" smtClean="0"/>
-                        <a:t> measures</a:t>
+                        <a:t> </a:t>
+                      </a:r>
+                      <a:r>
+                        <a:rPr lang="nl-NL" sz="2000" b="1" baseline="0" dirty="0" smtClean="0"/>
+                        <a:t>measures</a:t>
                       </a:r>
                     </a:p>
                     <a:p>
+                      <a:endParaRPr lang="nl-NL" sz="1700" baseline="0" dirty="0" smtClean="0"/>
+                    </a:p>
+                    <a:p>
+                      <a:r>
+                        <a:rPr lang="nl-NL" sz="1700" baseline="0" dirty="0" smtClean="0"/>
+                        <a:t>Behavioral measures</a:t>
+                      </a:r>
                       <a:endParaRPr lang="nl-NL" sz="1700" baseline="0" dirty="0" smtClean="0"/>
                     </a:p>
                     <a:p>
@@ -7177,8 +9727,12 @@
                     <a:lstStyle/>
                     <a:p>
                       <a:r>
+                        <a:rPr lang="nl-NL" sz="1700" smtClean="0"/>
+                        <a:t>Dual-task </a:t>
+                      </a:r>
+                      <a:r>
                         <a:rPr lang="nl-NL" sz="1700" dirty="0" smtClean="0"/>
-                        <a:t>Brain activity measures (e.g. fMRI)</a:t>
+                        <a:t>performance</a:t>
                       </a:r>
                     </a:p>
                     <a:p>
@@ -7186,10 +9740,28 @@
                     </a:p>
                     <a:p>
                       <a:r>
+                        <a:rPr lang="nl-NL" sz="1700" smtClean="0"/>
+                        <a:t>Brain </a:t>
+                      </a:r>
+                      <a:r>
                         <a:rPr lang="nl-NL" sz="1700" dirty="0" smtClean="0"/>
-                        <a:t>Dual-task performance</a:t>
+                        <a:t>activity measures (e.g. fMRI</a:t>
                       </a:r>
-                      <a:endParaRPr lang="nl-NL" sz="1700" dirty="0"/>
+                      <a:r>
+                        <a:rPr lang="nl-NL" sz="1700" dirty="0" smtClean="0"/>
+                        <a:t>)</a:t>
+                      </a:r>
+                    </a:p>
+                    <a:p>
+                      <a:r>
+                        <a:rPr lang="nl-NL" sz="1700" dirty="0" smtClean="0"/>
+                        <a:t>(arguably</a:t>
+                      </a:r>
+                      <a:r>
+                        <a:rPr lang="nl-NL" sz="1700" baseline="0" dirty="0" smtClean="0"/>
+                        <a:t> also indirect)</a:t>
+                      </a:r>
+                      <a:endParaRPr lang="nl-NL" sz="1700" dirty="0" smtClean="0"/>
                     </a:p>
                   </a:txBody>
                   <a:tcPr marL="84362" marR="84362" marT="42181" marB="42181"/>
@@ -7243,6 +9815,1378 @@
     <p:extLst>
       <p:ext uri="{BB962C8B-B14F-4D97-AF65-F5344CB8AC3E}">
         <p14:creationId xmlns:p14="http://schemas.microsoft.com/office/powerpoint/2010/main" val="3212613118"/>
+      </p:ext>
+    </p:extLst>
+  </p:cSld>
+  <p:clrMapOvr>
+    <a:masterClrMapping/>
+  </p:clrMapOvr>
+  <p:timing>
+    <p:tnLst>
+      <p:par>
+        <p:cTn id="1" dur="indefinite" restart="never" nodeType="tmRoot"/>
+      </p:par>
+    </p:tnLst>
+  </p:timing>
+</p:sld>
+</file>
+
+<file path=ppt/slides/slide30.xml><?xml version="1.0" encoding="utf-8"?>
+<p:sld xmlns:a="http://schemas.openxmlformats.org/drawingml/2006/main" xmlns:r="http://schemas.openxmlformats.org/officeDocument/2006/relationships" xmlns:p="http://schemas.openxmlformats.org/presentationml/2006/main">
+  <p:cSld>
+    <p:spTree>
+      <p:nvGrpSpPr>
+        <p:cNvPr id="1" name=""/>
+        <p:cNvGrpSpPr/>
+        <p:nvPr/>
+      </p:nvGrpSpPr>
+      <p:grpSpPr>
+        <a:xfrm>
+          <a:off x="0" y="0"/>
+          <a:ext cx="0" cy="0"/>
+          <a:chOff x="0" y="0"/>
+          <a:chExt cx="0" cy="0"/>
+        </a:xfrm>
+      </p:grpSpPr>
+      <p:sp>
+        <p:nvSpPr>
+          <p:cNvPr id="2" name="Title 1"/>
+          <p:cNvSpPr>
+            <a:spLocks noGrp="1"/>
+          </p:cNvSpPr>
+          <p:nvPr>
+            <p:ph type="title"/>
+          </p:nvPr>
+        </p:nvSpPr>
+        <p:spPr/>
+        <p:txBody>
+          <a:bodyPr/>
+          <a:lstStyle/>
+          <a:p>
+            <a:r>
+              <a:rPr lang="nl-NL" dirty="0" smtClean="0"/>
+              <a:t>Preliminary results</a:t>
+            </a:r>
+            <a:endParaRPr lang="nl-NL" dirty="0"/>
+          </a:p>
+        </p:txBody>
+      </p:sp>
+      <p:sp>
+        <p:nvSpPr>
+          <p:cNvPr id="3" name="Content Placeholder 2"/>
+          <p:cNvSpPr>
+            <a:spLocks noGrp="1"/>
+          </p:cNvSpPr>
+          <p:nvPr>
+            <p:ph idx="1"/>
+          </p:nvPr>
+        </p:nvSpPr>
+        <p:spPr>
+          <a:xfrm>
+            <a:off x="1097280" y="5684362"/>
+            <a:ext cx="10058400" cy="480767"/>
+          </a:xfrm>
+        </p:spPr>
+        <p:txBody>
+          <a:bodyPr>
+            <a:normAutofit/>
+          </a:bodyPr>
+          <a:lstStyle/>
+          <a:p>
+            <a:r>
+              <a:rPr lang="nl-NL" dirty="0" smtClean="0"/>
+              <a:t>Simple classifiers seem to work best. Expected from small dataset size.</a:t>
+            </a:r>
+          </a:p>
+          <a:p>
+            <a:pPr marL="0" indent="0">
+              <a:buNone/>
+            </a:pPr>
+            <a:endParaRPr lang="nl-NL" dirty="0"/>
+          </a:p>
+        </p:txBody>
+      </p:sp>
+      <p:graphicFrame>
+        <p:nvGraphicFramePr>
+          <p:cNvPr id="4" name="Table 3"/>
+          <p:cNvGraphicFramePr>
+            <a:graphicFrameLocks noGrp="1"/>
+          </p:cNvGraphicFramePr>
+          <p:nvPr>
+            <p:extLst>
+              <p:ext uri="{D42A27DB-BD31-4B8C-83A1-F6EECF244321}">
+                <p14:modId xmlns:p14="http://schemas.microsoft.com/office/powerpoint/2010/main" val="766698323"/>
+              </p:ext>
+            </p:extLst>
+          </p:nvPr>
+        </p:nvGraphicFramePr>
+        <p:xfrm>
+          <a:off x="1202441" y="2284515"/>
+          <a:ext cx="8128000" cy="3368687"/>
+        </p:xfrm>
+        <a:graphic>
+          <a:graphicData uri="http://schemas.openxmlformats.org/drawingml/2006/table">
+            <a:tbl>
+              <a:tblPr firstRow="1" bandRow="1">
+                <a:tableStyleId>{5C22544A-7EE6-4342-B048-85BDC9FD1C3A}</a:tableStyleId>
+              </a:tblPr>
+              <a:tblGrid>
+                <a:gridCol w="4064000"/>
+                <a:gridCol w="4064000"/>
+              </a:tblGrid>
+              <a:tr h="370840">
+                <a:tc>
+                  <a:txBody>
+                    <a:bodyPr/>
+                    <a:lstStyle/>
+                    <a:p>
+                      <a:r>
+                        <a:rPr lang="nl-NL" dirty="0" smtClean="0"/>
+                        <a:t>Classifier</a:t>
+                      </a:r>
+                      <a:endParaRPr lang="nl-NL" dirty="0"/>
+                    </a:p>
+                  </a:txBody>
+                  <a:tcPr/>
+                </a:tc>
+                <a:tc>
+                  <a:txBody>
+                    <a:bodyPr/>
+                    <a:lstStyle/>
+                    <a:p>
+                      <a:r>
+                        <a:rPr lang="nl-NL" dirty="0" smtClean="0"/>
+                        <a:t>Correctly</a:t>
+                      </a:r>
+                      <a:r>
+                        <a:rPr lang="nl-NL" baseline="0" dirty="0" smtClean="0"/>
+                        <a:t> Classified Instances %</a:t>
+                      </a:r>
+                      <a:endParaRPr lang="nl-NL" dirty="0"/>
+                    </a:p>
+                  </a:txBody>
+                  <a:tcPr/>
+                </a:tc>
+              </a:tr>
+              <a:tr h="370840">
+                <a:tc>
+                  <a:txBody>
+                    <a:bodyPr/>
+                    <a:lstStyle/>
+                    <a:p>
+                      <a:r>
+                        <a:rPr lang="nl-NL" dirty="0" smtClean="0"/>
+                        <a:t>SimpleCart </a:t>
+                      </a:r>
+                      <a:r>
+                        <a:rPr lang="nl-NL" sz="1400" dirty="0" smtClean="0"/>
+                        <a:t>(Minimal</a:t>
+                      </a:r>
+                      <a:r>
+                        <a:rPr lang="nl-NL" sz="1400" baseline="0" dirty="0" smtClean="0"/>
+                        <a:t> Cost Decision Tree)</a:t>
+                      </a:r>
+                      <a:endParaRPr lang="nl-NL" sz="1400" dirty="0"/>
+                    </a:p>
+                  </a:txBody>
+                  <a:tcPr/>
+                </a:tc>
+                <a:tc>
+                  <a:txBody>
+                    <a:bodyPr/>
+                    <a:lstStyle/>
+                    <a:p>
+                      <a:r>
+                        <a:rPr lang="nl-NL" dirty="0" smtClean="0"/>
+                        <a:t>33.33%</a:t>
+                      </a:r>
+                      <a:endParaRPr lang="nl-NL" dirty="0"/>
+                    </a:p>
+                  </a:txBody>
+                  <a:tcPr/>
+                </a:tc>
+              </a:tr>
+              <a:tr h="370840">
+                <a:tc>
+                  <a:txBody>
+                    <a:bodyPr/>
+                    <a:lstStyle/>
+                    <a:p>
+                      <a:r>
+                        <a:rPr lang="nl-NL" dirty="0" smtClean="0"/>
+                        <a:t>J48Graft </a:t>
+                      </a:r>
+                      <a:r>
+                        <a:rPr lang="nl-NL" sz="1400" dirty="0" smtClean="0"/>
+                        <a:t>(Decision tree)</a:t>
+                      </a:r>
+                      <a:endParaRPr lang="nl-NL" sz="1400" dirty="0"/>
+                    </a:p>
+                  </a:txBody>
+                  <a:tcPr/>
+                </a:tc>
+                <a:tc>
+                  <a:txBody>
+                    <a:bodyPr/>
+                    <a:lstStyle/>
+                    <a:p>
+                      <a:r>
+                        <a:rPr lang="nl-NL" dirty="0" smtClean="0"/>
+                        <a:t>43.75%</a:t>
+                      </a:r>
+                      <a:endParaRPr lang="nl-NL" dirty="0"/>
+                    </a:p>
+                  </a:txBody>
+                  <a:tcPr/>
+                </a:tc>
+              </a:tr>
+              <a:tr h="401967">
+                <a:tc>
+                  <a:txBody>
+                    <a:bodyPr/>
+                    <a:lstStyle/>
+                    <a:p>
+                      <a:pPr marL="0" marR="0" indent="0" algn="l" defTabSz="914400" rtl="0" eaLnBrk="1" fontAlgn="auto" latinLnBrk="0" hangingPunct="1">
+                        <a:lnSpc>
+                          <a:spcPct val="100000"/>
+                        </a:lnSpc>
+                        <a:spcBef>
+                          <a:spcPts val="0"/>
+                        </a:spcBef>
+                        <a:spcAft>
+                          <a:spcPts val="0"/>
+                        </a:spcAft>
+                        <a:buClrTx/>
+                        <a:buSzTx/>
+                        <a:buFontTx/>
+                        <a:buNone/>
+                        <a:tabLst/>
+                        <a:defRPr/>
+                      </a:pPr>
+                      <a:r>
+                        <a:rPr lang="nl-NL" dirty="0" smtClean="0"/>
+                        <a:t>BayesNet </a:t>
+                      </a:r>
+                      <a:r>
+                        <a:rPr lang="nl-NL" sz="1400" dirty="0" smtClean="0"/>
+                        <a:t>(Bayesian probability estimation)</a:t>
+                      </a:r>
+                    </a:p>
+                  </a:txBody>
+                  <a:tcPr/>
+                </a:tc>
+                <a:tc>
+                  <a:txBody>
+                    <a:bodyPr/>
+                    <a:lstStyle/>
+                    <a:p>
+                      <a:r>
+                        <a:rPr lang="nl-NL" dirty="0" smtClean="0"/>
+                        <a:t>25%</a:t>
+                      </a:r>
+                      <a:endParaRPr lang="nl-NL" dirty="0"/>
+                    </a:p>
+                  </a:txBody>
+                  <a:tcPr/>
+                </a:tc>
+              </a:tr>
+              <a:tr h="370840">
+                <a:tc>
+                  <a:txBody>
+                    <a:bodyPr/>
+                    <a:lstStyle/>
+                    <a:p>
+                      <a:r>
+                        <a:rPr lang="nl-NL" dirty="0" smtClean="0"/>
+                        <a:t>Naïve</a:t>
+                      </a:r>
+                      <a:r>
+                        <a:rPr lang="nl-NL" baseline="0" dirty="0" smtClean="0"/>
+                        <a:t> Bayes</a:t>
+                      </a:r>
+                      <a:endParaRPr lang="nl-NL" dirty="0"/>
+                    </a:p>
+                  </a:txBody>
+                  <a:tcPr/>
+                </a:tc>
+                <a:tc>
+                  <a:txBody>
+                    <a:bodyPr/>
+                    <a:lstStyle/>
+                    <a:p>
+                      <a:r>
+                        <a:rPr lang="nl-NL" dirty="0" smtClean="0"/>
+                        <a:t>33.33%</a:t>
+                      </a:r>
+                      <a:endParaRPr lang="nl-NL" dirty="0"/>
+                    </a:p>
+                  </a:txBody>
+                  <a:tcPr/>
+                </a:tc>
+              </a:tr>
+              <a:tr h="370840">
+                <a:tc>
+                  <a:txBody>
+                    <a:bodyPr/>
+                    <a:lstStyle/>
+                    <a:p>
+                      <a:r>
+                        <a:rPr lang="nl-NL" dirty="0" smtClean="0"/>
+                        <a:t>LWL </a:t>
+                      </a:r>
+                      <a:r>
+                        <a:rPr lang="nl-NL" sz="1400" dirty="0" smtClean="0"/>
+                        <a:t>(Locally weighted</a:t>
+                      </a:r>
+                      <a:r>
+                        <a:rPr lang="nl-NL" sz="1400" baseline="0" dirty="0" smtClean="0"/>
+                        <a:t> learning)</a:t>
+                      </a:r>
+                      <a:endParaRPr lang="nl-NL" sz="1400" dirty="0"/>
+                    </a:p>
+                  </a:txBody>
+                  <a:tcPr/>
+                </a:tc>
+                <a:tc>
+                  <a:txBody>
+                    <a:bodyPr/>
+                    <a:lstStyle/>
+                    <a:p>
+                      <a:r>
+                        <a:rPr lang="nl-NL" dirty="0" smtClean="0"/>
+                        <a:t>41.67%</a:t>
+                      </a:r>
+                      <a:endParaRPr lang="nl-NL" dirty="0"/>
+                    </a:p>
+                  </a:txBody>
+                  <a:tcPr/>
+                </a:tc>
+              </a:tr>
+              <a:tr h="370840">
+                <a:tc>
+                  <a:txBody>
+                    <a:bodyPr/>
+                    <a:lstStyle/>
+                    <a:p>
+                      <a:r>
+                        <a:rPr lang="nl-NL" dirty="0" smtClean="0"/>
+                        <a:t>Multilayer Perceptron </a:t>
+                      </a:r>
+                      <a:r>
+                        <a:rPr lang="nl-NL" sz="1400" dirty="0" smtClean="0"/>
+                        <a:t>(20 hidden layers)</a:t>
+                      </a:r>
+                      <a:endParaRPr lang="nl-NL" sz="1400" dirty="0"/>
+                    </a:p>
+                  </a:txBody>
+                  <a:tcPr/>
+                </a:tc>
+                <a:tc>
+                  <a:txBody>
+                    <a:bodyPr/>
+                    <a:lstStyle/>
+                    <a:p>
+                      <a:r>
+                        <a:rPr lang="nl-NL" dirty="0" smtClean="0"/>
+                        <a:t>29.17%</a:t>
+                      </a:r>
+                      <a:endParaRPr lang="nl-NL" dirty="0"/>
+                    </a:p>
+                  </a:txBody>
+                  <a:tcPr/>
+                </a:tc>
+              </a:tr>
+              <a:tr h="370840">
+                <a:tc>
+                  <a:txBody>
+                    <a:bodyPr/>
+                    <a:lstStyle/>
+                    <a:p>
+                      <a:r>
+                        <a:rPr lang="nl-NL" dirty="0" smtClean="0"/>
+                        <a:t>SMO</a:t>
+                      </a:r>
+                      <a:r>
+                        <a:rPr lang="nl-NL" baseline="0" dirty="0" smtClean="0"/>
+                        <a:t> </a:t>
+                      </a:r>
+                      <a:r>
+                        <a:rPr lang="nl-NL" sz="1400" baseline="0" dirty="0" smtClean="0"/>
+                        <a:t>(Support Vector Machine class algorithm)</a:t>
+                      </a:r>
+                      <a:endParaRPr lang="nl-NL" sz="1400" dirty="0"/>
+                    </a:p>
+                  </a:txBody>
+                  <a:tcPr/>
+                </a:tc>
+                <a:tc>
+                  <a:txBody>
+                    <a:bodyPr/>
+                    <a:lstStyle/>
+                    <a:p>
+                      <a:r>
+                        <a:rPr lang="nl-NL" dirty="0" smtClean="0"/>
+                        <a:t>6.25%</a:t>
+                      </a:r>
+                      <a:endParaRPr lang="nl-NL" dirty="0"/>
+                    </a:p>
+                  </a:txBody>
+                  <a:tcPr/>
+                </a:tc>
+              </a:tr>
+              <a:tr h="370840">
+                <a:tc>
+                  <a:txBody>
+                    <a:bodyPr/>
+                    <a:lstStyle/>
+                    <a:p>
+                      <a:r>
+                        <a:rPr lang="nl-NL" sz="1800" dirty="0" smtClean="0"/>
+                        <a:t>JRIP</a:t>
+                      </a:r>
+                      <a:r>
+                        <a:rPr lang="nl-NL" sz="1400" dirty="0" smtClean="0"/>
+                        <a:t> (Rule based learner)</a:t>
+                      </a:r>
+                      <a:endParaRPr lang="nl-NL" sz="1400" dirty="0"/>
+                    </a:p>
+                  </a:txBody>
+                  <a:tcPr/>
+                </a:tc>
+                <a:tc>
+                  <a:txBody>
+                    <a:bodyPr/>
+                    <a:lstStyle/>
+                    <a:p>
+                      <a:r>
+                        <a:rPr lang="nl-NL" dirty="0" smtClean="0"/>
+                        <a:t>18.75%</a:t>
+                      </a:r>
+                      <a:endParaRPr lang="nl-NL" dirty="0"/>
+                    </a:p>
+                  </a:txBody>
+                  <a:tcPr/>
+                </a:tc>
+              </a:tr>
+            </a:tbl>
+          </a:graphicData>
+        </a:graphic>
+      </p:graphicFrame>
+      <p:sp>
+        <p:nvSpPr>
+          <p:cNvPr id="5" name="Rectangle 4"/>
+          <p:cNvSpPr/>
+          <p:nvPr/>
+        </p:nvSpPr>
+        <p:spPr>
+          <a:xfrm>
+            <a:off x="1097280" y="1866507"/>
+            <a:ext cx="7662814" cy="369332"/>
+          </a:xfrm>
+          <a:prstGeom prst="rect">
+            <a:avLst/>
+          </a:prstGeom>
+        </p:spPr>
+        <p:txBody>
+          <a:bodyPr wrap="square">
+            <a:spAutoFit/>
+          </a:bodyPr>
+          <a:lstStyle/>
+          <a:p>
+            <a:r>
+              <a:rPr lang="nl-NL" dirty="0" smtClean="0"/>
+              <a:t>10 Folds cross-validation was used</a:t>
+            </a:r>
+            <a:endParaRPr lang="nl-NL" dirty="0"/>
+          </a:p>
+        </p:txBody>
+      </p:sp>
+    </p:spTree>
+    <p:extLst>
+      <p:ext uri="{BB962C8B-B14F-4D97-AF65-F5344CB8AC3E}">
+        <p14:creationId xmlns:p14="http://schemas.microsoft.com/office/powerpoint/2010/main" val="3858026590"/>
+      </p:ext>
+    </p:extLst>
+  </p:cSld>
+  <p:clrMapOvr>
+    <a:masterClrMapping/>
+  </p:clrMapOvr>
+  <p:timing>
+    <p:tnLst>
+      <p:par>
+        <p:cTn id="1" dur="indefinite" restart="never" nodeType="tmRoot"/>
+      </p:par>
+    </p:tnLst>
+  </p:timing>
+</p:sld>
+</file>
+
+<file path=ppt/slides/slide31.xml><?xml version="1.0" encoding="utf-8"?>
+<p:sld xmlns:a="http://schemas.openxmlformats.org/drawingml/2006/main" xmlns:r="http://schemas.openxmlformats.org/officeDocument/2006/relationships" xmlns:p="http://schemas.openxmlformats.org/presentationml/2006/main">
+  <p:cSld>
+    <p:spTree>
+      <p:nvGrpSpPr>
+        <p:cNvPr id="1" name=""/>
+        <p:cNvGrpSpPr/>
+        <p:nvPr/>
+      </p:nvGrpSpPr>
+      <p:grpSpPr>
+        <a:xfrm>
+          <a:off x="0" y="0"/>
+          <a:ext cx="0" cy="0"/>
+          <a:chOff x="0" y="0"/>
+          <a:chExt cx="0" cy="0"/>
+        </a:xfrm>
+      </p:grpSpPr>
+      <p:sp>
+        <p:nvSpPr>
+          <p:cNvPr id="2" name="Title 1"/>
+          <p:cNvSpPr>
+            <a:spLocks noGrp="1"/>
+          </p:cNvSpPr>
+          <p:nvPr>
+            <p:ph type="title"/>
+          </p:nvPr>
+        </p:nvSpPr>
+        <p:spPr/>
+        <p:txBody>
+          <a:bodyPr/>
+          <a:lstStyle/>
+          <a:p>
+            <a:r>
+              <a:rPr lang="nl-NL" dirty="0" smtClean="0"/>
+              <a:t>Preliminary results</a:t>
+            </a:r>
+            <a:endParaRPr lang="nl-NL" dirty="0"/>
+          </a:p>
+        </p:txBody>
+      </p:sp>
+      <p:graphicFrame>
+        <p:nvGraphicFramePr>
+          <p:cNvPr id="4" name="Table 3"/>
+          <p:cNvGraphicFramePr>
+            <a:graphicFrameLocks noGrp="1"/>
+          </p:cNvGraphicFramePr>
+          <p:nvPr>
+            <p:extLst>
+              <p:ext uri="{D42A27DB-BD31-4B8C-83A1-F6EECF244321}">
+                <p14:modId xmlns:p14="http://schemas.microsoft.com/office/powerpoint/2010/main" val="3426301166"/>
+              </p:ext>
+            </p:extLst>
+          </p:nvPr>
+        </p:nvGraphicFramePr>
+        <p:xfrm>
+          <a:off x="1202441" y="2284515"/>
+          <a:ext cx="8127999" cy="3337560"/>
+        </p:xfrm>
+        <a:graphic>
+          <a:graphicData uri="http://schemas.openxmlformats.org/drawingml/2006/table">
+            <a:tbl>
+              <a:tblPr firstRow="1" bandRow="1">
+                <a:tableStyleId>{5C22544A-7EE6-4342-B048-85BDC9FD1C3A}</a:tableStyleId>
+              </a:tblPr>
+              <a:tblGrid>
+                <a:gridCol w="3756058"/>
+                <a:gridCol w="2026763"/>
+                <a:gridCol w="2345178"/>
+              </a:tblGrid>
+              <a:tr h="370840">
+                <a:tc>
+                  <a:txBody>
+                    <a:bodyPr/>
+                    <a:lstStyle/>
+                    <a:p>
+                      <a:r>
+                        <a:rPr lang="nl-NL" dirty="0" smtClean="0"/>
+                        <a:t>Classifier</a:t>
+                      </a:r>
+                      <a:endParaRPr lang="nl-NL" dirty="0"/>
+                    </a:p>
+                  </a:txBody>
+                  <a:tcPr/>
+                </a:tc>
+                <a:tc>
+                  <a:txBody>
+                    <a:bodyPr/>
+                    <a:lstStyle/>
+                    <a:p>
+                      <a:r>
+                        <a:rPr lang="nl-NL" baseline="0" dirty="0" smtClean="0"/>
+                        <a:t>Correct % 4 classes</a:t>
+                      </a:r>
+                      <a:endParaRPr lang="nl-NL" dirty="0"/>
+                    </a:p>
+                  </a:txBody>
+                  <a:tcPr/>
+                </a:tc>
+                <a:tc>
+                  <a:txBody>
+                    <a:bodyPr/>
+                    <a:lstStyle/>
+                    <a:p>
+                      <a:pPr marL="0" marR="0" indent="0" algn="l" defTabSz="914400" rtl="0" eaLnBrk="1" fontAlgn="auto" latinLnBrk="0" hangingPunct="1">
+                        <a:lnSpc>
+                          <a:spcPct val="100000"/>
+                        </a:lnSpc>
+                        <a:spcBef>
+                          <a:spcPts val="0"/>
+                        </a:spcBef>
+                        <a:spcAft>
+                          <a:spcPts val="0"/>
+                        </a:spcAft>
+                        <a:buClrTx/>
+                        <a:buSzTx/>
+                        <a:buFontTx/>
+                        <a:buNone/>
+                        <a:tabLst/>
+                        <a:defRPr/>
+                      </a:pPr>
+                      <a:r>
+                        <a:rPr lang="nl-NL" dirty="0" smtClean="0"/>
+                        <a:t>Correct</a:t>
+                      </a:r>
+                      <a:r>
+                        <a:rPr lang="nl-NL" baseline="0" dirty="0" smtClean="0"/>
+                        <a:t> % 2 classes</a:t>
+                      </a:r>
+                      <a:endParaRPr lang="nl-NL" dirty="0" smtClean="0"/>
+                    </a:p>
+                  </a:txBody>
+                  <a:tcPr/>
+                </a:tc>
+              </a:tr>
+              <a:tr h="370840">
+                <a:tc>
+                  <a:txBody>
+                    <a:bodyPr/>
+                    <a:lstStyle/>
+                    <a:p>
+                      <a:r>
+                        <a:rPr lang="nl-NL" dirty="0" smtClean="0"/>
+                        <a:t>SimpleCart </a:t>
+                      </a:r>
+                      <a:r>
+                        <a:rPr lang="nl-NL" sz="1400" dirty="0" smtClean="0"/>
+                        <a:t>(Minimal</a:t>
+                      </a:r>
+                      <a:r>
+                        <a:rPr lang="nl-NL" sz="1400" baseline="0" dirty="0" smtClean="0"/>
+                        <a:t> Cost Decision Tree)</a:t>
+                      </a:r>
+                      <a:endParaRPr lang="nl-NL" sz="1400" dirty="0"/>
+                    </a:p>
+                  </a:txBody>
+                  <a:tcPr/>
+                </a:tc>
+                <a:tc>
+                  <a:txBody>
+                    <a:bodyPr/>
+                    <a:lstStyle/>
+                    <a:p>
+                      <a:r>
+                        <a:rPr lang="nl-NL" dirty="0" smtClean="0"/>
+                        <a:t>33.33%</a:t>
+                      </a:r>
+                      <a:endParaRPr lang="nl-NL" dirty="0"/>
+                    </a:p>
+                  </a:txBody>
+                  <a:tcPr/>
+                </a:tc>
+                <a:tc>
+                  <a:txBody>
+                    <a:bodyPr/>
+                    <a:lstStyle/>
+                    <a:p>
+                      <a:r>
+                        <a:rPr lang="nl-NL" dirty="0" smtClean="0"/>
+                        <a:t>72.92%</a:t>
+                      </a:r>
+                      <a:endParaRPr lang="nl-NL" dirty="0"/>
+                    </a:p>
+                  </a:txBody>
+                  <a:tcPr/>
+                </a:tc>
+              </a:tr>
+              <a:tr h="370840">
+                <a:tc>
+                  <a:txBody>
+                    <a:bodyPr/>
+                    <a:lstStyle/>
+                    <a:p>
+                      <a:r>
+                        <a:rPr lang="nl-NL" dirty="0" smtClean="0"/>
+                        <a:t>J48Graft </a:t>
+                      </a:r>
+                      <a:r>
+                        <a:rPr lang="nl-NL" sz="1400" dirty="0" smtClean="0"/>
+                        <a:t>(Decision tree)</a:t>
+                      </a:r>
+                      <a:endParaRPr lang="nl-NL" sz="1400" dirty="0"/>
+                    </a:p>
+                  </a:txBody>
+                  <a:tcPr/>
+                </a:tc>
+                <a:tc>
+                  <a:txBody>
+                    <a:bodyPr/>
+                    <a:lstStyle/>
+                    <a:p>
+                      <a:r>
+                        <a:rPr lang="nl-NL" dirty="0" smtClean="0"/>
+                        <a:t>43.75%</a:t>
+                      </a:r>
+                      <a:endParaRPr lang="nl-NL" dirty="0"/>
+                    </a:p>
+                  </a:txBody>
+                  <a:tcPr/>
+                </a:tc>
+                <a:tc>
+                  <a:txBody>
+                    <a:bodyPr/>
+                    <a:lstStyle/>
+                    <a:p>
+                      <a:r>
+                        <a:rPr lang="nl-NL" dirty="0" smtClean="0"/>
+                        <a:t>77.08%</a:t>
+                      </a:r>
+                      <a:endParaRPr lang="nl-NL" dirty="0"/>
+                    </a:p>
+                  </a:txBody>
+                  <a:tcPr/>
+                </a:tc>
+              </a:tr>
+              <a:tr h="370840">
+                <a:tc>
+                  <a:txBody>
+                    <a:bodyPr/>
+                    <a:lstStyle/>
+                    <a:p>
+                      <a:r>
+                        <a:rPr lang="nl-NL" dirty="0" smtClean="0"/>
+                        <a:t>BayesNet </a:t>
+                      </a:r>
+                      <a:r>
+                        <a:rPr lang="nl-NL" sz="1400" dirty="0" smtClean="0"/>
+                        <a:t>(Bayesian probability estimation)</a:t>
+                      </a:r>
+                      <a:endParaRPr lang="nl-NL" dirty="0"/>
+                    </a:p>
+                  </a:txBody>
+                  <a:tcPr/>
+                </a:tc>
+                <a:tc>
+                  <a:txBody>
+                    <a:bodyPr/>
+                    <a:lstStyle/>
+                    <a:p>
+                      <a:r>
+                        <a:rPr lang="nl-NL" dirty="0" smtClean="0"/>
+                        <a:t>25%</a:t>
+                      </a:r>
+                      <a:endParaRPr lang="nl-NL" dirty="0"/>
+                    </a:p>
+                  </a:txBody>
+                  <a:tcPr/>
+                </a:tc>
+                <a:tc>
+                  <a:txBody>
+                    <a:bodyPr/>
+                    <a:lstStyle/>
+                    <a:p>
+                      <a:r>
+                        <a:rPr lang="nl-NL" dirty="0" smtClean="0"/>
+                        <a:t>75%</a:t>
+                      </a:r>
+                      <a:endParaRPr lang="nl-NL" dirty="0"/>
+                    </a:p>
+                  </a:txBody>
+                  <a:tcPr/>
+                </a:tc>
+              </a:tr>
+              <a:tr h="370840">
+                <a:tc>
+                  <a:txBody>
+                    <a:bodyPr/>
+                    <a:lstStyle/>
+                    <a:p>
+                      <a:r>
+                        <a:rPr lang="nl-NL" dirty="0" smtClean="0"/>
+                        <a:t>Naïve</a:t>
+                      </a:r>
+                      <a:r>
+                        <a:rPr lang="nl-NL" baseline="0" dirty="0" smtClean="0"/>
+                        <a:t> Bayes</a:t>
+                      </a:r>
+                      <a:endParaRPr lang="nl-NL" dirty="0"/>
+                    </a:p>
+                  </a:txBody>
+                  <a:tcPr/>
+                </a:tc>
+                <a:tc>
+                  <a:txBody>
+                    <a:bodyPr/>
+                    <a:lstStyle/>
+                    <a:p>
+                      <a:r>
+                        <a:rPr lang="nl-NL" dirty="0" smtClean="0"/>
+                        <a:t>33.33%</a:t>
+                      </a:r>
+                      <a:endParaRPr lang="nl-NL" dirty="0"/>
+                    </a:p>
+                  </a:txBody>
+                  <a:tcPr/>
+                </a:tc>
+                <a:tc>
+                  <a:txBody>
+                    <a:bodyPr/>
+                    <a:lstStyle/>
+                    <a:p>
+                      <a:r>
+                        <a:rPr lang="nl-NL" dirty="0" smtClean="0"/>
+                        <a:t>60.42%</a:t>
+                      </a:r>
+                      <a:endParaRPr lang="nl-NL" dirty="0"/>
+                    </a:p>
+                  </a:txBody>
+                  <a:tcPr/>
+                </a:tc>
+              </a:tr>
+              <a:tr h="370840">
+                <a:tc>
+                  <a:txBody>
+                    <a:bodyPr/>
+                    <a:lstStyle/>
+                    <a:p>
+                      <a:r>
+                        <a:rPr lang="nl-NL" dirty="0" smtClean="0"/>
+                        <a:t>LWL </a:t>
+                      </a:r>
+                      <a:r>
+                        <a:rPr lang="nl-NL" sz="1400" dirty="0" smtClean="0"/>
+                        <a:t>(Locally weighted</a:t>
+                      </a:r>
+                      <a:r>
+                        <a:rPr lang="nl-NL" sz="1400" baseline="0" dirty="0" smtClean="0"/>
+                        <a:t> learning)</a:t>
+                      </a:r>
+                      <a:endParaRPr lang="nl-NL" sz="1400" dirty="0"/>
+                    </a:p>
+                  </a:txBody>
+                  <a:tcPr/>
+                </a:tc>
+                <a:tc>
+                  <a:txBody>
+                    <a:bodyPr/>
+                    <a:lstStyle/>
+                    <a:p>
+                      <a:r>
+                        <a:rPr lang="nl-NL" dirty="0" smtClean="0"/>
+                        <a:t>41.67%</a:t>
+                      </a:r>
+                      <a:endParaRPr lang="nl-NL" dirty="0"/>
+                    </a:p>
+                  </a:txBody>
+                  <a:tcPr/>
+                </a:tc>
+                <a:tc>
+                  <a:txBody>
+                    <a:bodyPr/>
+                    <a:lstStyle/>
+                    <a:p>
+                      <a:r>
+                        <a:rPr lang="nl-NL" dirty="0" smtClean="0"/>
+                        <a:t>75%</a:t>
+                      </a:r>
+                      <a:endParaRPr lang="nl-NL" dirty="0"/>
+                    </a:p>
+                  </a:txBody>
+                  <a:tcPr/>
+                </a:tc>
+              </a:tr>
+              <a:tr h="370840">
+                <a:tc>
+                  <a:txBody>
+                    <a:bodyPr/>
+                    <a:lstStyle/>
+                    <a:p>
+                      <a:r>
+                        <a:rPr lang="nl-NL" dirty="0" smtClean="0"/>
+                        <a:t>Multilayer Perceptron </a:t>
+                      </a:r>
+                      <a:r>
+                        <a:rPr lang="nl-NL" sz="1400" dirty="0" smtClean="0"/>
+                        <a:t>(20 hidden layers)</a:t>
+                      </a:r>
+                      <a:endParaRPr lang="nl-NL" sz="1400" dirty="0"/>
+                    </a:p>
+                  </a:txBody>
+                  <a:tcPr/>
+                </a:tc>
+                <a:tc>
+                  <a:txBody>
+                    <a:bodyPr/>
+                    <a:lstStyle/>
+                    <a:p>
+                      <a:r>
+                        <a:rPr lang="nl-NL" dirty="0" smtClean="0"/>
+                        <a:t>29.17%</a:t>
+                      </a:r>
+                      <a:endParaRPr lang="nl-NL" dirty="0"/>
+                    </a:p>
+                  </a:txBody>
+                  <a:tcPr/>
+                </a:tc>
+                <a:tc>
+                  <a:txBody>
+                    <a:bodyPr/>
+                    <a:lstStyle/>
+                    <a:p>
+                      <a:r>
+                        <a:rPr lang="nl-NL" dirty="0" smtClean="0"/>
+                        <a:t>62.50%</a:t>
+                      </a:r>
+                      <a:endParaRPr lang="nl-NL" dirty="0"/>
+                    </a:p>
+                  </a:txBody>
+                  <a:tcPr/>
+                </a:tc>
+              </a:tr>
+              <a:tr h="370840">
+                <a:tc>
+                  <a:txBody>
+                    <a:bodyPr/>
+                    <a:lstStyle/>
+                    <a:p>
+                      <a:r>
+                        <a:rPr lang="nl-NL" dirty="0" smtClean="0"/>
+                        <a:t>SMO</a:t>
+                      </a:r>
+                      <a:r>
+                        <a:rPr lang="nl-NL" baseline="0" dirty="0" smtClean="0"/>
+                        <a:t> </a:t>
+                      </a:r>
+                      <a:r>
+                        <a:rPr lang="nl-NL" sz="1400" baseline="0" dirty="0" smtClean="0"/>
+                        <a:t>(Support Vector Machine class algorithm)</a:t>
+                      </a:r>
+                      <a:endParaRPr lang="nl-NL" sz="1400" dirty="0"/>
+                    </a:p>
+                  </a:txBody>
+                  <a:tcPr/>
+                </a:tc>
+                <a:tc>
+                  <a:txBody>
+                    <a:bodyPr/>
+                    <a:lstStyle/>
+                    <a:p>
+                      <a:r>
+                        <a:rPr lang="nl-NL" dirty="0" smtClean="0"/>
+                        <a:t>6.25%</a:t>
+                      </a:r>
+                      <a:endParaRPr lang="nl-NL" dirty="0"/>
+                    </a:p>
+                  </a:txBody>
+                  <a:tcPr/>
+                </a:tc>
+                <a:tc>
+                  <a:txBody>
+                    <a:bodyPr/>
+                    <a:lstStyle/>
+                    <a:p>
+                      <a:r>
+                        <a:rPr lang="nl-NL" dirty="0" smtClean="0"/>
+                        <a:t>58.33%</a:t>
+                      </a:r>
+                      <a:endParaRPr lang="nl-NL" dirty="0"/>
+                    </a:p>
+                  </a:txBody>
+                  <a:tcPr/>
+                </a:tc>
+              </a:tr>
+              <a:tr h="370840">
+                <a:tc>
+                  <a:txBody>
+                    <a:bodyPr/>
+                    <a:lstStyle/>
+                    <a:p>
+                      <a:r>
+                        <a:rPr lang="nl-NL" sz="1800" dirty="0" smtClean="0"/>
+                        <a:t>JRIP</a:t>
+                      </a:r>
+                      <a:r>
+                        <a:rPr lang="nl-NL" sz="1400" dirty="0" smtClean="0"/>
+                        <a:t> (Rule based learner)</a:t>
+                      </a:r>
+                      <a:endParaRPr lang="nl-NL" sz="1400" dirty="0"/>
+                    </a:p>
+                  </a:txBody>
+                  <a:tcPr/>
+                </a:tc>
+                <a:tc>
+                  <a:txBody>
+                    <a:bodyPr/>
+                    <a:lstStyle/>
+                    <a:p>
+                      <a:r>
+                        <a:rPr lang="nl-NL" dirty="0" smtClean="0"/>
+                        <a:t>18.75%</a:t>
+                      </a:r>
+                      <a:endParaRPr lang="nl-NL" dirty="0"/>
+                    </a:p>
+                  </a:txBody>
+                  <a:tcPr/>
+                </a:tc>
+                <a:tc>
+                  <a:txBody>
+                    <a:bodyPr/>
+                    <a:lstStyle/>
+                    <a:p>
+                      <a:r>
+                        <a:rPr lang="nl-NL" dirty="0" smtClean="0"/>
+                        <a:t>79.12%</a:t>
+                      </a:r>
+                      <a:endParaRPr lang="nl-NL" dirty="0"/>
+                    </a:p>
+                  </a:txBody>
+                  <a:tcPr/>
+                </a:tc>
+              </a:tr>
+            </a:tbl>
+          </a:graphicData>
+        </a:graphic>
+      </p:graphicFrame>
+      <p:sp>
+        <p:nvSpPr>
+          <p:cNvPr id="5" name="Rectangle 4"/>
+          <p:cNvSpPr/>
+          <p:nvPr/>
+        </p:nvSpPr>
+        <p:spPr>
+          <a:xfrm>
+            <a:off x="1097280" y="1866507"/>
+            <a:ext cx="7662814" cy="369332"/>
+          </a:xfrm>
+          <a:prstGeom prst="rect">
+            <a:avLst/>
+          </a:prstGeom>
+        </p:spPr>
+        <p:txBody>
+          <a:bodyPr wrap="square">
+            <a:spAutoFit/>
+          </a:bodyPr>
+          <a:lstStyle/>
+          <a:p>
+            <a:r>
+              <a:rPr lang="nl-NL" dirty="0" smtClean="0"/>
+              <a:t>10 Folds cross-validation was used</a:t>
+            </a:r>
+            <a:endParaRPr lang="nl-NL" dirty="0"/>
+          </a:p>
+        </p:txBody>
+      </p:sp>
+      <p:sp>
+        <p:nvSpPr>
+          <p:cNvPr id="7" name="Rectangle 6"/>
+          <p:cNvSpPr/>
+          <p:nvPr/>
+        </p:nvSpPr>
+        <p:spPr>
+          <a:xfrm>
+            <a:off x="1097279" y="5707633"/>
+            <a:ext cx="9225071" cy="400110"/>
+          </a:xfrm>
+          <a:prstGeom prst="rect">
+            <a:avLst/>
+          </a:prstGeom>
+        </p:spPr>
+        <p:txBody>
+          <a:bodyPr wrap="square">
+            <a:spAutoFit/>
+          </a:bodyPr>
+          <a:lstStyle/>
+          <a:p>
+            <a:r>
+              <a:rPr lang="nl-NL" sz="2000" dirty="0" smtClean="0"/>
+              <a:t>Classifying between two classes yields a better classification accuracy </a:t>
+            </a:r>
+            <a:endParaRPr lang="nl-NL" sz="2000" dirty="0"/>
+          </a:p>
+        </p:txBody>
+      </p:sp>
+    </p:spTree>
+    <p:extLst>
+      <p:ext uri="{BB962C8B-B14F-4D97-AF65-F5344CB8AC3E}">
+        <p14:creationId xmlns:p14="http://schemas.microsoft.com/office/powerpoint/2010/main" val="197518127"/>
+      </p:ext>
+    </p:extLst>
+  </p:cSld>
+  <p:clrMapOvr>
+    <a:masterClrMapping/>
+  </p:clrMapOvr>
+  <p:timing>
+    <p:tnLst>
+      <p:par>
+        <p:cTn id="1" dur="indefinite" restart="never" nodeType="tmRoot"/>
+      </p:par>
+    </p:tnLst>
+  </p:timing>
+</p:sld>
+</file>
+
+<file path=ppt/slides/slide32.xml><?xml version="1.0" encoding="utf-8"?>
+<p:sld xmlns:a="http://schemas.openxmlformats.org/drawingml/2006/main" xmlns:r="http://schemas.openxmlformats.org/officeDocument/2006/relationships" xmlns:p="http://schemas.openxmlformats.org/presentationml/2006/main">
+  <p:cSld>
+    <p:spTree>
+      <p:nvGrpSpPr>
+        <p:cNvPr id="1" name=""/>
+        <p:cNvGrpSpPr/>
+        <p:nvPr/>
+      </p:nvGrpSpPr>
+      <p:grpSpPr>
+        <a:xfrm>
+          <a:off x="0" y="0"/>
+          <a:ext cx="0" cy="0"/>
+          <a:chOff x="0" y="0"/>
+          <a:chExt cx="0" cy="0"/>
+        </a:xfrm>
+      </p:grpSpPr>
+      <p:sp>
+        <p:nvSpPr>
+          <p:cNvPr id="2" name="Title 1"/>
+          <p:cNvSpPr>
+            <a:spLocks noGrp="1"/>
+          </p:cNvSpPr>
+          <p:nvPr>
+            <p:ph type="title"/>
+          </p:nvPr>
+        </p:nvSpPr>
+        <p:spPr/>
+        <p:txBody>
+          <a:bodyPr/>
+          <a:lstStyle/>
+          <a:p>
+            <a:r>
+              <a:rPr lang="nl-NL" dirty="0" smtClean="0"/>
+              <a:t>Improving the classification</a:t>
+            </a:r>
+            <a:endParaRPr lang="nl-NL" dirty="0"/>
+          </a:p>
+        </p:txBody>
+      </p:sp>
+      <p:sp>
+        <p:nvSpPr>
+          <p:cNvPr id="3" name="Content Placeholder 2"/>
+          <p:cNvSpPr>
+            <a:spLocks noGrp="1"/>
+          </p:cNvSpPr>
+          <p:nvPr>
+            <p:ph idx="1"/>
+          </p:nvPr>
+        </p:nvSpPr>
+        <p:spPr/>
+        <p:txBody>
+          <a:bodyPr/>
+          <a:lstStyle/>
+          <a:p>
+            <a:pPr marL="0" indent="0">
+              <a:buNone/>
+            </a:pPr>
+            <a:r>
+              <a:rPr lang="nl-NL" dirty="0" smtClean="0"/>
+              <a:t>Classification accuracy is not </a:t>
+            </a:r>
+            <a:r>
+              <a:rPr lang="nl-NL" dirty="0"/>
+              <a:t>great however, possible reasons</a:t>
+            </a:r>
+          </a:p>
+          <a:p>
+            <a:pPr>
+              <a:buFont typeface="Wingdings" panose="05000000000000000000" pitchFamily="2" charset="2"/>
+              <a:buChar char="§"/>
+            </a:pPr>
+            <a:r>
+              <a:rPr lang="nl-NL" dirty="0"/>
+              <a:t> Small dataset (6 participants * 8 tasks = 48 entries)</a:t>
+            </a:r>
+          </a:p>
+          <a:p>
+            <a:pPr>
+              <a:buFont typeface="Wingdings" panose="05000000000000000000" pitchFamily="2" charset="2"/>
+              <a:buChar char="§"/>
+            </a:pPr>
+            <a:r>
+              <a:rPr lang="nl-NL" dirty="0"/>
+              <a:t> Not the right features extracted from data</a:t>
+            </a:r>
+          </a:p>
+          <a:p>
+            <a:pPr>
+              <a:buFont typeface="Wingdings" panose="05000000000000000000" pitchFamily="2" charset="2"/>
+              <a:buChar char="§"/>
+            </a:pPr>
+            <a:r>
+              <a:rPr lang="nl-NL" dirty="0"/>
+              <a:t> It is simply not classifiable better from GSR </a:t>
+            </a:r>
+            <a:r>
+              <a:rPr lang="nl-NL" dirty="0" smtClean="0"/>
+              <a:t>data</a:t>
+            </a:r>
+          </a:p>
+          <a:p>
+            <a:pPr>
+              <a:buFont typeface="Wingdings" panose="05000000000000000000" pitchFamily="2" charset="2"/>
+              <a:buChar char="§"/>
+            </a:pPr>
+            <a:endParaRPr lang="nl-NL" dirty="0"/>
+          </a:p>
+          <a:p>
+            <a:pPr marL="0" indent="0">
+              <a:buNone/>
+            </a:pPr>
+            <a:endParaRPr lang="nl-NL" dirty="0"/>
+          </a:p>
+          <a:p>
+            <a:endParaRPr lang="nl-NL" dirty="0"/>
+          </a:p>
+        </p:txBody>
+      </p:sp>
+    </p:spTree>
+    <p:extLst>
+      <p:ext uri="{BB962C8B-B14F-4D97-AF65-F5344CB8AC3E}">
+        <p14:creationId xmlns:p14="http://schemas.microsoft.com/office/powerpoint/2010/main" val="1812463888"/>
+      </p:ext>
+    </p:extLst>
+  </p:cSld>
+  <p:clrMapOvr>
+    <a:masterClrMapping/>
+  </p:clrMapOvr>
+  <p:timing>
+    <p:tnLst>
+      <p:par>
+        <p:cTn id="1" dur="indefinite" restart="never" nodeType="tmRoot"/>
+      </p:par>
+    </p:tnLst>
+  </p:timing>
+</p:sld>
+</file>
+
+<file path=ppt/slides/slide33.xml><?xml version="1.0" encoding="utf-8"?>
+<p:sld xmlns:a="http://schemas.openxmlformats.org/drawingml/2006/main" xmlns:r="http://schemas.openxmlformats.org/officeDocument/2006/relationships" xmlns:p="http://schemas.openxmlformats.org/presentationml/2006/main">
+  <p:cSld>
+    <p:spTree>
+      <p:nvGrpSpPr>
+        <p:cNvPr id="1" name=""/>
+        <p:cNvGrpSpPr/>
+        <p:nvPr/>
+      </p:nvGrpSpPr>
+      <p:grpSpPr>
+        <a:xfrm>
+          <a:off x="0" y="0"/>
+          <a:ext cx="0" cy="0"/>
+          <a:chOff x="0" y="0"/>
+          <a:chExt cx="0" cy="0"/>
+        </a:xfrm>
+      </p:grpSpPr>
+      <p:sp>
+        <p:nvSpPr>
+          <p:cNvPr id="2" name="Title 1"/>
+          <p:cNvSpPr>
+            <a:spLocks noGrp="1"/>
+          </p:cNvSpPr>
+          <p:nvPr>
+            <p:ph type="title"/>
+          </p:nvPr>
+        </p:nvSpPr>
+        <p:spPr/>
+        <p:txBody>
+          <a:bodyPr/>
+          <a:lstStyle/>
+          <a:p>
+            <a:r>
+              <a:rPr lang="nl-NL" dirty="0" smtClean="0"/>
+              <a:t>Summary</a:t>
+            </a:r>
+            <a:endParaRPr lang="nl-NL" dirty="0"/>
+          </a:p>
+        </p:txBody>
+      </p:sp>
+      <p:sp>
+        <p:nvSpPr>
+          <p:cNvPr id="3" name="Content Placeholder 2"/>
+          <p:cNvSpPr>
+            <a:spLocks noGrp="1"/>
+          </p:cNvSpPr>
+          <p:nvPr>
+            <p:ph idx="1"/>
+          </p:nvPr>
+        </p:nvSpPr>
+        <p:spPr/>
+        <p:txBody>
+          <a:bodyPr/>
+          <a:lstStyle/>
+          <a:p>
+            <a:pPr>
+              <a:buFont typeface="Wingdings" panose="05000000000000000000" pitchFamily="2" charset="2"/>
+              <a:buChar char="§"/>
+            </a:pPr>
+            <a:r>
+              <a:rPr lang="nl-NL" dirty="0" smtClean="0"/>
+              <a:t> Using biometrics to determine cognitive load outside of the lab is exciting</a:t>
+            </a:r>
+          </a:p>
+          <a:p>
+            <a:pPr>
+              <a:buFont typeface="Wingdings" panose="05000000000000000000" pitchFamily="2" charset="2"/>
+              <a:buChar char="§"/>
+            </a:pPr>
+            <a:r>
+              <a:rPr lang="nl-NL" dirty="0"/>
+              <a:t> </a:t>
+            </a:r>
+            <a:r>
+              <a:rPr lang="nl-NL" dirty="0" smtClean="0"/>
+              <a:t>I measured GSR during tasks of varying difficulty</a:t>
+            </a:r>
+          </a:p>
+          <a:p>
+            <a:pPr>
+              <a:buFont typeface="Wingdings" panose="05000000000000000000" pitchFamily="2" charset="2"/>
+              <a:buChar char="§"/>
+            </a:pPr>
+            <a:r>
+              <a:rPr lang="nl-NL" dirty="0" smtClean="0"/>
+              <a:t> Classifying task difficulty from this data is the goal</a:t>
+            </a:r>
+          </a:p>
+          <a:p>
+            <a:pPr>
+              <a:buFont typeface="Wingdings" panose="05000000000000000000" pitchFamily="2" charset="2"/>
+              <a:buChar char="§"/>
+            </a:pPr>
+            <a:r>
+              <a:rPr lang="nl-NL" dirty="0"/>
+              <a:t> </a:t>
+            </a:r>
+            <a:r>
+              <a:rPr lang="nl-NL" dirty="0" smtClean="0"/>
+              <a:t>Next up is seeing whether I can improve this classification</a:t>
+            </a:r>
+          </a:p>
+          <a:p>
+            <a:pPr>
+              <a:buFont typeface="Wingdings" panose="05000000000000000000" pitchFamily="2" charset="2"/>
+              <a:buChar char="§"/>
+            </a:pPr>
+            <a:endParaRPr lang="nl-NL" dirty="0"/>
+          </a:p>
+        </p:txBody>
+      </p:sp>
+    </p:spTree>
+    <p:extLst>
+      <p:ext uri="{BB962C8B-B14F-4D97-AF65-F5344CB8AC3E}">
+        <p14:creationId xmlns:p14="http://schemas.microsoft.com/office/powerpoint/2010/main" val="2107085229"/>
       </p:ext>
     </p:extLst>
   </p:cSld>
@@ -7293,7 +11237,11 @@
           <a:p>
             <a:r>
               <a:rPr lang="nl-NL" dirty="0" smtClean="0"/>
-              <a:t>Psychiological response</a:t>
+              <a:t>Physiological </a:t>
+            </a:r>
+            <a:r>
+              <a:rPr lang="nl-NL" dirty="0" smtClean="0"/>
+              <a:t>response</a:t>
             </a:r>
             <a:endParaRPr lang="nl-NL" dirty="0"/>
           </a:p>
@@ -7330,7 +11278,11 @@
           <a:p>
             <a:r>
               <a:rPr lang="nl-NL" sz="2800" dirty="0" smtClean="0"/>
-              <a:t>Many different options for measuring</a:t>
+              <a:t>Many </a:t>
+            </a:r>
+            <a:r>
+              <a:rPr lang="nl-NL" sz="2800" dirty="0" smtClean="0"/>
+              <a:t>different options for measuring</a:t>
             </a:r>
             <a:endParaRPr lang="nl-NL" sz="2800" dirty="0"/>
           </a:p>
@@ -7346,6 +11298,13 @@
   <p:clrMapOvr>
     <a:masterClrMapping/>
   </p:clrMapOvr>
+  <p:timing>
+    <p:tnLst>
+      <p:par>
+        <p:cTn id="1" dur="indefinite" restart="never" nodeType="tmRoot"/>
+      </p:par>
+    </p:tnLst>
+  </p:timing>
 </p:sld>
 </file>
 
@@ -7590,253 +11549,17 @@
   <p:clrMapOvr>
     <a:masterClrMapping/>
   </p:clrMapOvr>
+  <p:timing>
+    <p:tnLst>
+      <p:par>
+        <p:cTn id="1" dur="indefinite" restart="never" nodeType="tmRoot"/>
+      </p:par>
+    </p:tnLst>
+  </p:timing>
 </p:sld>
 </file>
 
 <file path=ppt/slides/slide6.xml><?xml version="1.0" encoding="utf-8"?>
-<p:sld xmlns:a="http://schemas.openxmlformats.org/drawingml/2006/main" xmlns:r="http://schemas.openxmlformats.org/officeDocument/2006/relationships" xmlns:p="http://schemas.openxmlformats.org/presentationml/2006/main">
-  <p:cSld>
-    <p:spTree>
-      <p:nvGrpSpPr>
-        <p:cNvPr id="1" name=""/>
-        <p:cNvGrpSpPr/>
-        <p:nvPr/>
-      </p:nvGrpSpPr>
-      <p:grpSpPr>
-        <a:xfrm>
-          <a:off x="0" y="0"/>
-          <a:ext cx="0" cy="0"/>
-          <a:chOff x="0" y="0"/>
-          <a:chExt cx="0" cy="0"/>
-        </a:xfrm>
-      </p:grpSpPr>
-      <p:sp>
-        <p:nvSpPr>
-          <p:cNvPr id="2" name="Title 1"/>
-          <p:cNvSpPr>
-            <a:spLocks noGrp="1"/>
-          </p:cNvSpPr>
-          <p:nvPr>
-            <p:ph type="title"/>
-          </p:nvPr>
-        </p:nvSpPr>
-        <p:spPr/>
-        <p:txBody>
-          <a:bodyPr/>
-          <a:lstStyle/>
-          <a:p>
-            <a:r>
-              <a:rPr lang="nl-NL" dirty="0" smtClean="0"/>
-              <a:t>Galvanic Skin Response (GSR)</a:t>
-            </a:r>
-            <a:endParaRPr lang="nl-NL" dirty="0"/>
-          </a:p>
-        </p:txBody>
-      </p:sp>
-      <p:sp>
-        <p:nvSpPr>
-          <p:cNvPr id="3" name="Content Placeholder 2"/>
-          <p:cNvSpPr>
-            <a:spLocks noGrp="1"/>
-          </p:cNvSpPr>
-          <p:nvPr>
-            <p:ph idx="1"/>
-          </p:nvPr>
-        </p:nvSpPr>
-        <p:spPr>
-          <a:xfrm>
-            <a:off x="1097280" y="1737360"/>
-            <a:ext cx="10058400" cy="4023360"/>
-          </a:xfrm>
-        </p:spPr>
-        <p:txBody>
-          <a:bodyPr/>
-          <a:lstStyle/>
-          <a:p>
-            <a:r>
-              <a:rPr lang="nl-NL" dirty="0" smtClean="0"/>
-              <a:t>Or </a:t>
-            </a:r>
-            <a:r>
-              <a:rPr lang="nl-NL" b="1" dirty="0" smtClean="0"/>
-              <a:t>Electrodermal Response (EDR), Skin Conductance Response (SCR)</a:t>
-            </a:r>
-            <a:endParaRPr lang="nl-NL" b="1" dirty="0"/>
-          </a:p>
-        </p:txBody>
-      </p:sp>
-      <p:sp>
-        <p:nvSpPr>
-          <p:cNvPr id="4" name="Rectangle 3"/>
-          <p:cNvSpPr/>
-          <p:nvPr/>
-        </p:nvSpPr>
-        <p:spPr>
-          <a:xfrm>
-            <a:off x="1097280" y="2016426"/>
-            <a:ext cx="4432367" cy="646331"/>
-          </a:xfrm>
-          <a:prstGeom prst="rect">
-            <a:avLst/>
-          </a:prstGeom>
-        </p:spPr>
-        <p:txBody>
-          <a:bodyPr wrap="none">
-            <a:spAutoFit/>
-          </a:bodyPr>
-          <a:lstStyle/>
-          <a:p>
-            <a:r>
-              <a:rPr lang="nl-NL" dirty="0" smtClean="0"/>
-              <a:t>Measuring the electrical conductance of skin</a:t>
-            </a:r>
-          </a:p>
-          <a:p>
-            <a:r>
-              <a:rPr lang="nl-NL" dirty="0" smtClean="0"/>
-              <a:t>Gets influenced by sweat and openness pores</a:t>
-            </a:r>
-            <a:endParaRPr lang="nl-NL" dirty="0"/>
-          </a:p>
-        </p:txBody>
-      </p:sp>
-      <p:pic>
-        <p:nvPicPr>
-          <p:cNvPr id="3076" name="Picture 4" descr="https://encrypted-tbn0.gstatic.com/images?q=tbn:ANd9GcQkxhwdQGcDT3UQUGxdbq41wdDhXpll2s2xqI3TLREN6vWG37veiQ"/>
-          <p:cNvPicPr>
-            <a:picLocks noChangeAspect="1" noChangeArrowheads="1"/>
-          </p:cNvPicPr>
-          <p:nvPr/>
-        </p:nvPicPr>
-        <p:blipFill>
-          <a:blip r:embed="rId2">
-            <a:extLst>
-              <a:ext uri="{28A0092B-C50C-407E-A947-70E740481C1C}">
-                <a14:useLocalDpi xmlns:a14="http://schemas.microsoft.com/office/drawing/2010/main" val="0"/>
-              </a:ext>
-            </a:extLst>
-          </a:blip>
-          <a:srcRect/>
-          <a:stretch>
-            <a:fillRect/>
-          </a:stretch>
-        </p:blipFill>
-        <p:spPr bwMode="auto">
-          <a:xfrm>
-            <a:off x="8114030" y="3749040"/>
-            <a:ext cx="3180988" cy="2385742"/>
-          </a:xfrm>
-          <a:prstGeom prst="rect">
-            <a:avLst/>
-          </a:prstGeom>
-          <a:noFill/>
-          <a:extLst>
-            <a:ext uri="{909E8E84-426E-40DD-AFC4-6F175D3DCCD1}">
-              <a14:hiddenFill xmlns:a14="http://schemas.microsoft.com/office/drawing/2010/main">
-                <a:solidFill>
-                  <a:srgbClr val="FFFFFF"/>
-                </a:solidFill>
-              </a14:hiddenFill>
-            </a:ext>
-          </a:extLst>
-        </p:spPr>
-      </p:pic>
-      <p:pic>
-        <p:nvPicPr>
-          <p:cNvPr id="3080" name="Picture 8" descr="http://www.extremenxt.com/blog/wp-content/uploads/2014/04/gsrplot.gif"/>
-          <p:cNvPicPr>
-            <a:picLocks noChangeAspect="1" noChangeArrowheads="1"/>
-          </p:cNvPicPr>
-          <p:nvPr/>
-        </p:nvPicPr>
-        <p:blipFill>
-          <a:blip r:embed="rId3">
-            <a:extLst>
-              <a:ext uri="{28A0092B-C50C-407E-A947-70E740481C1C}">
-                <a14:useLocalDpi xmlns:a14="http://schemas.microsoft.com/office/drawing/2010/main" val="0"/>
-              </a:ext>
-            </a:extLst>
-          </a:blip>
-          <a:srcRect/>
-          <a:stretch>
-            <a:fillRect/>
-          </a:stretch>
-        </p:blipFill>
-        <p:spPr bwMode="auto">
-          <a:xfrm>
-            <a:off x="175883" y="3461317"/>
-            <a:ext cx="5827304" cy="2743134"/>
-          </a:xfrm>
-          <a:prstGeom prst="rect">
-            <a:avLst/>
-          </a:prstGeom>
-          <a:noFill/>
-          <a:extLst>
-            <a:ext uri="{909E8E84-426E-40DD-AFC4-6F175D3DCCD1}">
-              <a14:hiddenFill xmlns:a14="http://schemas.microsoft.com/office/drawing/2010/main">
-                <a:solidFill>
-                  <a:srgbClr val="FFFFFF"/>
-                </a:solidFill>
-              </a14:hiddenFill>
-            </a:ext>
-          </a:extLst>
-        </p:spPr>
-      </p:pic>
-      <p:pic>
-        <p:nvPicPr>
-          <p:cNvPr id="3078" name="Picture 6" descr="http://cdn.instructables.com/FGS/G9MA/HVF6ZKJ3/FGSG9MAHVF6ZKJ3.LARGE.jpg"/>
-          <p:cNvPicPr>
-            <a:picLocks noChangeAspect="1" noChangeArrowheads="1"/>
-          </p:cNvPicPr>
-          <p:nvPr/>
-        </p:nvPicPr>
-        <p:blipFill>
-          <a:blip r:embed="rId4">
-            <a:extLst>
-              <a:ext uri="{28A0092B-C50C-407E-A947-70E740481C1C}">
-                <a14:useLocalDpi xmlns:a14="http://schemas.microsoft.com/office/drawing/2010/main" val="0"/>
-              </a:ext>
-            </a:extLst>
-          </a:blip>
-          <a:srcRect/>
-          <a:stretch>
-            <a:fillRect/>
-          </a:stretch>
-        </p:blipFill>
-        <p:spPr bwMode="auto">
-          <a:xfrm>
-            <a:off x="5529647" y="2034687"/>
-            <a:ext cx="3414056" cy="2303517"/>
-          </a:xfrm>
-          <a:prstGeom prst="rect">
-            <a:avLst/>
-          </a:prstGeom>
-          <a:noFill/>
-          <a:extLst>
-            <a:ext uri="{909E8E84-426E-40DD-AFC4-6F175D3DCCD1}">
-              <a14:hiddenFill xmlns:a14="http://schemas.microsoft.com/office/drawing/2010/main">
-                <a:solidFill>
-                  <a:srgbClr val="FFFFFF"/>
-                </a:solidFill>
-              </a14:hiddenFill>
-            </a:ext>
-          </a:extLst>
-        </p:spPr>
-      </p:pic>
-    </p:spTree>
-    <p:extLst>
-      <p:ext uri="{BB962C8B-B14F-4D97-AF65-F5344CB8AC3E}">
-        <p14:creationId xmlns:p14="http://schemas.microsoft.com/office/powerpoint/2010/main" val="2185869964"/>
-      </p:ext>
-    </p:extLst>
-  </p:cSld>
-  <p:clrMapOvr>
-    <a:masterClrMapping/>
-  </p:clrMapOvr>
-</p:sld>
-</file>
-
-<file path=ppt/slides/slide7.xml><?xml version="1.0" encoding="utf-8"?>
 <p:sld xmlns:a="http://schemas.openxmlformats.org/drawingml/2006/main" xmlns:r="http://schemas.openxmlformats.org/officeDocument/2006/relationships" xmlns:p="http://schemas.openxmlformats.org/presentationml/2006/main">
   <p:cSld>
     <p:spTree>
@@ -8036,6 +11759,228 @@
   <p:clrMapOvr>
     <a:masterClrMapping/>
   </p:clrMapOvr>
+  <p:timing>
+    <p:tnLst>
+      <p:par>
+        <p:cTn id="1" dur="indefinite" restart="never" nodeType="tmRoot"/>
+      </p:par>
+    </p:tnLst>
+  </p:timing>
+</p:sld>
+</file>
+
+<file path=ppt/slides/slide7.xml><?xml version="1.0" encoding="utf-8"?>
+<p:sld xmlns:a="http://schemas.openxmlformats.org/drawingml/2006/main" xmlns:r="http://schemas.openxmlformats.org/officeDocument/2006/relationships" xmlns:p="http://schemas.openxmlformats.org/presentationml/2006/main">
+  <p:cSld>
+    <p:spTree>
+      <p:nvGrpSpPr>
+        <p:cNvPr id="1" name=""/>
+        <p:cNvGrpSpPr/>
+        <p:nvPr/>
+      </p:nvGrpSpPr>
+      <p:grpSpPr>
+        <a:xfrm>
+          <a:off x="0" y="0"/>
+          <a:ext cx="0" cy="0"/>
+          <a:chOff x="0" y="0"/>
+          <a:chExt cx="0" cy="0"/>
+        </a:xfrm>
+      </p:grpSpPr>
+      <p:sp>
+        <p:nvSpPr>
+          <p:cNvPr id="2" name="Title 1"/>
+          <p:cNvSpPr>
+            <a:spLocks noGrp="1"/>
+          </p:cNvSpPr>
+          <p:nvPr>
+            <p:ph type="title"/>
+          </p:nvPr>
+        </p:nvSpPr>
+        <p:spPr/>
+        <p:txBody>
+          <a:bodyPr/>
+          <a:lstStyle/>
+          <a:p>
+            <a:r>
+              <a:rPr lang="nl-NL" dirty="0" smtClean="0"/>
+              <a:t>Galvanic Skin Response (GSR)</a:t>
+            </a:r>
+            <a:endParaRPr lang="nl-NL" dirty="0"/>
+          </a:p>
+        </p:txBody>
+      </p:sp>
+      <p:sp>
+        <p:nvSpPr>
+          <p:cNvPr id="3" name="Content Placeholder 2"/>
+          <p:cNvSpPr>
+            <a:spLocks noGrp="1"/>
+          </p:cNvSpPr>
+          <p:nvPr>
+            <p:ph idx="1"/>
+          </p:nvPr>
+        </p:nvSpPr>
+        <p:spPr>
+          <a:xfrm>
+            <a:off x="1097280" y="1737360"/>
+            <a:ext cx="10058400" cy="4023360"/>
+          </a:xfrm>
+        </p:spPr>
+        <p:txBody>
+          <a:bodyPr/>
+          <a:lstStyle/>
+          <a:p>
+            <a:r>
+              <a:rPr lang="nl-NL" dirty="0" smtClean="0"/>
+              <a:t>Or </a:t>
+            </a:r>
+            <a:r>
+              <a:rPr lang="nl-NL" b="1" dirty="0" smtClean="0"/>
+              <a:t>Electrodermal Response (EDR), Skin Conductance Response (SCR)</a:t>
+            </a:r>
+            <a:endParaRPr lang="nl-NL" b="1" dirty="0"/>
+          </a:p>
+        </p:txBody>
+      </p:sp>
+      <p:pic>
+        <p:nvPicPr>
+          <p:cNvPr id="3076" name="Picture 4" descr="https://encrypted-tbn0.gstatic.com/images?q=tbn:ANd9GcQkxhwdQGcDT3UQUGxdbq41wdDhXpll2s2xqI3TLREN6vWG37veiQ"/>
+          <p:cNvPicPr>
+            <a:picLocks noChangeAspect="1" noChangeArrowheads="1"/>
+          </p:cNvPicPr>
+          <p:nvPr/>
+        </p:nvPicPr>
+        <p:blipFill>
+          <a:blip r:embed="rId3">
+            <a:extLst>
+              <a:ext uri="{28A0092B-C50C-407E-A947-70E740481C1C}">
+                <a14:useLocalDpi xmlns:a14="http://schemas.microsoft.com/office/drawing/2010/main" val="0"/>
+              </a:ext>
+            </a:extLst>
+          </a:blip>
+          <a:srcRect/>
+          <a:stretch>
+            <a:fillRect/>
+          </a:stretch>
+        </p:blipFill>
+        <p:spPr bwMode="auto">
+          <a:xfrm>
+            <a:off x="8114030" y="3749040"/>
+            <a:ext cx="3180988" cy="2385742"/>
+          </a:xfrm>
+          <a:prstGeom prst="rect">
+            <a:avLst/>
+          </a:prstGeom>
+          <a:noFill/>
+          <a:extLst>
+            <a:ext uri="{909E8E84-426E-40DD-AFC4-6F175D3DCCD1}">
+              <a14:hiddenFill xmlns:a14="http://schemas.microsoft.com/office/drawing/2010/main">
+                <a:solidFill>
+                  <a:srgbClr val="FFFFFF"/>
+                </a:solidFill>
+              </a14:hiddenFill>
+            </a:ext>
+          </a:extLst>
+        </p:spPr>
+      </p:pic>
+      <p:pic>
+        <p:nvPicPr>
+          <p:cNvPr id="3080" name="Picture 8" descr="http://www.extremenxt.com/blog/wp-content/uploads/2014/04/gsrplot.gif"/>
+          <p:cNvPicPr>
+            <a:picLocks noChangeAspect="1" noChangeArrowheads="1"/>
+          </p:cNvPicPr>
+          <p:nvPr/>
+        </p:nvPicPr>
+        <p:blipFill>
+          <a:blip r:embed="rId4">
+            <a:extLst>
+              <a:ext uri="{28A0092B-C50C-407E-A947-70E740481C1C}">
+                <a14:useLocalDpi xmlns:a14="http://schemas.microsoft.com/office/drawing/2010/main" val="0"/>
+              </a:ext>
+            </a:extLst>
+          </a:blip>
+          <a:srcRect/>
+          <a:stretch>
+            <a:fillRect/>
+          </a:stretch>
+        </p:blipFill>
+        <p:spPr bwMode="auto">
+          <a:xfrm>
+            <a:off x="175883" y="3461317"/>
+            <a:ext cx="5827304" cy="2743134"/>
+          </a:xfrm>
+          <a:prstGeom prst="rect">
+            <a:avLst/>
+          </a:prstGeom>
+          <a:noFill/>
+          <a:extLst>
+            <a:ext uri="{909E8E84-426E-40DD-AFC4-6F175D3DCCD1}">
+              <a14:hiddenFill xmlns:a14="http://schemas.microsoft.com/office/drawing/2010/main">
+                <a:solidFill>
+                  <a:srgbClr val="FFFFFF"/>
+                </a:solidFill>
+              </a14:hiddenFill>
+            </a:ext>
+          </a:extLst>
+        </p:spPr>
+      </p:pic>
+      <p:pic>
+        <p:nvPicPr>
+          <p:cNvPr id="3078" name="Picture 6" descr="http://cdn.instructables.com/FGS/G9MA/HVF6ZKJ3/FGSG9MAHVF6ZKJ3.LARGE.jpg"/>
+          <p:cNvPicPr>
+            <a:picLocks noChangeAspect="1" noChangeArrowheads="1"/>
+          </p:cNvPicPr>
+          <p:nvPr/>
+        </p:nvPicPr>
+        <p:blipFill>
+          <a:blip r:embed="rId5">
+            <a:extLst>
+              <a:ext uri="{28A0092B-C50C-407E-A947-70E740481C1C}">
+                <a14:useLocalDpi xmlns:a14="http://schemas.microsoft.com/office/drawing/2010/main" val="0"/>
+              </a:ext>
+            </a:extLst>
+          </a:blip>
+          <a:srcRect/>
+          <a:stretch>
+            <a:fillRect/>
+          </a:stretch>
+        </p:blipFill>
+        <p:spPr bwMode="auto">
+          <a:xfrm>
+            <a:off x="5529647" y="2034687"/>
+            <a:ext cx="3414056" cy="2303517"/>
+          </a:xfrm>
+          <a:prstGeom prst="rect">
+            <a:avLst/>
+          </a:prstGeom>
+          <a:noFill/>
+          <a:extLst>
+            <a:ext uri="{909E8E84-426E-40DD-AFC4-6F175D3DCCD1}">
+              <a14:hiddenFill xmlns:a14="http://schemas.microsoft.com/office/drawing/2010/main">
+                <a:solidFill>
+                  <a:srgbClr val="FFFFFF"/>
+                </a:solidFill>
+              </a14:hiddenFill>
+            </a:ext>
+          </a:extLst>
+        </p:spPr>
+      </p:pic>
+    </p:spTree>
+    <p:extLst>
+      <p:ext uri="{BB962C8B-B14F-4D97-AF65-F5344CB8AC3E}">
+        <p14:creationId xmlns:p14="http://schemas.microsoft.com/office/powerpoint/2010/main" val="2185869964"/>
+      </p:ext>
+    </p:extLst>
+  </p:cSld>
+  <p:clrMapOvr>
+    <a:masterClrMapping/>
+  </p:clrMapOvr>
+  <p:timing>
+    <p:tnLst>
+      <p:par>
+        <p:cTn id="1" dur="indefinite" restart="never" nodeType="tmRoot"/>
+      </p:par>
+    </p:tnLst>
+  </p:timing>
 </p:sld>
 </file>
 
@@ -8155,7 +12100,15 @@
           <a:p>
             <a:r>
               <a:rPr lang="nl-NL" sz="2800" dirty="0" smtClean="0"/>
-              <a:t>One generally does not exclude the others</a:t>
+              <a:t>Multiple can </a:t>
+            </a:r>
+            <a:r>
+              <a:rPr lang="nl-NL" sz="2800" dirty="0" smtClean="0"/>
+              <a:t>generally </a:t>
+            </a:r>
+            <a:r>
+              <a:rPr lang="nl-NL" sz="2800" dirty="0" smtClean="0"/>
+              <a:t>be measured simultaneously</a:t>
             </a:r>
             <a:endParaRPr lang="nl-NL" sz="2800" dirty="0"/>
           </a:p>
@@ -8170,7 +12123,7 @@
           <p:nvPr/>
         </p:nvPicPr>
         <p:blipFill>
-          <a:blip r:embed="rId2">
+          <a:blip r:embed="rId3">
             <a:extLst>
               <a:ext uri="{28A0092B-C50C-407E-A947-70E740481C1C}">
                 <a14:useLocalDpi xmlns:a14="http://schemas.microsoft.com/office/drawing/2010/main" val="0"/>
@@ -8212,6 +12165,13 @@
   <p:clrMapOvr>
     <a:masterClrMapping/>
   </p:clrMapOvr>
+  <p:timing>
+    <p:tnLst>
+      <p:par>
+        <p:cTn id="1" dur="indefinite" restart="never" nodeType="tmRoot"/>
+      </p:par>
+    </p:tnLst>
+  </p:timing>
 </p:sld>
 </file>
 
@@ -8249,7 +12209,7 @@
           <a:p>
             <a:r>
               <a:rPr lang="nl-NL" dirty="0" smtClean="0"/>
-              <a:t>New smartwatches feature biometric sensors</a:t>
+              <a:t>Galvanic Skin Response (GSR)</a:t>
             </a:r>
             <a:endParaRPr lang="nl-NL" dirty="0"/>
           </a:p>
@@ -8265,27 +12225,71 @@
             <p:ph idx="1"/>
           </p:nvPr>
         </p:nvSpPr>
-        <p:spPr>
-          <a:xfrm>
-            <a:off x="7010400" y="4566778"/>
-            <a:ext cx="4145280" cy="1302316"/>
-          </a:xfrm>
-        </p:spPr>
+        <p:spPr/>
         <p:txBody>
           <a:bodyPr/>
           <a:lstStyle/>
           <a:p>
             <a:r>
-              <a:rPr lang="nl-NL" dirty="0" smtClean="0"/>
-              <a:t>Samsung Simband</a:t>
-            </a:r>
+              <a:rPr lang="en-US" dirty="0"/>
+              <a:t>Measuring the electrical </a:t>
+            </a:r>
+            <a:r>
+              <a:rPr lang="en-US" dirty="0" smtClean="0"/>
+              <a:t>skin conductance</a:t>
+            </a:r>
+          </a:p>
+          <a:p>
+            <a:r>
+              <a:rPr lang="en-US" dirty="0" smtClean="0"/>
+              <a:t>Small voltage applied to electrodes, flowing current measured</a:t>
+            </a:r>
+            <a:endParaRPr lang="en-US" dirty="0"/>
+          </a:p>
+          <a:p>
+            <a:endParaRPr lang="en-US" dirty="0" smtClean="0"/>
+          </a:p>
+          <a:p>
+            <a:pPr marL="0" indent="0">
+              <a:buNone/>
+            </a:pPr>
+            <a:endParaRPr lang="en-US" dirty="0"/>
+          </a:p>
+          <a:p>
+            <a:r>
+              <a:rPr lang="en-US" dirty="0"/>
+              <a:t>I</a:t>
+            </a:r>
+            <a:r>
+              <a:rPr lang="en-US" dirty="0" smtClean="0"/>
+              <a:t>nfluenced </a:t>
+            </a:r>
+            <a:r>
+              <a:rPr lang="en-US" dirty="0"/>
+              <a:t>by </a:t>
+            </a:r>
+            <a:r>
+              <a:rPr lang="en-US" dirty="0" smtClean="0"/>
+              <a:t>sweat glands</a:t>
+            </a:r>
+          </a:p>
+          <a:p>
+            <a:r>
+              <a:rPr lang="en-US" dirty="0" smtClean="0"/>
+              <a:t>Delay between stimulus and response between 0.8 and 4 seconds</a:t>
+            </a:r>
+          </a:p>
+          <a:p>
+            <a:endParaRPr lang="en-US" dirty="0"/>
+          </a:p>
+          <a:p>
             <a:endParaRPr lang="nl-NL" dirty="0"/>
           </a:p>
         </p:txBody>
       </p:sp>
       <p:pic>
         <p:nvPicPr>
-          <p:cNvPr id="6146" name="Picture 2" descr="https://cdn2.vox-cdn.com/thumbor/-HPS-htRN4n7NpnqAOTBeCPRlTM=/cdn0.vox-cdn.com/uploads/chorus_asset/file/2452642/DSC02149.0.jpg"/>
+          <p:cNvPr id="4" name="Picture 6" descr="http://cdn.instructables.com/FGS/G9MA/HVF6ZKJ3/FGSG9MAHVF6ZKJ3.LARGE.jpg"/>
           <p:cNvPicPr>
             <a:picLocks noChangeAspect="1" noChangeArrowheads="1"/>
           </p:cNvPicPr>
@@ -8306,8 +12310,8 @@
         </p:blipFill>
         <p:spPr bwMode="auto">
           <a:xfrm>
-            <a:off x="7085012" y="1909804"/>
-            <a:ext cx="3996055" cy="2656974"/>
+            <a:off x="8093738" y="1845734"/>
+            <a:ext cx="3414056" cy="2303517"/>
           </a:xfrm>
           <a:prstGeom prst="rect">
             <a:avLst/>
@@ -8324,185 +12328,23 @@
           </a:extLst>
         </p:spPr>
       </p:pic>
-      <p:sp>
-        <p:nvSpPr>
-          <p:cNvPr id="4" name="Rectangle 3"/>
-          <p:cNvSpPr/>
-          <p:nvPr/>
-        </p:nvSpPr>
-        <p:spPr>
-          <a:xfrm>
-            <a:off x="1007837" y="5119393"/>
-            <a:ext cx="1622047" cy="369332"/>
-          </a:xfrm>
-          <a:prstGeom prst="rect">
-            <a:avLst/>
-          </a:prstGeom>
-        </p:spPr>
-        <p:txBody>
-          <a:bodyPr wrap="none">
-            <a:spAutoFit/>
-          </a:bodyPr>
-          <a:lstStyle/>
-          <a:p>
-            <a:r>
-              <a:rPr lang="nl-NL" dirty="0" smtClean="0"/>
-              <a:t>Microsoft Band</a:t>
-            </a:r>
-            <a:endParaRPr lang="nl-NL" dirty="0"/>
-          </a:p>
-        </p:txBody>
-      </p:sp>
-      <p:sp>
-        <p:nvSpPr>
-          <p:cNvPr id="5" name="Rectangle 4"/>
-          <p:cNvSpPr/>
-          <p:nvPr/>
-        </p:nvSpPr>
-        <p:spPr>
-          <a:xfrm>
-            <a:off x="4305570" y="5429940"/>
-            <a:ext cx="1415003" cy="369332"/>
-          </a:xfrm>
-          <a:prstGeom prst="rect">
-            <a:avLst/>
-          </a:prstGeom>
-        </p:spPr>
-        <p:txBody>
-          <a:bodyPr wrap="none">
-            <a:spAutoFit/>
-          </a:bodyPr>
-          <a:lstStyle/>
-          <a:p>
-            <a:r>
-              <a:rPr lang="nl-NL" dirty="0" smtClean="0"/>
-              <a:t>BASIS Watch</a:t>
-            </a:r>
-            <a:endParaRPr lang="nl-NL" dirty="0"/>
-          </a:p>
-        </p:txBody>
-      </p:sp>
-      <p:pic>
-        <p:nvPicPr>
-          <p:cNvPr id="6152" name="Picture 8" descr="http://techsplurge.com/wp-content/uploads/2014/03/Basis.jpg"/>
-          <p:cNvPicPr>
-            <a:picLocks noChangeAspect="1" noChangeArrowheads="1"/>
-          </p:cNvPicPr>
-          <p:nvPr/>
-        </p:nvPicPr>
-        <p:blipFill>
-          <a:blip r:embed="rId4">
-            <a:extLst>
-              <a:ext uri="{28A0092B-C50C-407E-A947-70E740481C1C}">
-                <a14:useLocalDpi xmlns:a14="http://schemas.microsoft.com/office/drawing/2010/main" val="0"/>
-              </a:ext>
-            </a:extLst>
-          </a:blip>
-          <a:srcRect/>
-          <a:stretch>
-            <a:fillRect/>
-          </a:stretch>
-        </p:blipFill>
-        <p:spPr bwMode="auto">
-          <a:xfrm>
-            <a:off x="3582581" y="2931294"/>
-            <a:ext cx="3358150" cy="2468618"/>
-          </a:xfrm>
-          <a:prstGeom prst="rect">
-            <a:avLst/>
-          </a:prstGeom>
-          <a:noFill/>
-          <a:extLst>
-            <a:ext uri="{909E8E84-426E-40DD-AFC4-6F175D3DCCD1}">
-              <a14:hiddenFill xmlns:a14="http://schemas.microsoft.com/office/drawing/2010/main">
-                <a:solidFill>
-                  <a:srgbClr val="FFFFFF"/>
-                </a:solidFill>
-              </a14:hiddenFill>
-            </a:ext>
-          </a:extLst>
-        </p:spPr>
-      </p:pic>
-      <p:pic>
-        <p:nvPicPr>
-          <p:cNvPr id="6148" name="Picture 4" descr="http://cdn.macrumors.com/article-new/2014/10/microsoft-band_hero_2.png"/>
-          <p:cNvPicPr>
-            <a:picLocks noChangeAspect="1" noChangeArrowheads="1"/>
-          </p:cNvPicPr>
-          <p:nvPr/>
-        </p:nvPicPr>
-        <p:blipFill>
-          <a:blip r:embed="rId5">
-            <a:extLst>
-              <a:ext uri="{28A0092B-C50C-407E-A947-70E740481C1C}">
-                <a14:useLocalDpi xmlns:a14="http://schemas.microsoft.com/office/drawing/2010/main" val="0"/>
-              </a:ext>
-            </a:extLst>
-          </a:blip>
-          <a:srcRect/>
-          <a:stretch>
-            <a:fillRect/>
-          </a:stretch>
-        </p:blipFill>
-        <p:spPr bwMode="auto">
-          <a:xfrm>
-            <a:off x="784845" y="2621290"/>
-            <a:ext cx="3581580" cy="2596646"/>
-          </a:xfrm>
-          <a:prstGeom prst="rect">
-            <a:avLst/>
-          </a:prstGeom>
-          <a:noFill/>
-          <a:extLst>
-            <a:ext uri="{909E8E84-426E-40DD-AFC4-6F175D3DCCD1}">
-              <a14:hiddenFill xmlns:a14="http://schemas.microsoft.com/office/drawing/2010/main">
-                <a:solidFill>
-                  <a:srgbClr val="FFFFFF"/>
-                </a:solidFill>
-              </a14:hiddenFill>
-            </a:ext>
-          </a:extLst>
-        </p:spPr>
-      </p:pic>
-      <p:sp>
-        <p:nvSpPr>
-          <p:cNvPr id="6" name="Rectangle 5"/>
-          <p:cNvSpPr/>
-          <p:nvPr/>
-        </p:nvSpPr>
-        <p:spPr>
-          <a:xfrm>
-            <a:off x="1076588" y="1839657"/>
-            <a:ext cx="5769528" cy="369332"/>
-          </a:xfrm>
-          <a:prstGeom prst="rect">
-            <a:avLst/>
-          </a:prstGeom>
-        </p:spPr>
-        <p:txBody>
-          <a:bodyPr wrap="none">
-            <a:spAutoFit/>
-          </a:bodyPr>
-          <a:lstStyle/>
-          <a:p>
-            <a:r>
-              <a:rPr lang="nl-NL" dirty="0" smtClean="0"/>
-              <a:t>APIs are generally lacking, data is locked in proprietary apps</a:t>
-            </a:r>
-            <a:endParaRPr lang="nl-NL" dirty="0"/>
-          </a:p>
-        </p:txBody>
-      </p:sp>
     </p:spTree>
     <p:extLst>
       <p:ext uri="{BB962C8B-B14F-4D97-AF65-F5344CB8AC3E}">
-        <p14:creationId xmlns:p14="http://schemas.microsoft.com/office/powerpoint/2010/main" val="2625315870"/>
+        <p14:creationId xmlns:p14="http://schemas.microsoft.com/office/powerpoint/2010/main" val="101178131"/>
       </p:ext>
     </p:extLst>
   </p:cSld>
   <p:clrMapOvr>
     <a:masterClrMapping/>
   </p:clrMapOvr>
+  <p:timing>
+    <p:tnLst>
+      <p:par>
+        <p:cTn id="1" dur="indefinite" restart="never" nodeType="tmRoot"/>
+      </p:par>
+    </p:tnLst>
+  </p:timing>
 </p:sld>
 </file>
 

--- a/presentation/Portable biometrics for determining cognitive load from galvanic.pptx
+++ b/presentation/Portable biometrics for determining cognitive load from galvanic.pptx
@@ -5,7 +5,7 @@
     <p:sldMasterId id="2147483648" r:id="rId1"/>
   </p:sldMasterIdLst>
   <p:notesMasterIdLst>
-    <p:notesMasterId r:id="rId35"/>
+    <p:notesMasterId r:id="rId36"/>
   </p:notesMasterIdLst>
   <p:sldIdLst>
     <p:sldId id="256" r:id="rId2"/>
@@ -29,18 +29,19 @@
     <p:sldId id="280" r:id="rId20"/>
     <p:sldId id="282" r:id="rId21"/>
     <p:sldId id="273" r:id="rId22"/>
-    <p:sldId id="268" r:id="rId23"/>
-    <p:sldId id="274" r:id="rId24"/>
-    <p:sldId id="269" r:id="rId25"/>
-    <p:sldId id="270" r:id="rId26"/>
-    <p:sldId id="271" r:id="rId27"/>
-    <p:sldId id="272" r:id="rId28"/>
-    <p:sldId id="283" r:id="rId29"/>
-    <p:sldId id="284" r:id="rId30"/>
-    <p:sldId id="285" r:id="rId31"/>
-    <p:sldId id="286" r:id="rId32"/>
-    <p:sldId id="288" r:id="rId33"/>
-    <p:sldId id="289" r:id="rId34"/>
+    <p:sldId id="290" r:id="rId23"/>
+    <p:sldId id="268" r:id="rId24"/>
+    <p:sldId id="274" r:id="rId25"/>
+    <p:sldId id="269" r:id="rId26"/>
+    <p:sldId id="270" r:id="rId27"/>
+    <p:sldId id="271" r:id="rId28"/>
+    <p:sldId id="272" r:id="rId29"/>
+    <p:sldId id="283" r:id="rId30"/>
+    <p:sldId id="284" r:id="rId31"/>
+    <p:sldId id="285" r:id="rId32"/>
+    <p:sldId id="286" r:id="rId33"/>
+    <p:sldId id="288" r:id="rId34"/>
+    <p:sldId id="289" r:id="rId35"/>
   </p:sldIdLst>
   <p:sldSz cx="12192000" cy="6858000"/>
   <p:notesSz cx="6858000" cy="9144000"/>
@@ -229,7 +230,7 @@
           <a:p>
             <a:fld id="{70D4E0D8-320B-4569-BE6C-469D92E7587A}" type="datetimeFigureOut">
               <a:rPr lang="nl-NL" smtClean="0"/>
-              <a:t>12-12-2014</a:t>
+              <a:t>15-12-2014</a:t>
             </a:fld>
             <a:endParaRPr lang="nl-NL"/>
           </a:p>
@@ -650,7 +651,7 @@
           <a:p>
             <a:fld id="{54B359D9-548E-4D60-8745-C70A5F330213}" type="slidenum">
               <a:rPr lang="nl-NL" smtClean="0"/>
-              <a:t>25</a:t>
+              <a:t>26</a:t>
             </a:fld>
             <a:endParaRPr lang="nl-NL"/>
           </a:p>
@@ -748,7 +749,7 @@
           <a:p>
             <a:fld id="{54B359D9-548E-4D60-8745-C70A5F330213}" type="slidenum">
               <a:rPr lang="nl-NL" smtClean="0"/>
-              <a:t>30</a:t>
+              <a:t>31</a:t>
             </a:fld>
             <a:endParaRPr lang="nl-NL"/>
           </a:p>
@@ -860,7 +861,7 @@
           <a:p>
             <a:fld id="{54B359D9-548E-4D60-8745-C70A5F330213}" type="slidenum">
               <a:rPr lang="nl-NL" smtClean="0"/>
-              <a:t>31</a:t>
+              <a:t>32</a:t>
             </a:fld>
             <a:endParaRPr lang="nl-NL"/>
           </a:p>
@@ -944,7 +945,7 @@
           <a:p>
             <a:fld id="{54B359D9-548E-4D60-8745-C70A5F330213}" type="slidenum">
               <a:rPr lang="nl-NL" smtClean="0"/>
-              <a:t>33</a:t>
+              <a:t>34</a:t>
             </a:fld>
             <a:endParaRPr lang="nl-NL"/>
           </a:p>
@@ -1300,6 +1301,22 @@
           <a:bodyPr/>
           <a:lstStyle/>
           <a:p>
+            <a:r>
+              <a:rPr lang="nl-NL" dirty="0" smtClean="0"/>
+              <a:t>Harder because </a:t>
+            </a:r>
+          </a:p>
+          <a:p>
+            <a:r>
+              <a:rPr lang="nl-NL" dirty="0" smtClean="0"/>
+              <a:t>	add larger numbers</a:t>
+            </a:r>
+          </a:p>
+          <a:p>
+            <a:r>
+              <a:rPr lang="nl-NL" baseline="0" dirty="0" smtClean="0"/>
+              <a:t>	remember a larger number.</a:t>
+            </a:r>
             <a:endParaRPr lang="nl-NL" dirty="0"/>
           </a:p>
         </p:txBody>
@@ -1489,7 +1506,7 @@
           <a:p>
             <a:fld id="{54B359D9-548E-4D60-8745-C70A5F330213}" type="slidenum">
               <a:rPr lang="nl-NL" smtClean="0"/>
-              <a:t>22</a:t>
+              <a:t>23</a:t>
             </a:fld>
             <a:endParaRPr lang="nl-NL"/>
           </a:p>
@@ -1573,7 +1590,7 @@
           <a:p>
             <a:fld id="{54B359D9-548E-4D60-8745-C70A5F330213}" type="slidenum">
               <a:rPr lang="nl-NL" smtClean="0"/>
-              <a:t>23</a:t>
+              <a:t>24</a:t>
             </a:fld>
             <a:endParaRPr lang="nl-NL"/>
           </a:p>
@@ -1661,7 +1678,7 @@
           <a:p>
             <a:fld id="{54B359D9-548E-4D60-8745-C70A5F330213}" type="slidenum">
               <a:rPr lang="nl-NL" smtClean="0"/>
-              <a:t>24</a:t>
+              <a:t>25</a:t>
             </a:fld>
             <a:endParaRPr lang="nl-NL"/>
           </a:p>
@@ -1906,7 +1923,7 @@
           <a:p>
             <a:fld id="{5A069CB8-F204-4D06-B913-C5A26A89888A}" type="datetimeFigureOut">
               <a:rPr lang="en-US" dirty="0"/>
-              <a:t>12/12/2014</a:t>
+              <a:t>12/15/2014</a:t>
             </a:fld>
             <a:endParaRPr lang="en-US" dirty="0"/>
           </a:p>
@@ -2109,7 +2126,7 @@
           <a:p>
             <a:fld id="{50B6E300-0A13-4A81-945A-7333C271A069}" type="datetimeFigureOut">
               <a:rPr lang="en-US" dirty="0"/>
-              <a:t>12/12/2014</a:t>
+              <a:t>12/15/2014</a:t>
             </a:fld>
             <a:endParaRPr lang="en-US" dirty="0"/>
           </a:p>
@@ -2360,7 +2377,7 @@
           <a:p>
             <a:fld id="{34671962-1EA4-46E7-BCB0-F36CE46D1A59}" type="datetimeFigureOut">
               <a:rPr lang="en-US" dirty="0"/>
-              <a:t>12/12/2014</a:t>
+              <a:t>12/15/2014</a:t>
             </a:fld>
             <a:endParaRPr lang="en-US" dirty="0"/>
           </a:p>
@@ -2525,7 +2542,7 @@
           <a:p>
             <a:fld id="{D30BB376-B19C-488D-ABEB-03C7E6E9E3E0}" type="datetimeFigureOut">
               <a:rPr lang="en-US" dirty="0"/>
-              <a:t>12/12/2014</a:t>
+              <a:t>12/15/2014</a:t>
             </a:fld>
             <a:endParaRPr lang="en-US" dirty="0"/>
           </a:p>
@@ -2863,7 +2880,7 @@
           <a:p>
             <a:fld id="{486F077B-A50F-4D64-8574-E2D6A98A5553}" type="datetimeFigureOut">
               <a:rPr lang="en-US" dirty="0"/>
-              <a:t>12/12/2014</a:t>
+              <a:t>12/15/2014</a:t>
             </a:fld>
             <a:endParaRPr lang="en-US" dirty="0"/>
           </a:p>
@@ -3133,7 +3150,7 @@
           <a:p>
             <a:fld id="{7D9E2A62-1983-43A1-A163-D8AA46534C80}" type="datetimeFigureOut">
               <a:rPr lang="en-US" dirty="0"/>
-              <a:t>12/12/2014</a:t>
+              <a:t>12/15/2014</a:t>
             </a:fld>
             <a:endParaRPr lang="en-US" dirty="0"/>
           </a:p>
@@ -3507,7 +3524,7 @@
           <a:p>
             <a:fld id="{898F3E3B-34E3-4345-B2A1-994B83598A9C}" type="datetimeFigureOut">
               <a:rPr lang="en-US" dirty="0"/>
-              <a:t>12/12/2014</a:t>
+              <a:t>12/15/2014</a:t>
             </a:fld>
             <a:endParaRPr lang="en-US" dirty="0"/>
           </a:p>
@@ -3620,7 +3637,7 @@
           <a:p>
             <a:fld id="{FD816C96-82A1-4D77-8ADA-627AC6FE3D65}" type="datetimeFigureOut">
               <a:rPr lang="en-US" dirty="0"/>
-              <a:t>12/12/2014</a:t>
+              <a:t>12/15/2014</a:t>
             </a:fld>
             <a:endParaRPr lang="en-US" dirty="0"/>
           </a:p>
@@ -3786,7 +3803,7 @@
           <a:p>
             <a:fld id="{1D102C1E-28F2-47E9-802D-339E64E2F920}" type="datetimeFigureOut">
               <a:rPr lang="en-US" dirty="0"/>
-              <a:t>12/12/2014</a:t>
+              <a:t>12/15/2014</a:t>
             </a:fld>
             <a:endParaRPr lang="en-US" dirty="0"/>
           </a:p>
@@ -4136,7 +4153,7 @@
           <a:p>
             <a:fld id="{24271A48-F18A-45B3-BC05-1E27DA3F88AF}" type="datetimeFigureOut">
               <a:rPr lang="en-US" dirty="0"/>
-              <a:t>12/12/2014</a:t>
+              <a:t>12/15/2014</a:t>
             </a:fld>
             <a:endParaRPr lang="en-US" dirty="0"/>
           </a:p>
@@ -4509,7 +4526,7 @@
           <a:p>
             <a:fld id="{65B747F8-9654-4282-85D2-65F41AAE7A75}" type="datetimeFigureOut">
               <a:rPr lang="en-US" dirty="0"/>
-              <a:t>12/12/2014</a:t>
+              <a:t>12/15/2014</a:t>
             </a:fld>
             <a:endParaRPr lang="en-US" dirty="0"/>
           </a:p>
@@ -4791,7 +4808,7 @@
           <a:p>
             <a:fld id="{5DC5B261-8843-42D1-AAFC-05E20E2D9B97}" type="datetimeFigureOut">
               <a:rPr lang="en-US" dirty="0"/>
-              <a:t>12/12/2014</a:t>
+              <a:t>12/15/2014</a:t>
             </a:fld>
             <a:endParaRPr lang="en-US" dirty="0"/>
           </a:p>
@@ -5766,13 +5783,8 @@
             </a:r>
             <a:r>
               <a:rPr lang="nl-NL" dirty="0" smtClean="0"/>
-              <a:t>Automatic difficulty adjustment in applications (such as games</a:t>
-            </a:r>
-            <a:r>
-              <a:rPr lang="nl-NL" dirty="0" smtClean="0"/>
-              <a:t>)</a:t>
-            </a:r>
-            <a:endParaRPr lang="nl-NL" dirty="0" smtClean="0"/>
+              <a:t>Automatic difficulty adjustment in applications (such as games)</a:t>
+            </a:r>
           </a:p>
           <a:p>
             <a:pPr>
@@ -5781,13 +5793,8 @@
             </a:pPr>
             <a:r>
               <a:rPr lang="nl-NL" dirty="0" smtClean="0"/>
-              <a:t>People on the autism spectrum do display </a:t>
-            </a:r>
-            <a:r>
-              <a:rPr lang="nl-NL" dirty="0" smtClean="0"/>
-              <a:t>physiological response</a:t>
-            </a:r>
-            <a:endParaRPr lang="nl-NL" dirty="0" smtClean="0"/>
+              <a:t>People on the autism spectrum do display physiological response</a:t>
+            </a:r>
           </a:p>
           <a:p>
             <a:pPr>
@@ -5883,8 +5890,13 @@
             </a:pPr>
             <a:r>
               <a:rPr lang="nl-NL" dirty="0" smtClean="0"/>
-              <a:t> Determining cognitive load from GSR data</a:t>
-            </a:r>
+              <a:t> Determining cognitive load from GSR </a:t>
+            </a:r>
+            <a:r>
+              <a:rPr lang="nl-NL" dirty="0" smtClean="0"/>
+              <a:t>data</a:t>
+            </a:r>
+            <a:endParaRPr lang="nl-NL" dirty="0"/>
           </a:p>
           <a:p>
             <a:pPr>
@@ -5912,7 +5924,6 @@
               <a:rPr lang="nl-NL" dirty="0" smtClean="0"/>
               <a:t>Measure GSR data using tasks with varying difficulty</a:t>
             </a:r>
-            <a:endParaRPr lang="nl-NL" dirty="0" smtClean="0"/>
           </a:p>
           <a:p>
             <a:pPr>
@@ -5921,11 +5932,7 @@
             </a:pPr>
             <a:r>
               <a:rPr lang="nl-NL" dirty="0" smtClean="0"/>
-              <a:t> Classify </a:t>
-            </a:r>
-            <a:r>
-              <a:rPr lang="nl-NL" dirty="0" smtClean="0"/>
-              <a:t>task difficulty from features of the GSR data</a:t>
+              <a:t> Classify task difficulty from features of the GSR data</a:t>
             </a:r>
           </a:p>
         </p:txBody>
@@ -6052,7 +6059,11 @@
             </a:r>
             <a:r>
               <a:rPr lang="nl-NL" dirty="0" smtClean="0"/>
-              <a:t>8 tasks per subject, in random order</a:t>
+              <a:t>8 tasks per subject, in random </a:t>
+            </a:r>
+            <a:r>
+              <a:rPr lang="nl-NL" dirty="0" smtClean="0"/>
+              <a:t>order</a:t>
             </a:r>
           </a:p>
         </p:txBody>
@@ -6680,7 +6691,7 @@
             <a:pPr algn="ctr"/>
             <a:r>
               <a:rPr lang="nl-NL" sz="4000" dirty="0" smtClean="0"/>
-              <a:t>34</a:t>
+              <a:t>50</a:t>
             </a:r>
             <a:endParaRPr lang="nl-NL" sz="4000" dirty="0"/>
           </a:p>
@@ -7107,11 +7118,7 @@
                       </a:r>
                       <a:r>
                         <a:rPr lang="nl-NL" sz="1700" baseline="0" dirty="0" smtClean="0"/>
-                        <a:t> </a:t>
-                      </a:r>
-                      <a:r>
-                        <a:rPr lang="nl-NL" sz="1700" baseline="0" dirty="0" smtClean="0"/>
-                        <a:t>measures</a:t>
+                        <a:t> measures</a:t>
                       </a:r>
                     </a:p>
                     <a:p>
@@ -7122,7 +7129,6 @@
                         <a:rPr lang="nl-NL" sz="1700" baseline="0" dirty="0" smtClean="0"/>
                         <a:t>Behavioral measures</a:t>
                       </a:r>
-                      <a:endParaRPr lang="nl-NL" sz="1700" baseline="0" dirty="0" smtClean="0"/>
                     </a:p>
                     <a:p>
                       <a:r>
@@ -7566,6 +7572,133 @@
           <a:p>
             <a:r>
               <a:rPr lang="nl-NL" dirty="0" smtClean="0"/>
+              <a:t>Q Sensor Data</a:t>
+            </a:r>
+            <a:endParaRPr lang="nl-NL" dirty="0"/>
+          </a:p>
+        </p:txBody>
+      </p:sp>
+      <p:sp>
+        <p:nvSpPr>
+          <p:cNvPr id="3" name="Content Placeholder 2"/>
+          <p:cNvSpPr>
+            <a:spLocks noGrp="1"/>
+          </p:cNvSpPr>
+          <p:nvPr>
+            <p:ph idx="1"/>
+          </p:nvPr>
+        </p:nvSpPr>
+        <p:spPr/>
+        <p:txBody>
+          <a:bodyPr/>
+          <a:lstStyle/>
+          <a:p>
+            <a:pPr>
+              <a:buFont typeface="Wingdings" panose="05000000000000000000" pitchFamily="2" charset="2"/>
+              <a:buChar char="§"/>
+            </a:pPr>
+            <a:r>
+              <a:rPr lang="nl-NL" dirty="0" smtClean="0"/>
+              <a:t> Data proved unusable, proper connection to skin not present in many subjects</a:t>
+            </a:r>
+          </a:p>
+          <a:p>
+            <a:pPr>
+              <a:buFont typeface="Wingdings" panose="05000000000000000000" pitchFamily="2" charset="2"/>
+              <a:buChar char="§"/>
+            </a:pPr>
+            <a:r>
+              <a:rPr lang="nl-NL" dirty="0" smtClean="0"/>
+              <a:t> Needs some sweat present from the get-go</a:t>
+            </a:r>
+          </a:p>
+          <a:p>
+            <a:pPr>
+              <a:buFont typeface="Wingdings" panose="05000000000000000000" pitchFamily="2" charset="2"/>
+              <a:buChar char="§"/>
+            </a:pPr>
+            <a:endParaRPr lang="nl-NL" dirty="0"/>
+          </a:p>
+          <a:p>
+            <a:pPr>
+              <a:buFont typeface="Wingdings" panose="05000000000000000000" pitchFamily="2" charset="2"/>
+              <a:buChar char="§"/>
+            </a:pPr>
+            <a:r>
+              <a:rPr lang="nl-NL" dirty="0" smtClean="0"/>
+              <a:t> Lesson learned: </a:t>
+            </a:r>
+          </a:p>
+          <a:p>
+            <a:pPr lvl="1">
+              <a:buFont typeface="Wingdings" panose="05000000000000000000" pitchFamily="2" charset="2"/>
+              <a:buChar char="§"/>
+            </a:pPr>
+            <a:r>
+              <a:rPr lang="nl-NL" dirty="0" smtClean="0"/>
+              <a:t>Have subjects wear them longer before the first task starts</a:t>
+            </a:r>
+          </a:p>
+          <a:p>
+            <a:pPr lvl="1">
+              <a:buFont typeface="Wingdings" panose="05000000000000000000" pitchFamily="2" charset="2"/>
+              <a:buChar char="§"/>
+            </a:pPr>
+            <a:r>
+              <a:rPr lang="nl-NL" dirty="0" smtClean="0"/>
+              <a:t>Ask subjects to do some mild exercise beforehand</a:t>
+            </a:r>
+            <a:endParaRPr lang="nl-NL" dirty="0"/>
+          </a:p>
+        </p:txBody>
+      </p:sp>
+    </p:spTree>
+    <p:extLst>
+      <p:ext uri="{BB962C8B-B14F-4D97-AF65-F5344CB8AC3E}">
+        <p14:creationId xmlns:p14="http://schemas.microsoft.com/office/powerpoint/2010/main" val="2839425039"/>
+      </p:ext>
+    </p:extLst>
+  </p:cSld>
+  <p:clrMapOvr>
+    <a:masterClrMapping/>
+  </p:clrMapOvr>
+</p:sld>
+</file>
+
+<file path=ppt/slides/slide23.xml><?xml version="1.0" encoding="utf-8"?>
+<p:sld xmlns:a="http://schemas.openxmlformats.org/drawingml/2006/main" xmlns:r="http://schemas.openxmlformats.org/officeDocument/2006/relationships" xmlns:p="http://schemas.openxmlformats.org/presentationml/2006/main">
+  <p:cSld>
+    <p:spTree>
+      <p:nvGrpSpPr>
+        <p:cNvPr id="1" name=""/>
+        <p:cNvGrpSpPr/>
+        <p:nvPr/>
+      </p:nvGrpSpPr>
+      <p:grpSpPr>
+        <a:xfrm>
+          <a:off x="0" y="0"/>
+          <a:ext cx="0" cy="0"/>
+          <a:chOff x="0" y="0"/>
+          <a:chExt cx="0" cy="0"/>
+        </a:xfrm>
+      </p:grpSpPr>
+      <p:sp>
+        <p:nvSpPr>
+          <p:cNvPr id="2" name="Title 1"/>
+          <p:cNvSpPr>
+            <a:spLocks noGrp="1"/>
+          </p:cNvSpPr>
+          <p:nvPr>
+            <p:ph type="title"/>
+          </p:nvPr>
+        </p:nvSpPr>
+        <p:spPr/>
+        <p:txBody>
+          <a:bodyPr/>
+          <a:lstStyle/>
+          <a:p>
+            <a:r>
+              <a:rPr lang="nl-NL" dirty="0" smtClean="0"/>
               <a:t>Raw data</a:t>
             </a:r>
             <a:endParaRPr lang="nl-NL" dirty="0"/>
@@ -7652,7 +7785,7 @@
 </p:sld>
 </file>
 
-<file path=ppt/slides/slide23.xml><?xml version="1.0" encoding="utf-8"?>
+<file path=ppt/slides/slide24.xml><?xml version="1.0" encoding="utf-8"?>
 <p:sld xmlns:a="http://schemas.openxmlformats.org/drawingml/2006/main" xmlns:r="http://schemas.openxmlformats.org/officeDocument/2006/relationships" xmlns:p="http://schemas.openxmlformats.org/presentationml/2006/main">
   <p:cSld>
     <p:spTree>
@@ -7882,7 +8015,7 @@
 </p:sld>
 </file>
 
-<file path=ppt/slides/slide24.xml><?xml version="1.0" encoding="utf-8"?>
+<file path=ppt/slides/slide25.xml><?xml version="1.0" encoding="utf-8"?>
 <p:sld xmlns:a="http://schemas.openxmlformats.org/drawingml/2006/main" xmlns:r="http://schemas.openxmlformats.org/officeDocument/2006/relationships" xmlns:p="http://schemas.openxmlformats.org/presentationml/2006/main">
   <p:cSld>
     <p:spTree>
@@ -8093,7 +8226,7 @@
 </p:sld>
 </file>
 
-<file path=ppt/slides/slide25.xml><?xml version="1.0" encoding="utf-8"?>
+<file path=ppt/slides/slide26.xml><?xml version="1.0" encoding="utf-8"?>
 <p:sld xmlns:a="http://schemas.openxmlformats.org/drawingml/2006/main" xmlns:r="http://schemas.openxmlformats.org/officeDocument/2006/relationships" xmlns:p="http://schemas.openxmlformats.org/presentationml/2006/main">
   <p:cSld>
     <p:spTree>
@@ -8525,7 +8658,7 @@
 </p:sld>
 </file>
 
-<file path=ppt/slides/slide26.xml><?xml version="1.0" encoding="utf-8"?>
+<file path=ppt/slides/slide27.xml><?xml version="1.0" encoding="utf-8"?>
 <p:sld xmlns:a="http://schemas.openxmlformats.org/drawingml/2006/main" xmlns:r="http://schemas.openxmlformats.org/officeDocument/2006/relationships" xmlns:p="http://schemas.openxmlformats.org/presentationml/2006/main">
   <p:cSld>
     <p:spTree>
@@ -8758,7 +8891,7 @@
 </p:sld>
 </file>
 
-<file path=ppt/slides/slide27.xml><?xml version="1.0" encoding="utf-8"?>
+<file path=ppt/slides/slide28.xml><?xml version="1.0" encoding="utf-8"?>
 <p:sld xmlns:a="http://schemas.openxmlformats.org/drawingml/2006/main" xmlns:r="http://schemas.openxmlformats.org/officeDocument/2006/relationships" xmlns:p="http://schemas.openxmlformats.org/presentationml/2006/main">
   <p:cSld>
     <p:spTree>
@@ -8819,13 +8952,8 @@
             </a:pPr>
             <a:r>
               <a:rPr lang="nl-NL" dirty="0" smtClean="0"/>
-              <a:t>Extract time </a:t>
-            </a:r>
-            <a:r>
-              <a:rPr lang="nl-NL" dirty="0" smtClean="0"/>
-              <a:t>domain features</a:t>
-            </a:r>
-            <a:endParaRPr lang="nl-NL" dirty="0" smtClean="0"/>
+              <a:t>Extract time domain features</a:t>
+            </a:r>
           </a:p>
           <a:p>
             <a:pPr>
@@ -8834,15 +8962,7 @@
             </a:pPr>
             <a:r>
               <a:rPr lang="nl-NL" dirty="0" smtClean="0"/>
-              <a:t>Export to </a:t>
-            </a:r>
-            <a:r>
-              <a:rPr lang="nl-NL" dirty="0" smtClean="0"/>
-              <a:t>an easily parsable </a:t>
-            </a:r>
-            <a:r>
-              <a:rPr lang="nl-NL" dirty="0" smtClean="0"/>
-              <a:t>format (CSV)</a:t>
+              <a:t>Export to an easily parsable format (CSV)</a:t>
             </a:r>
             <a:endParaRPr lang="nl-NL" dirty="0"/>
           </a:p>
@@ -9027,7 +9147,7 @@
 </p:sld>
 </file>
 
-<file path=ppt/slides/slide28.xml><?xml version="1.0" encoding="utf-8"?>
+<file path=ppt/slides/slide29.xml><?xml version="1.0" encoding="utf-8"?>
 <p:sld xmlns:a="http://schemas.openxmlformats.org/drawingml/2006/main" xmlns:r="http://schemas.openxmlformats.org/officeDocument/2006/relationships" xmlns:p="http://schemas.openxmlformats.org/presentationml/2006/main">
   <p:cSld>
     <p:spTree>
@@ -9259,205 +9379,6 @@
     <p:extLst>
       <p:ext uri="{BB962C8B-B14F-4D97-AF65-F5344CB8AC3E}">
         <p14:creationId xmlns:p14="http://schemas.microsoft.com/office/powerpoint/2010/main" val="4011496843"/>
-      </p:ext>
-    </p:extLst>
-  </p:cSld>
-  <p:clrMapOvr>
-    <a:masterClrMapping/>
-  </p:clrMapOvr>
-  <p:timing>
-    <p:tnLst>
-      <p:par>
-        <p:cTn id="1" dur="indefinite" restart="never" nodeType="tmRoot"/>
-      </p:par>
-    </p:tnLst>
-  </p:timing>
-</p:sld>
-</file>
-
-<file path=ppt/slides/slide29.xml><?xml version="1.0" encoding="utf-8"?>
-<p:sld xmlns:a="http://schemas.openxmlformats.org/drawingml/2006/main" xmlns:r="http://schemas.openxmlformats.org/officeDocument/2006/relationships" xmlns:p="http://schemas.openxmlformats.org/presentationml/2006/main">
-  <p:cSld>
-    <p:spTree>
-      <p:nvGrpSpPr>
-        <p:cNvPr id="1" name=""/>
-        <p:cNvGrpSpPr/>
-        <p:nvPr/>
-      </p:nvGrpSpPr>
-      <p:grpSpPr>
-        <a:xfrm>
-          <a:off x="0" y="0"/>
-          <a:ext cx="0" cy="0"/>
-          <a:chOff x="0" y="0"/>
-          <a:chExt cx="0" cy="0"/>
-        </a:xfrm>
-      </p:grpSpPr>
-      <p:sp>
-        <p:nvSpPr>
-          <p:cNvPr id="2" name="Title 1"/>
-          <p:cNvSpPr>
-            <a:spLocks noGrp="1"/>
-          </p:cNvSpPr>
-          <p:nvPr>
-            <p:ph type="title"/>
-          </p:nvPr>
-        </p:nvSpPr>
-        <p:spPr/>
-        <p:txBody>
-          <a:bodyPr/>
-          <a:lstStyle/>
-          <a:p>
-            <a:r>
-              <a:rPr lang="nl-NL" dirty="0" smtClean="0"/>
-              <a:t>Visualization</a:t>
-            </a:r>
-            <a:endParaRPr lang="nl-NL" dirty="0"/>
-          </a:p>
-        </p:txBody>
-      </p:sp>
-      <p:sp>
-        <p:nvSpPr>
-          <p:cNvPr id="3" name="Content Placeholder 2"/>
-          <p:cNvSpPr>
-            <a:spLocks noGrp="1"/>
-          </p:cNvSpPr>
-          <p:nvPr>
-            <p:ph idx="1"/>
-          </p:nvPr>
-        </p:nvSpPr>
-        <p:spPr>
-          <a:xfrm>
-            <a:off x="1097280" y="1819373"/>
-            <a:ext cx="5435495" cy="4213782"/>
-          </a:xfrm>
-        </p:spPr>
-        <p:txBody>
-          <a:bodyPr/>
-          <a:lstStyle/>
-          <a:p>
-            <a:r>
-              <a:rPr lang="nl-NL" dirty="0" smtClean="0"/>
-              <a:t>Standard Deviation vs Task Difficulty</a:t>
-            </a:r>
-            <a:endParaRPr lang="nl-NL" dirty="0"/>
-          </a:p>
-        </p:txBody>
-      </p:sp>
-      <p:pic>
-        <p:nvPicPr>
-          <p:cNvPr id="2050" name="Picture 2" descr="http://puu.sh/drGOW/ef9bf5a47c.png"/>
-          <p:cNvPicPr>
-            <a:picLocks noChangeAspect="1" noChangeArrowheads="1"/>
-          </p:cNvPicPr>
-          <p:nvPr/>
-        </p:nvPicPr>
-        <p:blipFill>
-          <a:blip r:embed="rId2">
-            <a:extLst>
-              <a:ext uri="{28A0092B-C50C-407E-A947-70E740481C1C}">
-                <a14:useLocalDpi xmlns:a14="http://schemas.microsoft.com/office/drawing/2010/main" val="0"/>
-              </a:ext>
-            </a:extLst>
-          </a:blip>
-          <a:srcRect/>
-          <a:stretch>
-            <a:fillRect/>
-          </a:stretch>
-        </p:blipFill>
-        <p:spPr bwMode="auto">
-          <a:xfrm>
-            <a:off x="1191548" y="2211494"/>
-            <a:ext cx="5248275" cy="3657600"/>
-          </a:xfrm>
-          <a:prstGeom prst="rect">
-            <a:avLst/>
-          </a:prstGeom>
-          <a:noFill/>
-          <a:extLst>
-            <a:ext uri="{909E8E84-426E-40DD-AFC4-6F175D3DCCD1}">
-              <a14:hiddenFill xmlns:a14="http://schemas.microsoft.com/office/drawing/2010/main">
-                <a:solidFill>
-                  <a:srgbClr val="FFFFFF"/>
-                </a:solidFill>
-              </a14:hiddenFill>
-            </a:ext>
-          </a:extLst>
-        </p:spPr>
-      </p:pic>
-      <p:pic>
-        <p:nvPicPr>
-          <p:cNvPr id="2052" name="Picture 4" descr="http://puu.sh/drH98/81bae0223d.png"/>
-          <p:cNvPicPr>
-            <a:picLocks noChangeAspect="1" noChangeArrowheads="1"/>
-          </p:cNvPicPr>
-          <p:nvPr/>
-        </p:nvPicPr>
-        <p:blipFill>
-          <a:blip r:embed="rId3">
-            <a:extLst>
-              <a:ext uri="{28A0092B-C50C-407E-A947-70E740481C1C}">
-                <a14:useLocalDpi xmlns:a14="http://schemas.microsoft.com/office/drawing/2010/main" val="0"/>
-              </a:ext>
-            </a:extLst>
-          </a:blip>
-          <a:srcRect/>
-          <a:stretch>
-            <a:fillRect/>
-          </a:stretch>
-        </p:blipFill>
-        <p:spPr bwMode="auto">
-          <a:xfrm>
-            <a:off x="6631789" y="2225781"/>
-            <a:ext cx="5248275" cy="3629025"/>
-          </a:xfrm>
-          <a:prstGeom prst="rect">
-            <a:avLst/>
-          </a:prstGeom>
-          <a:noFill/>
-          <a:extLst>
-            <a:ext uri="{909E8E84-426E-40DD-AFC4-6F175D3DCCD1}">
-              <a14:hiddenFill xmlns:a14="http://schemas.microsoft.com/office/drawing/2010/main">
-                <a:solidFill>
-                  <a:srgbClr val="FFFFFF"/>
-                </a:solidFill>
-              </a14:hiddenFill>
-            </a:ext>
-          </a:extLst>
-        </p:spPr>
-      </p:pic>
-      <p:sp>
-        <p:nvSpPr>
-          <p:cNvPr id="4" name="Rectangle 3"/>
-          <p:cNvSpPr/>
-          <p:nvPr/>
-        </p:nvSpPr>
-        <p:spPr>
-          <a:xfrm>
-            <a:off x="6532775" y="1819373"/>
-            <a:ext cx="2960234" cy="369332"/>
-          </a:xfrm>
-          <a:prstGeom prst="rect">
-            <a:avLst/>
-          </a:prstGeom>
-        </p:spPr>
-        <p:txBody>
-          <a:bodyPr wrap="none">
-            <a:spAutoFit/>
-          </a:bodyPr>
-          <a:lstStyle/>
-          <a:p>
-            <a:r>
-              <a:rPr lang="nl-NL" dirty="0" smtClean="0"/>
-              <a:t>Average GSR vs Task Difficulty</a:t>
-            </a:r>
-            <a:endParaRPr lang="nl-NL" dirty="0"/>
-          </a:p>
-        </p:txBody>
-      </p:sp>
-    </p:spTree>
-    <p:extLst>
-      <p:ext uri="{BB962C8B-B14F-4D97-AF65-F5344CB8AC3E}">
-        <p14:creationId xmlns:p14="http://schemas.microsoft.com/office/powerpoint/2010/main" val="2223941995"/>
       </p:ext>
     </p:extLst>
   </p:cSld>
@@ -9694,11 +9615,7 @@
                       </a:r>
                       <a:r>
                         <a:rPr lang="nl-NL" sz="2000" b="1" baseline="0" dirty="0" smtClean="0"/>
-                        <a:t> </a:t>
-                      </a:r>
-                      <a:r>
-                        <a:rPr lang="nl-NL" sz="2000" b="1" baseline="0" dirty="0" smtClean="0"/>
-                        <a:t>measures</a:t>
+                        <a:t> measures</a:t>
                       </a:r>
                     </a:p>
                     <a:p>
@@ -9709,7 +9626,6 @@
                         <a:rPr lang="nl-NL" sz="1700" baseline="0" dirty="0" smtClean="0"/>
                         <a:t>Behavioral measures</a:t>
                       </a:r>
-                      <a:endParaRPr lang="nl-NL" sz="1700" baseline="0" dirty="0" smtClean="0"/>
                     </a:p>
                     <a:p>
                       <a:r>
@@ -9745,11 +9661,7 @@
                       </a:r>
                       <a:r>
                         <a:rPr lang="nl-NL" sz="1700" dirty="0" smtClean="0"/>
-                        <a:t>activity measures (e.g. fMRI</a:t>
-                      </a:r>
-                      <a:r>
-                        <a:rPr lang="nl-NL" sz="1700" dirty="0" smtClean="0"/>
-                        <a:t>)</a:t>
+                        <a:t>activity measures (e.g. fMRI)</a:t>
                       </a:r>
                     </a:p>
                     <a:p>
@@ -9832,6 +9744,205 @@
 </file>
 
 <file path=ppt/slides/slide30.xml><?xml version="1.0" encoding="utf-8"?>
+<p:sld xmlns:a="http://schemas.openxmlformats.org/drawingml/2006/main" xmlns:r="http://schemas.openxmlformats.org/officeDocument/2006/relationships" xmlns:p="http://schemas.openxmlformats.org/presentationml/2006/main">
+  <p:cSld>
+    <p:spTree>
+      <p:nvGrpSpPr>
+        <p:cNvPr id="1" name=""/>
+        <p:cNvGrpSpPr/>
+        <p:nvPr/>
+      </p:nvGrpSpPr>
+      <p:grpSpPr>
+        <a:xfrm>
+          <a:off x="0" y="0"/>
+          <a:ext cx="0" cy="0"/>
+          <a:chOff x="0" y="0"/>
+          <a:chExt cx="0" cy="0"/>
+        </a:xfrm>
+      </p:grpSpPr>
+      <p:sp>
+        <p:nvSpPr>
+          <p:cNvPr id="2" name="Title 1"/>
+          <p:cNvSpPr>
+            <a:spLocks noGrp="1"/>
+          </p:cNvSpPr>
+          <p:nvPr>
+            <p:ph type="title"/>
+          </p:nvPr>
+        </p:nvSpPr>
+        <p:spPr/>
+        <p:txBody>
+          <a:bodyPr/>
+          <a:lstStyle/>
+          <a:p>
+            <a:r>
+              <a:rPr lang="nl-NL" dirty="0" smtClean="0"/>
+              <a:t>Visualization</a:t>
+            </a:r>
+            <a:endParaRPr lang="nl-NL" dirty="0"/>
+          </a:p>
+        </p:txBody>
+      </p:sp>
+      <p:sp>
+        <p:nvSpPr>
+          <p:cNvPr id="3" name="Content Placeholder 2"/>
+          <p:cNvSpPr>
+            <a:spLocks noGrp="1"/>
+          </p:cNvSpPr>
+          <p:nvPr>
+            <p:ph idx="1"/>
+          </p:nvPr>
+        </p:nvSpPr>
+        <p:spPr>
+          <a:xfrm>
+            <a:off x="1097280" y="1819373"/>
+            <a:ext cx="5435495" cy="4213782"/>
+          </a:xfrm>
+        </p:spPr>
+        <p:txBody>
+          <a:bodyPr/>
+          <a:lstStyle/>
+          <a:p>
+            <a:r>
+              <a:rPr lang="nl-NL" dirty="0" smtClean="0"/>
+              <a:t>Standard Deviation vs Task Difficulty</a:t>
+            </a:r>
+            <a:endParaRPr lang="nl-NL" dirty="0"/>
+          </a:p>
+        </p:txBody>
+      </p:sp>
+      <p:pic>
+        <p:nvPicPr>
+          <p:cNvPr id="2050" name="Picture 2" descr="http://puu.sh/drGOW/ef9bf5a47c.png"/>
+          <p:cNvPicPr>
+            <a:picLocks noChangeAspect="1" noChangeArrowheads="1"/>
+          </p:cNvPicPr>
+          <p:nvPr/>
+        </p:nvPicPr>
+        <p:blipFill>
+          <a:blip r:embed="rId2">
+            <a:extLst>
+              <a:ext uri="{28A0092B-C50C-407E-A947-70E740481C1C}">
+                <a14:useLocalDpi xmlns:a14="http://schemas.microsoft.com/office/drawing/2010/main" val="0"/>
+              </a:ext>
+            </a:extLst>
+          </a:blip>
+          <a:srcRect/>
+          <a:stretch>
+            <a:fillRect/>
+          </a:stretch>
+        </p:blipFill>
+        <p:spPr bwMode="auto">
+          <a:xfrm>
+            <a:off x="1191548" y="2211494"/>
+            <a:ext cx="5248275" cy="3657600"/>
+          </a:xfrm>
+          <a:prstGeom prst="rect">
+            <a:avLst/>
+          </a:prstGeom>
+          <a:noFill/>
+          <a:extLst>
+            <a:ext uri="{909E8E84-426E-40DD-AFC4-6F175D3DCCD1}">
+              <a14:hiddenFill xmlns:a14="http://schemas.microsoft.com/office/drawing/2010/main">
+                <a:solidFill>
+                  <a:srgbClr val="FFFFFF"/>
+                </a:solidFill>
+              </a14:hiddenFill>
+            </a:ext>
+          </a:extLst>
+        </p:spPr>
+      </p:pic>
+      <p:pic>
+        <p:nvPicPr>
+          <p:cNvPr id="2052" name="Picture 4" descr="http://puu.sh/drH98/81bae0223d.png"/>
+          <p:cNvPicPr>
+            <a:picLocks noChangeAspect="1" noChangeArrowheads="1"/>
+          </p:cNvPicPr>
+          <p:nvPr/>
+        </p:nvPicPr>
+        <p:blipFill>
+          <a:blip r:embed="rId3">
+            <a:extLst>
+              <a:ext uri="{28A0092B-C50C-407E-A947-70E740481C1C}">
+                <a14:useLocalDpi xmlns:a14="http://schemas.microsoft.com/office/drawing/2010/main" val="0"/>
+              </a:ext>
+            </a:extLst>
+          </a:blip>
+          <a:srcRect/>
+          <a:stretch>
+            <a:fillRect/>
+          </a:stretch>
+        </p:blipFill>
+        <p:spPr bwMode="auto">
+          <a:xfrm>
+            <a:off x="6631789" y="2225781"/>
+            <a:ext cx="5248275" cy="3629025"/>
+          </a:xfrm>
+          <a:prstGeom prst="rect">
+            <a:avLst/>
+          </a:prstGeom>
+          <a:noFill/>
+          <a:extLst>
+            <a:ext uri="{909E8E84-426E-40DD-AFC4-6F175D3DCCD1}">
+              <a14:hiddenFill xmlns:a14="http://schemas.microsoft.com/office/drawing/2010/main">
+                <a:solidFill>
+                  <a:srgbClr val="FFFFFF"/>
+                </a:solidFill>
+              </a14:hiddenFill>
+            </a:ext>
+          </a:extLst>
+        </p:spPr>
+      </p:pic>
+      <p:sp>
+        <p:nvSpPr>
+          <p:cNvPr id="4" name="Rectangle 3"/>
+          <p:cNvSpPr/>
+          <p:nvPr/>
+        </p:nvSpPr>
+        <p:spPr>
+          <a:xfrm>
+            <a:off x="6532775" y="1819373"/>
+            <a:ext cx="2960234" cy="369332"/>
+          </a:xfrm>
+          <a:prstGeom prst="rect">
+            <a:avLst/>
+          </a:prstGeom>
+        </p:spPr>
+        <p:txBody>
+          <a:bodyPr wrap="none">
+            <a:spAutoFit/>
+          </a:bodyPr>
+          <a:lstStyle/>
+          <a:p>
+            <a:r>
+              <a:rPr lang="nl-NL" dirty="0" smtClean="0"/>
+              <a:t>Average GSR vs Task Difficulty</a:t>
+            </a:r>
+            <a:endParaRPr lang="nl-NL" dirty="0"/>
+          </a:p>
+        </p:txBody>
+      </p:sp>
+    </p:spTree>
+    <p:extLst>
+      <p:ext uri="{BB962C8B-B14F-4D97-AF65-F5344CB8AC3E}">
+        <p14:creationId xmlns:p14="http://schemas.microsoft.com/office/powerpoint/2010/main" val="2223941995"/>
+      </p:ext>
+    </p:extLst>
+  </p:cSld>
+  <p:clrMapOvr>
+    <a:masterClrMapping/>
+  </p:clrMapOvr>
+  <p:timing>
+    <p:tnLst>
+      <p:par>
+        <p:cTn id="1" dur="indefinite" restart="never" nodeType="tmRoot"/>
+      </p:par>
+    </p:tnLst>
+  </p:timing>
+</p:sld>
+</file>
+
+<file path=ppt/slides/slide31.xml><?xml version="1.0" encoding="utf-8"?>
 <p:sld xmlns:a="http://schemas.openxmlformats.org/drawingml/2006/main" xmlns:r="http://schemas.openxmlformats.org/officeDocument/2006/relationships" xmlns:p="http://schemas.openxmlformats.org/presentationml/2006/main">
   <p:cSld>
     <p:spTree>
@@ -10321,7 +10432,7 @@
 </p:sld>
 </file>
 
-<file path=ppt/slides/slide31.xml><?xml version="1.0" encoding="utf-8"?>
+<file path=ppt/slides/slide32.xml><?xml version="1.0" encoding="utf-8"?>
 <p:sld xmlns:a="http://schemas.openxmlformats.org/drawingml/2006/main" xmlns:r="http://schemas.openxmlformats.org/officeDocument/2006/relationships" xmlns:p="http://schemas.openxmlformats.org/presentationml/2006/main">
   <p:cSld>
     <p:spTree>
@@ -10933,7 +11044,7 @@
 </p:sld>
 </file>
 
-<file path=ppt/slides/slide32.xml><?xml version="1.0" encoding="utf-8"?>
+<file path=ppt/slides/slide33.xml><?xml version="1.0" encoding="utf-8"?>
 <p:sld xmlns:a="http://schemas.openxmlformats.org/drawingml/2006/main" xmlns:r="http://schemas.openxmlformats.org/officeDocument/2006/relationships" xmlns:p="http://schemas.openxmlformats.org/presentationml/2006/main">
   <p:cSld>
     <p:spTree>
@@ -11072,7 +11183,7 @@
 </p:sld>
 </file>
 
-<file path=ppt/slides/slide33.xml><?xml version="1.0" encoding="utf-8"?>
+<file path=ppt/slides/slide34.xml><?xml version="1.0" encoding="utf-8"?>
 <p:sld xmlns:a="http://schemas.openxmlformats.org/drawingml/2006/main" xmlns:r="http://schemas.openxmlformats.org/officeDocument/2006/relationships" xmlns:p="http://schemas.openxmlformats.org/presentationml/2006/main">
   <p:cSld>
     <p:spTree>
@@ -11237,11 +11348,7 @@
           <a:p>
             <a:r>
               <a:rPr lang="nl-NL" dirty="0" smtClean="0"/>
-              <a:t>Physiological </a:t>
-            </a:r>
-            <a:r>
-              <a:rPr lang="nl-NL" dirty="0" smtClean="0"/>
-              <a:t>response</a:t>
+              <a:t>Physiological response</a:t>
             </a:r>
             <a:endParaRPr lang="nl-NL" dirty="0"/>
           </a:p>
@@ -11278,11 +11385,7 @@
           <a:p>
             <a:r>
               <a:rPr lang="nl-NL" sz="2800" dirty="0" smtClean="0"/>
-              <a:t>Many </a:t>
-            </a:r>
-            <a:r>
-              <a:rPr lang="nl-NL" sz="2800" dirty="0" smtClean="0"/>
-              <a:t>different options for measuring</a:t>
+              <a:t>Many different options for measuring</a:t>
             </a:r>
             <a:endParaRPr lang="nl-NL" sz="2800" dirty="0"/>
           </a:p>
@@ -12100,15 +12203,7 @@
           <a:p>
             <a:r>
               <a:rPr lang="nl-NL" sz="2800" dirty="0" smtClean="0"/>
-              <a:t>Multiple can </a:t>
-            </a:r>
-            <a:r>
-              <a:rPr lang="nl-NL" sz="2800" dirty="0" smtClean="0"/>
-              <a:t>generally </a:t>
-            </a:r>
-            <a:r>
-              <a:rPr lang="nl-NL" sz="2800" dirty="0" smtClean="0"/>
-              <a:t>be measured simultaneously</a:t>
+              <a:t>Multiple can generally be measured simultaneously</a:t>
             </a:r>
             <a:endParaRPr lang="nl-NL" sz="2800" dirty="0"/>
           </a:p>
